--- a/EPAM_TypeScriptFundamentals.pptx
+++ b/EPAM_TypeScriptFundamentals.pptx
@@ -5,20 +5,22 @@
     <p:sldMasterId id="2147483730" r:id="rId4"/>
   </p:sldMasterIdLst>
   <p:notesMasterIdLst>
-    <p:notesMasterId r:id="rId13"/>
+    <p:notesMasterId r:id="rId15"/>
   </p:notesMasterIdLst>
   <p:handoutMasterIdLst>
-    <p:handoutMasterId r:id="rId14"/>
+    <p:handoutMasterId r:id="rId16"/>
   </p:handoutMasterIdLst>
   <p:sldIdLst>
     <p:sldId id="448" r:id="rId5"/>
     <p:sldId id="451" r:id="rId6"/>
-    <p:sldId id="271" r:id="rId7"/>
-    <p:sldId id="457" r:id="rId8"/>
-    <p:sldId id="353" r:id="rId9"/>
-    <p:sldId id="354" r:id="rId10"/>
-    <p:sldId id="464" r:id="rId11"/>
-    <p:sldId id="465" r:id="rId12"/>
+    <p:sldId id="466" r:id="rId7"/>
+    <p:sldId id="271" r:id="rId8"/>
+    <p:sldId id="464" r:id="rId9"/>
+    <p:sldId id="457" r:id="rId10"/>
+    <p:sldId id="353" r:id="rId11"/>
+    <p:sldId id="354" r:id="rId12"/>
+    <p:sldId id="465" r:id="rId13"/>
+    <p:sldId id="468" r:id="rId14"/>
   </p:sldIdLst>
   <p:sldSz cx="9144000" cy="5143500" type="screen16x9"/>
   <p:notesSz cx="6858000" cy="9144000"/>
@@ -907,7 +909,7 @@
           <a:p>
             <a:fld id="{7AE90029-A909-AD4E-9775-A0D64990AD22}" type="slidenum">
               <a:rPr lang="en-US" smtClean="0"/>
-              <a:t>3</a:t>
+              <a:t>4</a:t>
             </a:fld>
             <a:endParaRPr lang="en-US"/>
           </a:p>
@@ -1013,7 +1015,7 @@
           <a:p>
             <a:fld id="{7AE90029-A909-AD4E-9775-A0D64990AD22}" type="slidenum">
               <a:rPr lang="en-US" smtClean="0"/>
-              <a:t>5</a:t>
+              <a:t>7</a:t>
             </a:fld>
             <a:endParaRPr lang="en-US"/>
           </a:p>
@@ -1119,7 +1121,7 @@
           <a:p>
             <a:fld id="{7AE90029-A909-AD4E-9775-A0D64990AD22}" type="slidenum">
               <a:rPr lang="en-US" smtClean="0"/>
-              <a:t>6</a:t>
+              <a:t>8</a:t>
             </a:fld>
             <a:endParaRPr lang="en-US"/>
           </a:p>
@@ -3965,11 +3967,18 @@
           <a:lstStyle/>
           <a:p>
             <a:r>
-              <a:rPr lang="en-US" smtClean="0">
+              <a:rPr lang="en-US" dirty="0" smtClean="0">
                 <a:latin typeface="Trebuchet MS"/>
                 <a:cs typeface="Trebuchet MS"/>
               </a:rPr>
-              <a:t>MAY 2016</a:t>
+              <a:t>MAY 18 </a:t>
+            </a:r>
+            <a:r>
+              <a:rPr lang="en-US" dirty="0" smtClean="0">
+                <a:latin typeface="Trebuchet MS"/>
+                <a:cs typeface="Trebuchet MS"/>
+              </a:rPr>
+              <a:t>2016</a:t>
             </a:r>
             <a:endParaRPr lang="en-US" dirty="0">
               <a:latin typeface="Trebuchet MS"/>
@@ -4026,6 +4035,128 @@
     <p:extLst>
       <p:ext uri="{BB962C8B-B14F-4D97-AF65-F5344CB8AC3E}">
         <p14:creationId xmlns:p14="http://schemas.microsoft.com/office/powerpoint/2010/main" val="1715862292"/>
+      </p:ext>
+    </p:extLst>
+  </p:cSld>
+  <p:clrMapOvr>
+    <a:masterClrMapping/>
+  </p:clrMapOvr>
+  <p:timing>
+    <p:tnLst>
+      <p:par>
+        <p:cTn id="1" dur="indefinite" restart="never" nodeType="tmRoot"/>
+      </p:par>
+    </p:tnLst>
+  </p:timing>
+</p:sld>
+</file>
+
+<file path=ppt/slides/slide10.xml><?xml version="1.0" encoding="utf-8"?>
+<p:sld xmlns:a="http://schemas.openxmlformats.org/drawingml/2006/main" xmlns:r="http://schemas.openxmlformats.org/officeDocument/2006/relationships" xmlns:p="http://schemas.openxmlformats.org/presentationml/2006/main">
+  <p:cSld>
+    <p:spTree>
+      <p:nvGrpSpPr>
+        <p:cNvPr id="1" name=""/>
+        <p:cNvGrpSpPr/>
+        <p:nvPr/>
+      </p:nvGrpSpPr>
+      <p:grpSpPr>
+        <a:xfrm>
+          <a:off x="0" y="0"/>
+          <a:ext cx="0" cy="0"/>
+          <a:chOff x="0" y="0"/>
+          <a:chExt cx="0" cy="0"/>
+        </a:xfrm>
+      </p:grpSpPr>
+      <p:sp>
+        <p:nvSpPr>
+          <p:cNvPr id="9" name="Text Placeholder 8"/>
+          <p:cNvSpPr>
+            <a:spLocks noGrp="1"/>
+          </p:cNvSpPr>
+          <p:nvPr>
+            <p:ph type="body" sz="quarter" idx="10"/>
+          </p:nvPr>
+        </p:nvSpPr>
+        <p:spPr>
+          <a:xfrm>
+            <a:off x="627880" y="3474771"/>
+            <a:ext cx="7450669" cy="744805"/>
+          </a:xfrm>
+        </p:spPr>
+        <p:txBody>
+          <a:bodyPr>
+            <a:noAutofit/>
+          </a:bodyPr>
+          <a:lstStyle/>
+          <a:p>
+            <a:r>
+              <a:rPr lang="en-US" sz="3200" u="sng" dirty="0" smtClean="0"/>
+              <a:t>Thank you !</a:t>
+            </a:r>
+            <a:endParaRPr lang="en-US" sz="3200" dirty="0"/>
+          </a:p>
+        </p:txBody>
+      </p:sp>
+      <p:pic>
+        <p:nvPicPr>
+          <p:cNvPr id="17" name="Picture Placeholder 16" descr="logo_cover_4.png"/>
+          <p:cNvPicPr>
+            <a:picLocks noGrp="1" noChangeAspect="1"/>
+          </p:cNvPicPr>
+          <p:nvPr>
+            <p:ph type="pic" sz="quarter" idx="18"/>
+          </p:nvPr>
+        </p:nvPicPr>
+        <p:blipFill>
+          <a:blip r:embed="rId2" cstate="screen">
+            <a:extLst>
+              <a:ext uri="{28A0092B-C50C-407E-A947-70E740481C1C}">
+                <a14:useLocalDpi xmlns:a14="http://schemas.microsoft.com/office/drawing/2010/main"/>
+              </a:ext>
+            </a:extLst>
+          </a:blip>
+          <a:srcRect t="3538" b="3538"/>
+          <a:stretch>
+            <a:fillRect/>
+          </a:stretch>
+        </p:blipFill>
+        <p:spPr/>
+      </p:pic>
+      <p:pic>
+        <p:nvPicPr>
+          <p:cNvPr id="4" name="Picture 3"/>
+          <p:cNvPicPr>
+            <a:picLocks noChangeAspect="1"/>
+          </p:cNvPicPr>
+          <p:nvPr/>
+        </p:nvPicPr>
+        <p:blipFill>
+          <a:blip r:embed="rId3">
+            <a:extLst>
+              <a:ext uri="{28A0092B-C50C-407E-A947-70E740481C1C}">
+                <a14:useLocalDpi xmlns:a14="http://schemas.microsoft.com/office/drawing/2010/main" val="0"/>
+              </a:ext>
+            </a:extLst>
+          </a:blip>
+          <a:stretch>
+            <a:fillRect/>
+          </a:stretch>
+        </p:blipFill>
+        <p:spPr>
+          <a:xfrm>
+            <a:off x="7575550" y="41168"/>
+            <a:ext cx="1447800" cy="1447800"/>
+          </a:xfrm>
+          <a:prstGeom prst="rect">
+            <a:avLst/>
+          </a:prstGeom>
+        </p:spPr>
+      </p:pic>
+    </p:spTree>
+    <p:extLst>
+      <p:ext uri="{BB962C8B-B14F-4D97-AF65-F5344CB8AC3E}">
+        <p14:creationId xmlns:p14="http://schemas.microsoft.com/office/powerpoint/2010/main" val="1098521210"/>
       </p:ext>
     </p:extLst>
   </p:cSld>
@@ -4077,18 +4208,18 @@
           <a:lstStyle/>
           <a:p>
             <a:r>
-              <a:rPr lang="en-US" u="sng" dirty="0">
+              <a:rPr lang="en-US" sz="3200" u="sng" dirty="0">
                 <a:hlinkClick r:id="rId2"/>
               </a:rPr>
               <a:t>What is </a:t>
             </a:r>
             <a:r>
-              <a:rPr lang="en-US" u="sng" dirty="0" err="1">
+              <a:rPr lang="en-US" sz="3200" u="sng" dirty="0" err="1">
                 <a:hlinkClick r:id="rId2"/>
               </a:rPr>
               <a:t>TypeScript</a:t>
             </a:r>
-            <a:endParaRPr lang="en-US" dirty="0"/>
+            <a:endParaRPr lang="en-US" sz="3200" dirty="0"/>
           </a:p>
         </p:txBody>
       </p:sp>
@@ -4139,7 +4270,7 @@
         </p:blipFill>
         <p:spPr>
           <a:xfrm>
-            <a:off x="2171700" y="0"/>
+            <a:off x="7575550" y="41168"/>
             <a:ext cx="1447800" cy="1447800"/>
           </a:xfrm>
           <a:prstGeom prst="rect">
@@ -4147,18 +4278,6 @@
           </a:prstGeom>
         </p:spPr>
       </p:pic>
-      <p:sp>
-        <p:nvSpPr>
-          <p:cNvPr id="5" name="Picture Placeholder 4"/>
-          <p:cNvSpPr>
-            <a:spLocks noGrp="1"/>
-          </p:cNvSpPr>
-          <p:nvPr>
-            <p:ph type="pic" sz="quarter" idx="19"/>
-          </p:nvPr>
-        </p:nvSpPr>
-        <p:spPr/>
-      </p:sp>
       <p:grpSp>
         <p:nvGrpSpPr>
           <p:cNvPr id="16" name="Group 15"/>
@@ -4647,7 +4766,6 @@
                 <a:rPr lang="en-US" sz="1600" dirty="0"/>
                 <a:t>Any browser. Any host. Any OS. Open Source.</a:t>
               </a:r>
-              <a:endParaRPr lang="en-US" sz="1600" dirty="0"/>
             </a:p>
           </p:txBody>
         </p:sp>
@@ -4782,363 +4900,893 @@
           <a:chExt cx="0" cy="0"/>
         </a:xfrm>
       </p:grpSpPr>
-      <p:sp>
-        <p:nvSpPr>
-          <p:cNvPr id="6" name="Text Placeholder 5"/>
-          <p:cNvSpPr>
-            <a:spLocks noGrp="1"/>
-          </p:cNvSpPr>
+      <p:pic>
+        <p:nvPicPr>
+          <p:cNvPr id="17" name="Picture Placeholder 16" descr="logo_cover_4.png"/>
+          <p:cNvPicPr>
+            <a:picLocks noGrp="1" noChangeAspect="1"/>
+          </p:cNvPicPr>
           <p:nvPr>
-            <p:ph type="body" sz="quarter" idx="10"/>
+            <p:ph type="pic" sz="quarter" idx="18"/>
           </p:nvPr>
-        </p:nvSpPr>
+        </p:nvPicPr>
+        <p:blipFill>
+          <a:blip r:embed="rId2" cstate="screen">
+            <a:extLst>
+              <a:ext uri="{28A0092B-C50C-407E-A947-70E740481C1C}">
+                <a14:useLocalDpi xmlns:a14="http://schemas.microsoft.com/office/drawing/2010/main"/>
+              </a:ext>
+            </a:extLst>
+          </a:blip>
+          <a:srcRect t="3538" b="3538"/>
+          <a:stretch>
+            <a:fillRect/>
+          </a:stretch>
+        </p:blipFill>
         <p:spPr/>
-        <p:txBody>
-          <a:bodyPr>
-            <a:normAutofit/>
-          </a:bodyPr>
-          <a:lstStyle/>
-          <a:p>
-            <a:r>
-              <a:rPr lang="en-US" dirty="0"/>
-              <a:t>Basic Types</a:t>
-            </a:r>
-            <a:endParaRPr lang="en-US" dirty="0"/>
-          </a:p>
-        </p:txBody>
-      </p:sp>
-      <p:sp>
-        <p:nvSpPr>
-          <p:cNvPr id="8" name="Content Placeholder 7"/>
-          <p:cNvSpPr>
-            <a:spLocks noGrp="1"/>
-          </p:cNvSpPr>
-          <p:nvPr>
-            <p:ph idx="1"/>
-          </p:nvPr>
-        </p:nvSpPr>
+      </p:pic>
+      <p:pic>
+        <p:nvPicPr>
+          <p:cNvPr id="4" name="Picture 3"/>
+          <p:cNvPicPr>
+            <a:picLocks noChangeAspect="1"/>
+          </p:cNvPicPr>
+          <p:nvPr/>
+        </p:nvPicPr>
+        <p:blipFill>
+          <a:blip r:embed="rId3">
+            <a:extLst>
+              <a:ext uri="{28A0092B-C50C-407E-A947-70E740481C1C}">
+                <a14:useLocalDpi xmlns:a14="http://schemas.microsoft.com/office/drawing/2010/main" val="0"/>
+              </a:ext>
+            </a:extLst>
+          </a:blip>
+          <a:stretch>
+            <a:fillRect/>
+          </a:stretch>
+        </p:blipFill>
         <p:spPr>
           <a:xfrm>
-            <a:off x="352473" y="809625"/>
-            <a:ext cx="8339328" cy="3652647"/>
-          </a:xfrm>
-        </p:spPr>
-        <p:txBody>
-          <a:bodyPr>
-            <a:normAutofit fontScale="92500" lnSpcReduction="20000"/>
-          </a:bodyPr>
-          <a:lstStyle/>
-          <a:p>
-            <a:pPr marL="214313" indent="-214313">
-              <a:lnSpc>
-                <a:spcPct val="130000"/>
-              </a:lnSpc>
-              <a:buFont typeface="Arial"/>
-              <a:buChar char="•"/>
-            </a:pPr>
-            <a:r>
-              <a:rPr lang="en-US" dirty="0" smtClean="0">
-                <a:cs typeface="Trebuchet MS"/>
-              </a:rPr>
-              <a:t>Boolean </a:t>
-            </a:r>
-            <a:r>
-              <a:rPr lang="en-US" dirty="0">
-                <a:cs typeface="Trebuchet MS"/>
-              </a:rPr>
-              <a:t>- true or </a:t>
-            </a:r>
-            <a:r>
-              <a:rPr lang="en-US" dirty="0" smtClean="0">
-                <a:cs typeface="Trebuchet MS"/>
-              </a:rPr>
-              <a:t>false</a:t>
-            </a:r>
-          </a:p>
-          <a:p>
-            <a:pPr marL="214313" indent="-214313">
-              <a:lnSpc>
-                <a:spcPct val="130000"/>
-              </a:lnSpc>
-              <a:buFont typeface="Arial"/>
-              <a:buChar char="•"/>
-            </a:pPr>
-            <a:endParaRPr lang="en-US" dirty="0">
-              <a:cs typeface="Trebuchet MS"/>
-            </a:endParaRPr>
-          </a:p>
-          <a:p>
-            <a:pPr marL="214313" indent="-214313">
-              <a:lnSpc>
-                <a:spcPct val="130000"/>
-              </a:lnSpc>
-              <a:buFont typeface="Arial"/>
-              <a:buChar char="•"/>
-            </a:pPr>
-            <a:r>
-              <a:rPr lang="en-US" dirty="0">
-                <a:cs typeface="Trebuchet MS"/>
-              </a:rPr>
-              <a:t>String </a:t>
-            </a:r>
-            <a:r>
-              <a:rPr lang="en-US" dirty="0" smtClean="0">
-                <a:cs typeface="Trebuchet MS"/>
-              </a:rPr>
-              <a:t>– text</a:t>
-            </a:r>
-          </a:p>
-          <a:p>
-            <a:pPr marL="214313" indent="-214313">
-              <a:lnSpc>
-                <a:spcPct val="130000"/>
-              </a:lnSpc>
-              <a:buFont typeface="Arial"/>
-              <a:buChar char="•"/>
-            </a:pPr>
-            <a:endParaRPr lang="en-US" dirty="0">
-              <a:cs typeface="Trebuchet MS"/>
-            </a:endParaRPr>
-          </a:p>
-          <a:p>
-            <a:pPr marL="214313" indent="-214313">
-              <a:lnSpc>
-                <a:spcPct val="130000"/>
-              </a:lnSpc>
-              <a:buFont typeface="Arial"/>
-              <a:buChar char="•"/>
-            </a:pPr>
-            <a:r>
-              <a:rPr lang="en-US" dirty="0">
-                <a:cs typeface="Trebuchet MS"/>
-              </a:rPr>
-              <a:t>Number – integer or floating point </a:t>
-            </a:r>
-            <a:r>
-              <a:rPr lang="en-US" dirty="0" smtClean="0">
-                <a:cs typeface="Trebuchet MS"/>
-              </a:rPr>
-              <a:t>number</a:t>
-            </a:r>
-          </a:p>
-          <a:p>
-            <a:pPr marL="214313" indent="-214313">
-              <a:lnSpc>
-                <a:spcPct val="130000"/>
-              </a:lnSpc>
-              <a:buFont typeface="Arial"/>
-              <a:buChar char="•"/>
-            </a:pPr>
-            <a:endParaRPr lang="en-US" dirty="0">
-              <a:cs typeface="Trebuchet MS"/>
-            </a:endParaRPr>
-          </a:p>
-          <a:p>
-            <a:pPr marL="214313" indent="-214313">
-              <a:lnSpc>
-                <a:spcPct val="130000"/>
-              </a:lnSpc>
-              <a:buFont typeface="Arial"/>
-              <a:buChar char="•"/>
-            </a:pPr>
-            <a:r>
-              <a:rPr lang="en-US" dirty="0">
-                <a:cs typeface="Trebuchet MS"/>
-              </a:rPr>
-              <a:t>Array – collection of </a:t>
-            </a:r>
-            <a:r>
-              <a:rPr lang="en-US" dirty="0" smtClean="0">
-                <a:cs typeface="Trebuchet MS"/>
-              </a:rPr>
-              <a:t>types</a:t>
-            </a:r>
-          </a:p>
-          <a:p>
-            <a:pPr marL="214313" indent="-214313">
-              <a:lnSpc>
-                <a:spcPct val="130000"/>
-              </a:lnSpc>
-              <a:buFont typeface="Arial"/>
-              <a:buChar char="•"/>
-            </a:pPr>
-            <a:endParaRPr lang="en-US" dirty="0">
-              <a:cs typeface="Trebuchet MS"/>
-            </a:endParaRPr>
-          </a:p>
-          <a:p>
-            <a:pPr marL="214313" indent="-214313">
-              <a:lnSpc>
-                <a:spcPct val="130000"/>
-              </a:lnSpc>
-              <a:buFont typeface="Arial"/>
-              <a:buChar char="•"/>
-            </a:pPr>
-            <a:r>
-              <a:rPr lang="en-US" dirty="0">
-                <a:cs typeface="Trebuchet MS"/>
-              </a:rPr>
-              <a:t>Object – base </a:t>
-            </a:r>
-            <a:r>
-              <a:rPr lang="en-US" dirty="0" smtClean="0">
-                <a:cs typeface="Trebuchet MS"/>
-              </a:rPr>
-              <a:t>object</a:t>
-            </a:r>
-          </a:p>
-          <a:p>
-            <a:pPr marL="214313" indent="-214313">
-              <a:lnSpc>
-                <a:spcPct val="130000"/>
-              </a:lnSpc>
-              <a:buFont typeface="Arial"/>
-              <a:buChar char="•"/>
-            </a:pPr>
-            <a:endParaRPr lang="en-US" sz="1500" dirty="0">
-              <a:cs typeface="Trebuchet MS"/>
-            </a:endParaRPr>
-          </a:p>
-          <a:p>
-            <a:pPr marL="214313" indent="-214313">
-              <a:lnSpc>
-                <a:spcPct val="130000"/>
-              </a:lnSpc>
-              <a:buFont typeface="Arial"/>
-              <a:buChar char="•"/>
-            </a:pPr>
-            <a:r>
-              <a:rPr lang="en-US" dirty="0" err="1">
-                <a:cs typeface="Trebuchet MS"/>
-              </a:rPr>
-              <a:t>Enum</a:t>
-            </a:r>
-            <a:r>
-              <a:rPr lang="en-US" dirty="0">
-                <a:cs typeface="Trebuchet MS"/>
-              </a:rPr>
-              <a:t> – </a:t>
-            </a:r>
-            <a:r>
-              <a:rPr lang="en-US" dirty="0" smtClean="0">
-                <a:cs typeface="Trebuchet MS"/>
-              </a:rPr>
-              <a:t>enumeration</a:t>
-            </a:r>
-          </a:p>
-          <a:p>
-            <a:pPr marL="214313" indent="-214313">
-              <a:lnSpc>
-                <a:spcPct val="130000"/>
-              </a:lnSpc>
-              <a:buFont typeface="Arial"/>
-              <a:buChar char="•"/>
-            </a:pPr>
-            <a:endParaRPr lang="en-US" dirty="0">
-              <a:cs typeface="Trebuchet MS"/>
-            </a:endParaRPr>
-          </a:p>
-          <a:p>
-            <a:pPr marL="214313" indent="-214313">
-              <a:lnSpc>
-                <a:spcPct val="130000"/>
-              </a:lnSpc>
-              <a:buFont typeface="Arial"/>
-              <a:buChar char="•"/>
-            </a:pPr>
-            <a:r>
-              <a:rPr lang="en-US" dirty="0">
-                <a:cs typeface="Trebuchet MS"/>
-              </a:rPr>
-              <a:t>Any – dynamic types, can be </a:t>
-            </a:r>
-            <a:r>
-              <a:rPr lang="en-US" dirty="0" smtClean="0">
-                <a:cs typeface="Trebuchet MS"/>
-              </a:rPr>
-              <a:t>everything</a:t>
-            </a:r>
-          </a:p>
-          <a:p>
-            <a:pPr marL="214313" indent="-214313">
-              <a:lnSpc>
-                <a:spcPct val="130000"/>
-              </a:lnSpc>
-              <a:buFont typeface="Arial"/>
-              <a:buChar char="•"/>
-            </a:pPr>
-            <a:endParaRPr lang="en-US" dirty="0">
-              <a:cs typeface="Trebuchet MS"/>
-            </a:endParaRPr>
-          </a:p>
-          <a:p>
-            <a:pPr marL="214313" indent="-214313">
-              <a:lnSpc>
-                <a:spcPct val="130000"/>
-              </a:lnSpc>
-              <a:buFont typeface="Arial"/>
-              <a:buChar char="•"/>
-            </a:pPr>
-            <a:r>
-              <a:rPr lang="en-US" dirty="0">
-                <a:cs typeface="Trebuchet MS"/>
-              </a:rPr>
-              <a:t>Void – no </a:t>
-            </a:r>
-            <a:r>
-              <a:rPr lang="en-US" dirty="0" smtClean="0">
-                <a:cs typeface="Trebuchet MS"/>
-              </a:rPr>
-              <a:t>value</a:t>
-            </a:r>
-            <a:endParaRPr lang="en-US" dirty="0" smtClean="0">
-              <a:latin typeface="Trebuchet MS"/>
-              <a:cs typeface="Trebuchet MS"/>
-            </a:endParaRPr>
-          </a:p>
-        </p:txBody>
-      </p:sp>
-      <p:sp>
-        <p:nvSpPr>
-          <p:cNvPr id="2" name="TextBox 1"/>
-          <p:cNvSpPr txBox="1"/>
-          <p:nvPr/>
-        </p:nvSpPr>
-        <p:spPr>
-          <a:xfrm>
-            <a:off x="-1678214" y="172358"/>
-            <a:ext cx="138548" cy="318549"/>
+            <a:off x="7575550" y="41168"/>
+            <a:ext cx="1447800" cy="1447800"/>
           </a:xfrm>
           <a:prstGeom prst="rect">
             <a:avLst/>
           </a:prstGeom>
-          <a:noFill/>
         </p:spPr>
-        <p:txBody>
-          <a:bodyPr wrap="none" lIns="68580" tIns="34290" rIns="68580" bIns="34290" rtlCol="0">
-            <a:spAutoFit/>
-          </a:bodyPr>
-          <a:lstStyle/>
-          <a:p>
-            <a:pPr>
-              <a:lnSpc>
-                <a:spcPct val="120000"/>
-              </a:lnSpc>
-            </a:pPr>
-            <a:endParaRPr lang="en-US" dirty="0" err="1">
+      </p:pic>
+      <p:grpSp>
+        <p:nvGrpSpPr>
+          <p:cNvPr id="16" name="Group 15"/>
+          <p:cNvGrpSpPr/>
+          <p:nvPr/>
+        </p:nvGrpSpPr>
+        <p:grpSpPr>
+          <a:xfrm>
+            <a:off x="322856" y="1812266"/>
+            <a:ext cx="7500343" cy="362731"/>
+            <a:chOff x="448467" y="1385345"/>
+            <a:chExt cx="10000456" cy="483641"/>
+          </a:xfrm>
+        </p:grpSpPr>
+        <p:sp>
+          <p:nvSpPr>
+            <p:cNvPr id="18" name="TextBox 17"/>
+            <p:cNvSpPr txBox="1"/>
+            <p:nvPr/>
+          </p:nvSpPr>
+          <p:spPr>
+            <a:xfrm>
+              <a:off x="991816" y="1417581"/>
+              <a:ext cx="9457107" cy="451405"/>
+            </a:xfrm>
+            <a:prstGeom prst="rect">
+              <a:avLst/>
+            </a:prstGeom>
+            <a:noFill/>
+          </p:spPr>
+          <p:txBody>
+            <a:bodyPr wrap="square" rtlCol="0">
+              <a:spAutoFit/>
+            </a:bodyPr>
+            <a:lstStyle/>
+            <a:p>
+              <a:r>
+                <a:rPr lang="en-US" sz="1600" dirty="0" smtClean="0"/>
+                <a:t>Basic Types</a:t>
+              </a:r>
+              <a:endParaRPr lang="en-US" sz="1600" dirty="0"/>
+            </a:p>
+          </p:txBody>
+        </p:sp>
+        <p:grpSp>
+          <p:nvGrpSpPr>
+            <p:cNvPr id="19" name="Group 18"/>
+            <p:cNvGrpSpPr/>
+            <p:nvPr/>
+          </p:nvGrpSpPr>
+          <p:grpSpPr>
+            <a:xfrm>
+              <a:off x="448467" y="1385345"/>
+              <a:ext cx="464582" cy="464582"/>
+              <a:chOff x="448467" y="1385718"/>
+              <a:chExt cx="464582" cy="464582"/>
+            </a:xfrm>
+          </p:grpSpPr>
+          <p:sp>
+            <p:nvSpPr>
+              <p:cNvPr id="21" name="Oval 20"/>
+              <p:cNvSpPr/>
+              <p:nvPr/>
+            </p:nvSpPr>
+            <p:spPr>
+              <a:xfrm>
+                <a:off x="448467" y="1385718"/>
+                <a:ext cx="464582" cy="464582"/>
+              </a:xfrm>
+              <a:prstGeom prst="ellipse">
+                <a:avLst/>
+              </a:prstGeom>
               <a:solidFill>
-                <a:srgbClr val="444444"/>
+                <a:srgbClr val="2FC2D9"/>
               </a:solidFill>
-              <a:latin typeface="Trebuchet MS"/>
-              <a:cs typeface="Trebuchet MS"/>
-            </a:endParaRPr>
-          </a:p>
-        </p:txBody>
-      </p:sp>
+              <a:ln>
+                <a:noFill/>
+              </a:ln>
+              <a:effectLst/>
+            </p:spPr>
+            <p:style>
+              <a:lnRef idx="1">
+                <a:schemeClr val="accent1"/>
+              </a:lnRef>
+              <a:fillRef idx="3">
+                <a:schemeClr val="accent1"/>
+              </a:fillRef>
+              <a:effectRef idx="2">
+                <a:schemeClr val="accent1"/>
+              </a:effectRef>
+              <a:fontRef idx="minor">
+                <a:schemeClr val="lt1"/>
+              </a:fontRef>
+            </p:style>
+            <p:txBody>
+              <a:bodyPr rtlCol="0" anchor="ctr"/>
+              <a:lstStyle/>
+              <a:p>
+                <a:pPr algn="ctr"/>
+                <a:endParaRPr lang="en-US" dirty="0"/>
+              </a:p>
+            </p:txBody>
+          </p:sp>
+          <p:sp>
+            <p:nvSpPr>
+              <p:cNvPr id="22" name="TextBox 21"/>
+              <p:cNvSpPr txBox="1"/>
+              <p:nvPr/>
+            </p:nvSpPr>
+            <p:spPr>
+              <a:xfrm>
+                <a:off x="555931" y="1427189"/>
+                <a:ext cx="246308" cy="406265"/>
+              </a:xfrm>
+              <a:prstGeom prst="rect">
+                <a:avLst/>
+              </a:prstGeom>
+              <a:noFill/>
+            </p:spPr>
+            <p:txBody>
+              <a:bodyPr wrap="none" tIns="27432" rtlCol="0">
+                <a:spAutoFit/>
+              </a:bodyPr>
+              <a:lstStyle/>
+              <a:p>
+                <a:pPr algn="ctr"/>
+                <a:endParaRPr lang="en-US" sz="1500" b="1" dirty="0">
+                  <a:solidFill>
+                    <a:schemeClr val="bg1"/>
+                  </a:solidFill>
+                  <a:latin typeface="Arial Black"/>
+                  <a:cs typeface="Arial Black"/>
+                </a:endParaRPr>
+              </a:p>
+            </p:txBody>
+          </p:sp>
+        </p:grpSp>
+      </p:grpSp>
+      <p:grpSp>
+        <p:nvGrpSpPr>
+          <p:cNvPr id="38" name="Group 37"/>
+          <p:cNvGrpSpPr/>
+          <p:nvPr/>
+        </p:nvGrpSpPr>
+        <p:grpSpPr>
+          <a:xfrm>
+            <a:off x="322856" y="2257995"/>
+            <a:ext cx="7500343" cy="362731"/>
+            <a:chOff x="448467" y="1385345"/>
+            <a:chExt cx="10000456" cy="483641"/>
+          </a:xfrm>
+        </p:grpSpPr>
+        <p:sp>
+          <p:nvSpPr>
+            <p:cNvPr id="39" name="TextBox 38"/>
+            <p:cNvSpPr txBox="1"/>
+            <p:nvPr/>
+          </p:nvSpPr>
+          <p:spPr>
+            <a:xfrm>
+              <a:off x="991816" y="1417581"/>
+              <a:ext cx="9457107" cy="451405"/>
+            </a:xfrm>
+            <a:prstGeom prst="rect">
+              <a:avLst/>
+            </a:prstGeom>
+            <a:noFill/>
+          </p:spPr>
+          <p:txBody>
+            <a:bodyPr wrap="square" rtlCol="0">
+              <a:spAutoFit/>
+            </a:bodyPr>
+            <a:lstStyle/>
+            <a:p>
+              <a:r>
+                <a:rPr lang="en-US" sz="1600" dirty="0" smtClean="0"/>
+                <a:t>Functions</a:t>
+              </a:r>
+              <a:endParaRPr lang="en-US" sz="1600" dirty="0"/>
+            </a:p>
+          </p:txBody>
+        </p:sp>
+        <p:grpSp>
+          <p:nvGrpSpPr>
+            <p:cNvPr id="40" name="Group 39"/>
+            <p:cNvGrpSpPr/>
+            <p:nvPr/>
+          </p:nvGrpSpPr>
+          <p:grpSpPr>
+            <a:xfrm>
+              <a:off x="448467" y="1385345"/>
+              <a:ext cx="464582" cy="464582"/>
+              <a:chOff x="448467" y="1385718"/>
+              <a:chExt cx="464582" cy="464582"/>
+            </a:xfrm>
+          </p:grpSpPr>
+          <p:sp>
+            <p:nvSpPr>
+              <p:cNvPr id="41" name="Oval 40"/>
+              <p:cNvSpPr/>
+              <p:nvPr/>
+            </p:nvSpPr>
+            <p:spPr>
+              <a:xfrm>
+                <a:off x="448467" y="1385718"/>
+                <a:ext cx="464582" cy="464582"/>
+              </a:xfrm>
+              <a:prstGeom prst="ellipse">
+                <a:avLst/>
+              </a:prstGeom>
+              <a:solidFill>
+                <a:srgbClr val="2FC2D9"/>
+              </a:solidFill>
+              <a:ln>
+                <a:noFill/>
+              </a:ln>
+              <a:effectLst/>
+            </p:spPr>
+            <p:style>
+              <a:lnRef idx="1">
+                <a:schemeClr val="accent1"/>
+              </a:lnRef>
+              <a:fillRef idx="3">
+                <a:schemeClr val="accent1"/>
+              </a:fillRef>
+              <a:effectRef idx="2">
+                <a:schemeClr val="accent1"/>
+              </a:effectRef>
+              <a:fontRef idx="minor">
+                <a:schemeClr val="lt1"/>
+              </a:fontRef>
+            </p:style>
+            <p:txBody>
+              <a:bodyPr rtlCol="0" anchor="ctr"/>
+              <a:lstStyle/>
+              <a:p>
+                <a:pPr algn="ctr"/>
+                <a:endParaRPr lang="en-US" dirty="0"/>
+              </a:p>
+            </p:txBody>
+          </p:sp>
+          <p:sp>
+            <p:nvSpPr>
+              <p:cNvPr id="42" name="TextBox 41"/>
+              <p:cNvSpPr txBox="1"/>
+              <p:nvPr/>
+            </p:nvSpPr>
+            <p:spPr>
+              <a:xfrm>
+                <a:off x="555931" y="1427189"/>
+                <a:ext cx="246308" cy="406265"/>
+              </a:xfrm>
+              <a:prstGeom prst="rect">
+                <a:avLst/>
+              </a:prstGeom>
+              <a:noFill/>
+            </p:spPr>
+            <p:txBody>
+              <a:bodyPr wrap="none" tIns="27432" rtlCol="0">
+                <a:spAutoFit/>
+              </a:bodyPr>
+              <a:lstStyle/>
+              <a:p>
+                <a:pPr algn="ctr"/>
+                <a:endParaRPr lang="en-US" sz="1500" b="1" dirty="0">
+                  <a:solidFill>
+                    <a:schemeClr val="bg1"/>
+                  </a:solidFill>
+                  <a:latin typeface="Arial Black"/>
+                  <a:cs typeface="Arial Black"/>
+                </a:endParaRPr>
+              </a:p>
+            </p:txBody>
+          </p:sp>
+        </p:grpSp>
+      </p:grpSp>
+      <p:grpSp>
+        <p:nvGrpSpPr>
+          <p:cNvPr id="43" name="Group 42"/>
+          <p:cNvGrpSpPr/>
+          <p:nvPr/>
+        </p:nvGrpSpPr>
+        <p:grpSpPr>
+          <a:xfrm>
+            <a:off x="322856" y="2710650"/>
+            <a:ext cx="7500343" cy="362731"/>
+            <a:chOff x="448467" y="1385345"/>
+            <a:chExt cx="10000456" cy="483641"/>
+          </a:xfrm>
+        </p:grpSpPr>
+        <p:sp>
+          <p:nvSpPr>
+            <p:cNvPr id="44" name="TextBox 43"/>
+            <p:cNvSpPr txBox="1"/>
+            <p:nvPr/>
+          </p:nvSpPr>
+          <p:spPr>
+            <a:xfrm>
+              <a:off x="991816" y="1417581"/>
+              <a:ext cx="9457107" cy="451405"/>
+            </a:xfrm>
+            <a:prstGeom prst="rect">
+              <a:avLst/>
+            </a:prstGeom>
+            <a:noFill/>
+          </p:spPr>
+          <p:txBody>
+            <a:bodyPr wrap="square" rtlCol="0">
+              <a:spAutoFit/>
+            </a:bodyPr>
+            <a:lstStyle/>
+            <a:p>
+              <a:r>
+                <a:rPr lang="en-US" sz="1600" dirty="0" smtClean="0"/>
+                <a:t>Interfaces</a:t>
+              </a:r>
+              <a:endParaRPr lang="en-US" sz="1600" dirty="0"/>
+            </a:p>
+          </p:txBody>
+        </p:sp>
+        <p:grpSp>
+          <p:nvGrpSpPr>
+            <p:cNvPr id="45" name="Group 44"/>
+            <p:cNvGrpSpPr/>
+            <p:nvPr/>
+          </p:nvGrpSpPr>
+          <p:grpSpPr>
+            <a:xfrm>
+              <a:off x="448467" y="1385345"/>
+              <a:ext cx="464582" cy="464582"/>
+              <a:chOff x="448467" y="1385718"/>
+              <a:chExt cx="464582" cy="464582"/>
+            </a:xfrm>
+          </p:grpSpPr>
+          <p:sp>
+            <p:nvSpPr>
+              <p:cNvPr id="46" name="Oval 45"/>
+              <p:cNvSpPr/>
+              <p:nvPr/>
+            </p:nvSpPr>
+            <p:spPr>
+              <a:xfrm>
+                <a:off x="448467" y="1385718"/>
+                <a:ext cx="464582" cy="464582"/>
+              </a:xfrm>
+              <a:prstGeom prst="ellipse">
+                <a:avLst/>
+              </a:prstGeom>
+              <a:solidFill>
+                <a:srgbClr val="2FC2D9"/>
+              </a:solidFill>
+              <a:ln>
+                <a:noFill/>
+              </a:ln>
+              <a:effectLst/>
+            </p:spPr>
+            <p:style>
+              <a:lnRef idx="1">
+                <a:schemeClr val="accent1"/>
+              </a:lnRef>
+              <a:fillRef idx="3">
+                <a:schemeClr val="accent1"/>
+              </a:fillRef>
+              <a:effectRef idx="2">
+                <a:schemeClr val="accent1"/>
+              </a:effectRef>
+              <a:fontRef idx="minor">
+                <a:schemeClr val="lt1"/>
+              </a:fontRef>
+            </p:style>
+            <p:txBody>
+              <a:bodyPr rtlCol="0" anchor="ctr"/>
+              <a:lstStyle/>
+              <a:p>
+                <a:pPr algn="ctr"/>
+                <a:endParaRPr lang="en-US" dirty="0"/>
+              </a:p>
+            </p:txBody>
+          </p:sp>
+          <p:sp>
+            <p:nvSpPr>
+              <p:cNvPr id="47" name="TextBox 46"/>
+              <p:cNvSpPr txBox="1"/>
+              <p:nvPr/>
+            </p:nvSpPr>
+            <p:spPr>
+              <a:xfrm>
+                <a:off x="555931" y="1427189"/>
+                <a:ext cx="246308" cy="406265"/>
+              </a:xfrm>
+              <a:prstGeom prst="rect">
+                <a:avLst/>
+              </a:prstGeom>
+              <a:noFill/>
+            </p:spPr>
+            <p:txBody>
+              <a:bodyPr wrap="none" tIns="27432" rtlCol="0">
+                <a:spAutoFit/>
+              </a:bodyPr>
+              <a:lstStyle/>
+              <a:p>
+                <a:pPr algn="ctr"/>
+                <a:endParaRPr lang="en-US" sz="1500" b="1" dirty="0">
+                  <a:solidFill>
+                    <a:schemeClr val="bg1"/>
+                  </a:solidFill>
+                  <a:latin typeface="Arial Black"/>
+                  <a:cs typeface="Arial Black"/>
+                </a:endParaRPr>
+              </a:p>
+            </p:txBody>
+          </p:sp>
+        </p:grpSp>
+      </p:grpSp>
+      <p:grpSp>
+        <p:nvGrpSpPr>
+          <p:cNvPr id="48" name="Group 47"/>
+          <p:cNvGrpSpPr/>
+          <p:nvPr/>
+        </p:nvGrpSpPr>
+        <p:grpSpPr>
+          <a:xfrm>
+            <a:off x="322856" y="3163305"/>
+            <a:ext cx="7500343" cy="362731"/>
+            <a:chOff x="448467" y="1385345"/>
+            <a:chExt cx="10000456" cy="483641"/>
+          </a:xfrm>
+        </p:grpSpPr>
+        <p:sp>
+          <p:nvSpPr>
+            <p:cNvPr id="49" name="TextBox 48"/>
+            <p:cNvSpPr txBox="1"/>
+            <p:nvPr/>
+          </p:nvSpPr>
+          <p:spPr>
+            <a:xfrm>
+              <a:off x="991816" y="1417581"/>
+              <a:ext cx="9457107" cy="451405"/>
+            </a:xfrm>
+            <a:prstGeom prst="rect">
+              <a:avLst/>
+            </a:prstGeom>
+            <a:noFill/>
+          </p:spPr>
+          <p:txBody>
+            <a:bodyPr wrap="square" rtlCol="0">
+              <a:spAutoFit/>
+            </a:bodyPr>
+            <a:lstStyle/>
+            <a:p>
+              <a:r>
+                <a:rPr lang="en-US" sz="1600" dirty="0" smtClean="0"/>
+                <a:t>Classes</a:t>
+              </a:r>
+              <a:endParaRPr lang="en-US" sz="1600" dirty="0"/>
+            </a:p>
+          </p:txBody>
+        </p:sp>
+        <p:grpSp>
+          <p:nvGrpSpPr>
+            <p:cNvPr id="50" name="Group 49"/>
+            <p:cNvGrpSpPr/>
+            <p:nvPr/>
+          </p:nvGrpSpPr>
+          <p:grpSpPr>
+            <a:xfrm>
+              <a:off x="448467" y="1385345"/>
+              <a:ext cx="464582" cy="464582"/>
+              <a:chOff x="448467" y="1385718"/>
+              <a:chExt cx="464582" cy="464582"/>
+            </a:xfrm>
+          </p:grpSpPr>
+          <p:sp>
+            <p:nvSpPr>
+              <p:cNvPr id="51" name="Oval 50"/>
+              <p:cNvSpPr/>
+              <p:nvPr/>
+            </p:nvSpPr>
+            <p:spPr>
+              <a:xfrm>
+                <a:off x="448467" y="1385718"/>
+                <a:ext cx="464582" cy="464582"/>
+              </a:xfrm>
+              <a:prstGeom prst="ellipse">
+                <a:avLst/>
+              </a:prstGeom>
+              <a:solidFill>
+                <a:srgbClr val="2FC2D9"/>
+              </a:solidFill>
+              <a:ln>
+                <a:noFill/>
+              </a:ln>
+              <a:effectLst/>
+            </p:spPr>
+            <p:style>
+              <a:lnRef idx="1">
+                <a:schemeClr val="accent1"/>
+              </a:lnRef>
+              <a:fillRef idx="3">
+                <a:schemeClr val="accent1"/>
+              </a:fillRef>
+              <a:effectRef idx="2">
+                <a:schemeClr val="accent1"/>
+              </a:effectRef>
+              <a:fontRef idx="minor">
+                <a:schemeClr val="lt1"/>
+              </a:fontRef>
+            </p:style>
+            <p:txBody>
+              <a:bodyPr rtlCol="0" anchor="ctr"/>
+              <a:lstStyle/>
+              <a:p>
+                <a:pPr algn="ctr"/>
+                <a:endParaRPr lang="en-US" dirty="0"/>
+              </a:p>
+            </p:txBody>
+          </p:sp>
+          <p:sp>
+            <p:nvSpPr>
+              <p:cNvPr id="52" name="TextBox 51"/>
+              <p:cNvSpPr txBox="1"/>
+              <p:nvPr/>
+            </p:nvSpPr>
+            <p:spPr>
+              <a:xfrm>
+                <a:off x="555931" y="1427189"/>
+                <a:ext cx="246308" cy="406265"/>
+              </a:xfrm>
+              <a:prstGeom prst="rect">
+                <a:avLst/>
+              </a:prstGeom>
+              <a:noFill/>
+            </p:spPr>
+            <p:txBody>
+              <a:bodyPr wrap="none" tIns="27432" rtlCol="0">
+                <a:spAutoFit/>
+              </a:bodyPr>
+              <a:lstStyle/>
+              <a:p>
+                <a:pPr algn="ctr"/>
+                <a:endParaRPr lang="en-US" sz="1500" b="1" dirty="0">
+                  <a:solidFill>
+                    <a:schemeClr val="bg1"/>
+                  </a:solidFill>
+                  <a:latin typeface="Arial Black"/>
+                  <a:cs typeface="Arial Black"/>
+                </a:endParaRPr>
+              </a:p>
+            </p:txBody>
+          </p:sp>
+        </p:grpSp>
+      </p:grpSp>
+      <p:grpSp>
+        <p:nvGrpSpPr>
+          <p:cNvPr id="53" name="Group 52"/>
+          <p:cNvGrpSpPr/>
+          <p:nvPr/>
+        </p:nvGrpSpPr>
+        <p:grpSpPr>
+          <a:xfrm>
+            <a:off x="322856" y="3615960"/>
+            <a:ext cx="7500344" cy="362732"/>
+            <a:chOff x="448467" y="1385345"/>
+            <a:chExt cx="10000457" cy="483642"/>
+          </a:xfrm>
+        </p:grpSpPr>
+        <p:sp>
+          <p:nvSpPr>
+            <p:cNvPr id="54" name="TextBox 53"/>
+            <p:cNvSpPr txBox="1"/>
+            <p:nvPr/>
+          </p:nvSpPr>
+          <p:spPr>
+            <a:xfrm>
+              <a:off x="991817" y="1417582"/>
+              <a:ext cx="9457107" cy="451405"/>
+            </a:xfrm>
+            <a:prstGeom prst="rect">
+              <a:avLst/>
+            </a:prstGeom>
+            <a:noFill/>
+          </p:spPr>
+          <p:txBody>
+            <a:bodyPr wrap="square" rtlCol="0">
+              <a:spAutoFit/>
+            </a:bodyPr>
+            <a:lstStyle/>
+            <a:p>
+              <a:r>
+                <a:rPr lang="en-US" sz="1600" dirty="0" smtClean="0"/>
+                <a:t>Modules</a:t>
+              </a:r>
+              <a:endParaRPr lang="en-US" sz="1600" dirty="0"/>
+            </a:p>
+          </p:txBody>
+        </p:sp>
+        <p:grpSp>
+          <p:nvGrpSpPr>
+            <p:cNvPr id="55" name="Group 54"/>
+            <p:cNvGrpSpPr/>
+            <p:nvPr/>
+          </p:nvGrpSpPr>
+          <p:grpSpPr>
+            <a:xfrm>
+              <a:off x="448467" y="1385345"/>
+              <a:ext cx="464582" cy="464582"/>
+              <a:chOff x="448467" y="1385718"/>
+              <a:chExt cx="464582" cy="464582"/>
+            </a:xfrm>
+          </p:grpSpPr>
+          <p:sp>
+            <p:nvSpPr>
+              <p:cNvPr id="56" name="Oval 55"/>
+              <p:cNvSpPr/>
+              <p:nvPr/>
+            </p:nvSpPr>
+            <p:spPr>
+              <a:xfrm>
+                <a:off x="448467" y="1385718"/>
+                <a:ext cx="464582" cy="464582"/>
+              </a:xfrm>
+              <a:prstGeom prst="ellipse">
+                <a:avLst/>
+              </a:prstGeom>
+              <a:solidFill>
+                <a:srgbClr val="2FC2D9"/>
+              </a:solidFill>
+              <a:ln>
+                <a:noFill/>
+              </a:ln>
+              <a:effectLst/>
+            </p:spPr>
+            <p:style>
+              <a:lnRef idx="1">
+                <a:schemeClr val="accent1"/>
+              </a:lnRef>
+              <a:fillRef idx="3">
+                <a:schemeClr val="accent1"/>
+              </a:fillRef>
+              <a:effectRef idx="2">
+                <a:schemeClr val="accent1"/>
+              </a:effectRef>
+              <a:fontRef idx="minor">
+                <a:schemeClr val="lt1"/>
+              </a:fontRef>
+            </p:style>
+            <p:txBody>
+              <a:bodyPr rtlCol="0" anchor="ctr"/>
+              <a:lstStyle/>
+              <a:p>
+                <a:pPr algn="ctr"/>
+                <a:endParaRPr lang="en-US" dirty="0"/>
+              </a:p>
+            </p:txBody>
+          </p:sp>
+          <p:sp>
+            <p:nvSpPr>
+              <p:cNvPr id="57" name="TextBox 56"/>
+              <p:cNvSpPr txBox="1"/>
+              <p:nvPr/>
+            </p:nvSpPr>
+            <p:spPr>
+              <a:xfrm>
+                <a:off x="555931" y="1427189"/>
+                <a:ext cx="246308" cy="406265"/>
+              </a:xfrm>
+              <a:prstGeom prst="rect">
+                <a:avLst/>
+              </a:prstGeom>
+              <a:noFill/>
+            </p:spPr>
+            <p:txBody>
+              <a:bodyPr wrap="none" tIns="27432" rtlCol="0">
+                <a:spAutoFit/>
+              </a:bodyPr>
+              <a:lstStyle/>
+              <a:p>
+                <a:pPr algn="ctr"/>
+                <a:endParaRPr lang="en-US" sz="1500" b="1" dirty="0">
+                  <a:solidFill>
+                    <a:schemeClr val="bg1"/>
+                  </a:solidFill>
+                  <a:latin typeface="Arial Black"/>
+                  <a:cs typeface="Arial Black"/>
+                </a:endParaRPr>
+              </a:p>
+            </p:txBody>
+          </p:sp>
+        </p:grpSp>
+      </p:grpSp>
+      <p:grpSp>
+        <p:nvGrpSpPr>
+          <p:cNvPr id="58" name="Group 57"/>
+          <p:cNvGrpSpPr/>
+          <p:nvPr/>
+        </p:nvGrpSpPr>
+        <p:grpSpPr>
+          <a:xfrm>
+            <a:off x="322856" y="4066219"/>
+            <a:ext cx="7500343" cy="362731"/>
+            <a:chOff x="448467" y="1385345"/>
+            <a:chExt cx="10000456" cy="483641"/>
+          </a:xfrm>
+        </p:grpSpPr>
+        <p:sp>
+          <p:nvSpPr>
+            <p:cNvPr id="59" name="TextBox 58"/>
+            <p:cNvSpPr txBox="1"/>
+            <p:nvPr/>
+          </p:nvSpPr>
+          <p:spPr>
+            <a:xfrm>
+              <a:off x="991816" y="1417581"/>
+              <a:ext cx="9457107" cy="451405"/>
+            </a:xfrm>
+            <a:prstGeom prst="rect">
+              <a:avLst/>
+            </a:prstGeom>
+            <a:noFill/>
+          </p:spPr>
+          <p:txBody>
+            <a:bodyPr wrap="square" rtlCol="0">
+              <a:spAutoFit/>
+            </a:bodyPr>
+            <a:lstStyle/>
+            <a:p>
+              <a:r>
+                <a:rPr lang="en-US" sz="1600" dirty="0" smtClean="0"/>
+                <a:t>Generics</a:t>
+              </a:r>
+              <a:endParaRPr lang="en-US" sz="1600" dirty="0"/>
+            </a:p>
+          </p:txBody>
+        </p:sp>
+        <p:grpSp>
+          <p:nvGrpSpPr>
+            <p:cNvPr id="60" name="Group 59"/>
+            <p:cNvGrpSpPr/>
+            <p:nvPr/>
+          </p:nvGrpSpPr>
+          <p:grpSpPr>
+            <a:xfrm>
+              <a:off x="448467" y="1385345"/>
+              <a:ext cx="464582" cy="464582"/>
+              <a:chOff x="448467" y="1385718"/>
+              <a:chExt cx="464582" cy="464582"/>
+            </a:xfrm>
+          </p:grpSpPr>
+          <p:sp>
+            <p:nvSpPr>
+              <p:cNvPr id="61" name="Oval 60"/>
+              <p:cNvSpPr/>
+              <p:nvPr/>
+            </p:nvSpPr>
+            <p:spPr>
+              <a:xfrm>
+                <a:off x="448467" y="1385718"/>
+                <a:ext cx="464582" cy="464582"/>
+              </a:xfrm>
+              <a:prstGeom prst="ellipse">
+                <a:avLst/>
+              </a:prstGeom>
+              <a:solidFill>
+                <a:srgbClr val="2FC2D9"/>
+              </a:solidFill>
+              <a:ln>
+                <a:noFill/>
+              </a:ln>
+              <a:effectLst/>
+            </p:spPr>
+            <p:style>
+              <a:lnRef idx="1">
+                <a:schemeClr val="accent1"/>
+              </a:lnRef>
+              <a:fillRef idx="3">
+                <a:schemeClr val="accent1"/>
+              </a:fillRef>
+              <a:effectRef idx="2">
+                <a:schemeClr val="accent1"/>
+              </a:effectRef>
+              <a:fontRef idx="minor">
+                <a:schemeClr val="lt1"/>
+              </a:fontRef>
+            </p:style>
+            <p:txBody>
+              <a:bodyPr rtlCol="0" anchor="ctr"/>
+              <a:lstStyle/>
+              <a:p>
+                <a:pPr algn="ctr"/>
+                <a:endParaRPr lang="en-US" dirty="0"/>
+              </a:p>
+            </p:txBody>
+          </p:sp>
+          <p:sp>
+            <p:nvSpPr>
+              <p:cNvPr id="62" name="TextBox 61"/>
+              <p:cNvSpPr txBox="1"/>
+              <p:nvPr/>
+            </p:nvSpPr>
+            <p:spPr>
+              <a:xfrm>
+                <a:off x="555931" y="1427189"/>
+                <a:ext cx="246308" cy="406265"/>
+              </a:xfrm>
+              <a:prstGeom prst="rect">
+                <a:avLst/>
+              </a:prstGeom>
+              <a:noFill/>
+            </p:spPr>
+            <p:txBody>
+              <a:bodyPr wrap="none" tIns="27432" rtlCol="0">
+                <a:spAutoFit/>
+              </a:bodyPr>
+              <a:lstStyle/>
+              <a:p>
+                <a:pPr algn="ctr"/>
+                <a:endParaRPr lang="en-US" sz="1500" b="1" dirty="0">
+                  <a:solidFill>
+                    <a:schemeClr val="bg1"/>
+                  </a:solidFill>
+                  <a:latin typeface="Arial Black"/>
+                  <a:cs typeface="Arial Black"/>
+                </a:endParaRPr>
+              </a:p>
+            </p:txBody>
+          </p:sp>
+        </p:grpSp>
+      </p:grpSp>
     </p:spTree>
     <p:extLst>
       <p:ext uri="{BB962C8B-B14F-4D97-AF65-F5344CB8AC3E}">
-        <p14:creationId xmlns:p14="http://schemas.microsoft.com/office/powerpoint/2010/main" val="4035246169"/>
+        <p14:creationId xmlns:p14="http://schemas.microsoft.com/office/powerpoint/2010/main" val="1029619203"/>
       </p:ext>
     </p:extLst>
   </p:cSld>
@@ -5174,96 +5822,7 @@
       </p:grpSpPr>
       <p:sp>
         <p:nvSpPr>
-          <p:cNvPr id="8" name="Content Placeholder 7"/>
-          <p:cNvSpPr>
-            <a:spLocks noGrp="1"/>
-          </p:cNvSpPr>
-          <p:nvPr>
-            <p:ph idx="1"/>
-          </p:nvPr>
-        </p:nvSpPr>
-        <p:spPr/>
-        <p:txBody>
-          <a:bodyPr>
-            <a:noAutofit/>
-          </a:bodyPr>
-          <a:lstStyle/>
-          <a:p>
-            <a:pPr>
-              <a:spcBef>
-                <a:spcPts val="1800"/>
-              </a:spcBef>
-              <a:spcAft>
-                <a:spcPts val="1800"/>
-              </a:spcAft>
-            </a:pPr>
-            <a:r>
-              <a:rPr lang="en-US" sz="1400" dirty="0"/>
-              <a:t>Can define properties</a:t>
-            </a:r>
-          </a:p>
-          <a:p>
-            <a:pPr>
-              <a:spcBef>
-                <a:spcPts val="1800"/>
-              </a:spcBef>
-              <a:spcAft>
-                <a:spcPts val="1800"/>
-              </a:spcAft>
-            </a:pPr>
-            <a:r>
-              <a:rPr lang="en-US" sz="1400" dirty="0"/>
-              <a:t>Can define optional properties</a:t>
-            </a:r>
-          </a:p>
-          <a:p>
-            <a:pPr>
-              <a:spcBef>
-                <a:spcPts val="1800"/>
-              </a:spcBef>
-              <a:spcAft>
-                <a:spcPts val="1800"/>
-              </a:spcAft>
-            </a:pPr>
-            <a:r>
-              <a:rPr lang="en-US" sz="1400" dirty="0"/>
-              <a:t>Can define methods</a:t>
-            </a:r>
-          </a:p>
-          <a:p>
-            <a:pPr>
-              <a:spcBef>
-                <a:spcPts val="1800"/>
-              </a:spcBef>
-              <a:spcAft>
-                <a:spcPts val="1800"/>
-              </a:spcAft>
-            </a:pPr>
-            <a:r>
-              <a:rPr lang="en-US" sz="1400" dirty="0"/>
-              <a:t>Can define indexers</a:t>
-            </a:r>
-          </a:p>
-          <a:p>
-            <a:pPr>
-              <a:spcBef>
-                <a:spcPts val="1800"/>
-              </a:spcBef>
-              <a:spcAft>
-                <a:spcPts val="1800"/>
-              </a:spcAft>
-            </a:pPr>
-            <a:r>
-              <a:rPr lang="en-US" sz="1400" dirty="0"/>
-              <a:t>Can extend other interfaces</a:t>
-            </a:r>
-            <a:endParaRPr lang="en-US" sz="1400" dirty="0"/>
-          </a:p>
-        </p:txBody>
-      </p:sp>
-      <p:sp>
-        <p:nvSpPr>
-          <p:cNvPr id="9" name="Text Placeholder 8"/>
+          <p:cNvPr id="6" name="Text Placeholder 5"/>
           <p:cNvSpPr>
             <a:spLocks noGrp="1"/>
           </p:cNvSpPr>
@@ -5273,21 +5832,350 @@
         </p:nvSpPr>
         <p:spPr/>
         <p:txBody>
-          <a:bodyPr/>
+          <a:bodyPr>
+            <a:normAutofit/>
+          </a:bodyPr>
           <a:lstStyle/>
           <a:p>
             <a:r>
               <a:rPr lang="en-US" dirty="0"/>
-              <a:t>Interfaces</a:t>
-            </a:r>
-            <a:endParaRPr lang="en-US" dirty="0"/>
+              <a:t>Basic Types</a:t>
+            </a:r>
+          </a:p>
+        </p:txBody>
+      </p:sp>
+      <p:sp>
+        <p:nvSpPr>
+          <p:cNvPr id="8" name="Content Placeholder 7"/>
+          <p:cNvSpPr>
+            <a:spLocks noGrp="1"/>
+          </p:cNvSpPr>
+          <p:nvPr>
+            <p:ph idx="1"/>
+          </p:nvPr>
+        </p:nvSpPr>
+        <p:spPr>
+          <a:xfrm>
+            <a:off x="352473" y="809625"/>
+            <a:ext cx="8339328" cy="3652647"/>
+          </a:xfrm>
+        </p:spPr>
+        <p:txBody>
+          <a:bodyPr>
+            <a:normAutofit fontScale="92500" lnSpcReduction="20000"/>
+          </a:bodyPr>
+          <a:lstStyle/>
+          <a:p>
+            <a:pPr marL="214313" indent="-214313">
+              <a:lnSpc>
+                <a:spcPct val="130000"/>
+              </a:lnSpc>
+              <a:buFont typeface="Arial"/>
+              <a:buChar char="•"/>
+            </a:pPr>
+            <a:r>
+              <a:rPr lang="en-US" dirty="0" smtClean="0">
+                <a:cs typeface="Trebuchet MS"/>
+              </a:rPr>
+              <a:t>Boolean </a:t>
+            </a:r>
+            <a:r>
+              <a:rPr lang="en-US" dirty="0">
+                <a:cs typeface="Trebuchet MS"/>
+              </a:rPr>
+              <a:t>- true or </a:t>
+            </a:r>
+            <a:r>
+              <a:rPr lang="en-US" dirty="0" smtClean="0">
+                <a:cs typeface="Trebuchet MS"/>
+              </a:rPr>
+              <a:t>false</a:t>
+            </a:r>
+          </a:p>
+          <a:p>
+            <a:pPr marL="214313" indent="-214313">
+              <a:lnSpc>
+                <a:spcPct val="130000"/>
+              </a:lnSpc>
+              <a:buFont typeface="Arial"/>
+              <a:buChar char="•"/>
+            </a:pPr>
+            <a:endParaRPr lang="en-US" dirty="0">
+              <a:cs typeface="Trebuchet MS"/>
+            </a:endParaRPr>
+          </a:p>
+          <a:p>
+            <a:pPr marL="214313" indent="-214313">
+              <a:lnSpc>
+                <a:spcPct val="130000"/>
+              </a:lnSpc>
+              <a:buFont typeface="Arial"/>
+              <a:buChar char="•"/>
+            </a:pPr>
+            <a:r>
+              <a:rPr lang="en-US" dirty="0">
+                <a:cs typeface="Trebuchet MS"/>
+              </a:rPr>
+              <a:t>String </a:t>
+            </a:r>
+            <a:r>
+              <a:rPr lang="en-US" dirty="0" smtClean="0">
+                <a:cs typeface="Trebuchet MS"/>
+              </a:rPr>
+              <a:t>– text</a:t>
+            </a:r>
+          </a:p>
+          <a:p>
+            <a:pPr marL="214313" indent="-214313">
+              <a:lnSpc>
+                <a:spcPct val="130000"/>
+              </a:lnSpc>
+              <a:buFont typeface="Arial"/>
+              <a:buChar char="•"/>
+            </a:pPr>
+            <a:endParaRPr lang="en-US" dirty="0">
+              <a:cs typeface="Trebuchet MS"/>
+            </a:endParaRPr>
+          </a:p>
+          <a:p>
+            <a:pPr marL="214313" indent="-214313">
+              <a:lnSpc>
+                <a:spcPct val="130000"/>
+              </a:lnSpc>
+              <a:buFont typeface="Arial"/>
+              <a:buChar char="•"/>
+            </a:pPr>
+            <a:r>
+              <a:rPr lang="en-US" dirty="0">
+                <a:cs typeface="Trebuchet MS"/>
+              </a:rPr>
+              <a:t>Number – integer or floating point </a:t>
+            </a:r>
+            <a:r>
+              <a:rPr lang="en-US" dirty="0" smtClean="0">
+                <a:cs typeface="Trebuchet MS"/>
+              </a:rPr>
+              <a:t>number</a:t>
+            </a:r>
+          </a:p>
+          <a:p>
+            <a:pPr marL="214313" indent="-214313">
+              <a:lnSpc>
+                <a:spcPct val="130000"/>
+              </a:lnSpc>
+              <a:buFont typeface="Arial"/>
+              <a:buChar char="•"/>
+            </a:pPr>
+            <a:endParaRPr lang="en-US" dirty="0">
+              <a:cs typeface="Trebuchet MS"/>
+            </a:endParaRPr>
+          </a:p>
+          <a:p>
+            <a:pPr marL="214313" indent="-214313">
+              <a:lnSpc>
+                <a:spcPct val="130000"/>
+              </a:lnSpc>
+              <a:buFont typeface="Arial"/>
+              <a:buChar char="•"/>
+            </a:pPr>
+            <a:r>
+              <a:rPr lang="en-US" dirty="0">
+                <a:cs typeface="Trebuchet MS"/>
+              </a:rPr>
+              <a:t>Array – collection of </a:t>
+            </a:r>
+            <a:r>
+              <a:rPr lang="en-US" dirty="0" smtClean="0">
+                <a:cs typeface="Trebuchet MS"/>
+              </a:rPr>
+              <a:t>types</a:t>
+            </a:r>
+          </a:p>
+          <a:p>
+            <a:pPr marL="214313" indent="-214313">
+              <a:lnSpc>
+                <a:spcPct val="130000"/>
+              </a:lnSpc>
+              <a:buFont typeface="Arial"/>
+              <a:buChar char="•"/>
+            </a:pPr>
+            <a:endParaRPr lang="en-US" dirty="0">
+              <a:cs typeface="Trebuchet MS"/>
+            </a:endParaRPr>
+          </a:p>
+          <a:p>
+            <a:pPr marL="214313" indent="-214313">
+              <a:lnSpc>
+                <a:spcPct val="130000"/>
+              </a:lnSpc>
+              <a:buFont typeface="Arial"/>
+              <a:buChar char="•"/>
+            </a:pPr>
+            <a:r>
+              <a:rPr lang="en-US" dirty="0">
+                <a:cs typeface="Trebuchet MS"/>
+              </a:rPr>
+              <a:t>Object – base </a:t>
+            </a:r>
+            <a:r>
+              <a:rPr lang="en-US" dirty="0" smtClean="0">
+                <a:cs typeface="Trebuchet MS"/>
+              </a:rPr>
+              <a:t>object</a:t>
+            </a:r>
+          </a:p>
+          <a:p>
+            <a:pPr marL="214313" indent="-214313">
+              <a:lnSpc>
+                <a:spcPct val="130000"/>
+              </a:lnSpc>
+              <a:buFont typeface="Arial"/>
+              <a:buChar char="•"/>
+            </a:pPr>
+            <a:endParaRPr lang="en-US" sz="1500" dirty="0">
+              <a:cs typeface="Trebuchet MS"/>
+            </a:endParaRPr>
+          </a:p>
+          <a:p>
+            <a:pPr marL="214313" indent="-214313">
+              <a:lnSpc>
+                <a:spcPct val="130000"/>
+              </a:lnSpc>
+              <a:buFont typeface="Arial"/>
+              <a:buChar char="•"/>
+            </a:pPr>
+            <a:r>
+              <a:rPr lang="en-US" dirty="0" err="1">
+                <a:cs typeface="Trebuchet MS"/>
+              </a:rPr>
+              <a:t>Enum</a:t>
+            </a:r>
+            <a:r>
+              <a:rPr lang="en-US" dirty="0">
+                <a:cs typeface="Trebuchet MS"/>
+              </a:rPr>
+              <a:t> – </a:t>
+            </a:r>
+            <a:r>
+              <a:rPr lang="en-US" dirty="0" smtClean="0">
+                <a:cs typeface="Trebuchet MS"/>
+              </a:rPr>
+              <a:t>enumeration</a:t>
+            </a:r>
+          </a:p>
+          <a:p>
+            <a:pPr marL="214313" indent="-214313">
+              <a:lnSpc>
+                <a:spcPct val="130000"/>
+              </a:lnSpc>
+              <a:buFont typeface="Arial"/>
+              <a:buChar char="•"/>
+            </a:pPr>
+            <a:endParaRPr lang="en-US" dirty="0">
+              <a:cs typeface="Trebuchet MS"/>
+            </a:endParaRPr>
+          </a:p>
+          <a:p>
+            <a:pPr marL="214313" indent="-214313">
+              <a:lnSpc>
+                <a:spcPct val="130000"/>
+              </a:lnSpc>
+              <a:buFont typeface="Arial"/>
+              <a:buChar char="•"/>
+            </a:pPr>
+            <a:r>
+              <a:rPr lang="en-US" dirty="0">
+                <a:cs typeface="Trebuchet MS"/>
+              </a:rPr>
+              <a:t>Any – dynamic types, can be </a:t>
+            </a:r>
+            <a:r>
+              <a:rPr lang="en-US" dirty="0" smtClean="0">
+                <a:cs typeface="Trebuchet MS"/>
+              </a:rPr>
+              <a:t>everything</a:t>
+            </a:r>
+          </a:p>
+          <a:p>
+            <a:pPr marL="214313" indent="-214313">
+              <a:lnSpc>
+                <a:spcPct val="130000"/>
+              </a:lnSpc>
+              <a:buFont typeface="Arial"/>
+              <a:buChar char="•"/>
+            </a:pPr>
+            <a:endParaRPr lang="en-US" dirty="0">
+              <a:cs typeface="Trebuchet MS"/>
+            </a:endParaRPr>
+          </a:p>
+          <a:p>
+            <a:pPr marL="214313" indent="-214313">
+              <a:lnSpc>
+                <a:spcPct val="130000"/>
+              </a:lnSpc>
+              <a:buFont typeface="Arial"/>
+              <a:buChar char="•"/>
+            </a:pPr>
+            <a:r>
+              <a:rPr lang="en-US" dirty="0">
+                <a:cs typeface="Trebuchet MS"/>
+              </a:rPr>
+              <a:t>Void – no </a:t>
+            </a:r>
+            <a:r>
+              <a:rPr lang="en-US" dirty="0" smtClean="0">
+                <a:cs typeface="Trebuchet MS"/>
+              </a:rPr>
+              <a:t>value</a:t>
+            </a:r>
+            <a:endParaRPr lang="en-US" dirty="0" smtClean="0">
+              <a:latin typeface="Trebuchet MS"/>
+              <a:cs typeface="Trebuchet MS"/>
+            </a:endParaRPr>
+          </a:p>
+        </p:txBody>
+      </p:sp>
+      <p:sp>
+        <p:nvSpPr>
+          <p:cNvPr id="2" name="TextBox 1"/>
+          <p:cNvSpPr txBox="1"/>
+          <p:nvPr/>
+        </p:nvSpPr>
+        <p:spPr>
+          <a:xfrm>
+            <a:off x="-1678214" y="172358"/>
+            <a:ext cx="138548" cy="318549"/>
+          </a:xfrm>
+          <a:prstGeom prst="rect">
+            <a:avLst/>
+          </a:prstGeom>
+          <a:noFill/>
+        </p:spPr>
+        <p:txBody>
+          <a:bodyPr wrap="none" lIns="68580" tIns="34290" rIns="68580" bIns="34290" rtlCol="0">
+            <a:spAutoFit/>
+          </a:bodyPr>
+          <a:lstStyle/>
+          <a:p>
+            <a:pPr>
+              <a:lnSpc>
+                <a:spcPct val="120000"/>
+              </a:lnSpc>
+            </a:pPr>
+            <a:endParaRPr lang="en-US" dirty="0" err="1">
+              <a:solidFill>
+                <a:srgbClr val="444444"/>
+              </a:solidFill>
+              <a:latin typeface="Trebuchet MS"/>
+              <a:cs typeface="Trebuchet MS"/>
+            </a:endParaRPr>
           </a:p>
         </p:txBody>
       </p:sp>
     </p:spTree>
     <p:extLst>
       <p:ext uri="{BB962C8B-B14F-4D97-AF65-F5344CB8AC3E}">
-        <p14:creationId xmlns:p14="http://schemas.microsoft.com/office/powerpoint/2010/main" val="2786210922"/>
+        <p14:creationId xmlns:p14="http://schemas.microsoft.com/office/powerpoint/2010/main" val="4035246169"/>
       </p:ext>
     </p:extLst>
   </p:cSld>
@@ -5323,12 +6211,12 @@
       </p:grpSpPr>
       <p:sp>
         <p:nvSpPr>
-          <p:cNvPr id="13" name="Text Placeholder 12"/>
+          <p:cNvPr id="3" name="Text Placeholder 2"/>
           <p:cNvSpPr>
             <a:spLocks noGrp="1"/>
           </p:cNvSpPr>
           <p:nvPr>
-            <p:ph type="body" sz="quarter" idx="10"/>
+            <p:ph type="body" sz="quarter" idx="11"/>
           </p:nvPr>
         </p:nvSpPr>
         <p:spPr/>
@@ -5338,259 +6226,139 @@
           <a:p>
             <a:r>
               <a:rPr lang="en-US" dirty="0"/>
-              <a:t>Classes</a:t>
-            </a:r>
-            <a:endParaRPr lang="en-US" dirty="0"/>
+              <a:t>Functions</a:t>
+            </a:r>
           </a:p>
         </p:txBody>
       </p:sp>
       <p:sp>
         <p:nvSpPr>
-          <p:cNvPr id="15" name="Rectangle 14"/>
-          <p:cNvSpPr/>
-          <p:nvPr/>
+          <p:cNvPr id="8" name="Content Placeholder 7"/>
+          <p:cNvSpPr>
+            <a:spLocks noGrp="1"/>
+          </p:cNvSpPr>
+          <p:nvPr>
+            <p:ph idx="1"/>
+          </p:nvPr>
         </p:nvSpPr>
         <p:spPr>
           <a:xfrm>
-            <a:off x="200025" y="814196"/>
-            <a:ext cx="5448300" cy="3966663"/>
+            <a:off x="189549" y="884635"/>
+            <a:ext cx="8563926" cy="3982639"/>
           </a:xfrm>
-          <a:prstGeom prst="rect">
-            <a:avLst/>
-          </a:prstGeom>
         </p:spPr>
         <p:txBody>
-          <a:bodyPr wrap="square" anchor="ctr">
-            <a:spAutoFit/>
+          <a:bodyPr>
+            <a:noAutofit/>
           </a:bodyPr>
           <a:lstStyle/>
           <a:p>
-            <a:pPr marL="214313" indent="-214313">
-              <a:lnSpc>
-                <a:spcPct val="130000"/>
-              </a:lnSpc>
-              <a:buFont typeface="Arial"/>
-              <a:buChar char="•"/>
+            <a:pPr>
+              <a:spcBef>
+                <a:spcPts val="1200"/>
+              </a:spcBef>
+              <a:spcAft>
+                <a:spcPts val="1200"/>
+              </a:spcAft>
             </a:pPr>
             <a:r>
-              <a:rPr lang="en-US" sz="1300" dirty="0" smtClean="0"/>
-              <a:t>Can </a:t>
-            </a:r>
-            <a:r>
-              <a:rPr lang="en-US" sz="1300" dirty="0"/>
-              <a:t>implement </a:t>
-            </a:r>
-            <a:r>
-              <a:rPr lang="en-US" sz="1300" dirty="0" smtClean="0"/>
-              <a:t>properties</a:t>
-            </a:r>
-          </a:p>
-          <a:p>
-            <a:pPr marL="214313" indent="-214313">
-              <a:lnSpc>
-                <a:spcPct val="130000"/>
-              </a:lnSpc>
-              <a:buFont typeface="Arial"/>
-              <a:buChar char="•"/>
+              <a:rPr lang="en-US" dirty="0"/>
+              <a:t>Can define the types of the parameters</a:t>
+            </a:r>
+          </a:p>
+          <a:p>
+            <a:pPr>
+              <a:spcBef>
+                <a:spcPts val="1200"/>
+              </a:spcBef>
+              <a:spcAft>
+                <a:spcPts val="1200"/>
+              </a:spcAft>
             </a:pPr>
-            <a:endParaRPr lang="en-US" sz="1300" dirty="0" smtClean="0"/>
-          </a:p>
-          <a:p>
-            <a:pPr marL="214313" indent="-214313">
-              <a:lnSpc>
-                <a:spcPct val="130000"/>
-              </a:lnSpc>
-              <a:buFont typeface="Arial"/>
-              <a:buChar char="•"/>
+            <a:r>
+              <a:rPr lang="en-US" dirty="0"/>
+              <a:t>Can define their return value</a:t>
+            </a:r>
+          </a:p>
+          <a:p>
+            <a:pPr>
+              <a:spcBef>
+                <a:spcPts val="1200"/>
+              </a:spcBef>
+              <a:spcAft>
+                <a:spcPts val="1200"/>
+              </a:spcAft>
             </a:pPr>
             <a:r>
-              <a:rPr lang="en-US" sz="1300" dirty="0" smtClean="0"/>
-              <a:t>Can </a:t>
-            </a:r>
-            <a:r>
-              <a:rPr lang="en-US" sz="1300" dirty="0"/>
-              <a:t>have </a:t>
-            </a:r>
-            <a:r>
-              <a:rPr lang="en-US" sz="1300" dirty="0" smtClean="0"/>
-              <a:t>constructors</a:t>
-            </a:r>
-          </a:p>
-          <a:p>
-            <a:pPr marL="214313" indent="-214313">
-              <a:lnSpc>
-                <a:spcPct val="130000"/>
-              </a:lnSpc>
-              <a:buFont typeface="Arial"/>
-              <a:buChar char="•"/>
+              <a:rPr lang="en-US" dirty="0"/>
+              <a:t>Can define typed pointers</a:t>
+            </a:r>
+          </a:p>
+          <a:p>
+            <a:pPr>
+              <a:spcBef>
+                <a:spcPts val="1200"/>
+              </a:spcBef>
+              <a:spcAft>
+                <a:spcPts val="1200"/>
+              </a:spcAft>
             </a:pPr>
-            <a:endParaRPr lang="en-US" sz="1300" dirty="0"/>
-          </a:p>
-          <a:p>
-            <a:pPr marL="214313" indent="-214313">
-              <a:lnSpc>
-                <a:spcPct val="130000"/>
-              </a:lnSpc>
-              <a:buFont typeface="Arial"/>
-              <a:buChar char="•"/>
+            <a:r>
+              <a:rPr lang="en-US" dirty="0"/>
+              <a:t>Can have optional or default parameters</a:t>
+            </a:r>
+          </a:p>
+          <a:p>
+            <a:pPr>
+              <a:spcBef>
+                <a:spcPts val="1200"/>
+              </a:spcBef>
+              <a:spcAft>
+                <a:spcPts val="1200"/>
+              </a:spcAft>
             </a:pPr>
             <a:r>
-              <a:rPr lang="en-US" sz="1300" dirty="0"/>
-              <a:t>Can have </a:t>
-            </a:r>
-            <a:r>
-              <a:rPr lang="en-US" sz="1300" dirty="0" smtClean="0"/>
-              <a:t>methods</a:t>
-            </a:r>
-          </a:p>
-          <a:p>
-            <a:pPr marL="214313" indent="-214313">
-              <a:lnSpc>
-                <a:spcPct val="130000"/>
-              </a:lnSpc>
-              <a:buFont typeface="Arial"/>
-              <a:buChar char="•"/>
+              <a:rPr lang="en-US" dirty="0"/>
+              <a:t>Can define collection parameters</a:t>
+            </a:r>
+          </a:p>
+          <a:p>
+            <a:pPr>
+              <a:spcBef>
+                <a:spcPts val="1200"/>
+              </a:spcBef>
+              <a:spcAft>
+                <a:spcPts val="1200"/>
+              </a:spcAft>
             </a:pPr>
-            <a:endParaRPr lang="en-US" sz="1300" dirty="0"/>
-          </a:p>
-          <a:p>
-            <a:pPr marL="214313" indent="-214313">
-              <a:lnSpc>
-                <a:spcPct val="130000"/>
-              </a:lnSpc>
-              <a:buFont typeface="Arial"/>
-              <a:buChar char="•"/>
+            <a:r>
+              <a:rPr lang="en-US" dirty="0"/>
+              <a:t>Can be used as lambda expressions</a:t>
+            </a:r>
+          </a:p>
+          <a:p>
+            <a:pPr>
+              <a:spcBef>
+                <a:spcPts val="1200"/>
+              </a:spcBef>
+              <a:spcAft>
+                <a:spcPts val="1200"/>
+              </a:spcAft>
             </a:pPr>
             <a:r>
-              <a:rPr lang="en-US" sz="1300" dirty="0"/>
-              <a:t>Have this referring to the current </a:t>
-            </a:r>
-            <a:r>
-              <a:rPr lang="en-US" sz="1300" dirty="0" smtClean="0"/>
-              <a:t>instance</a:t>
-            </a:r>
-          </a:p>
-          <a:p>
-            <a:pPr marL="214313" indent="-214313">
-              <a:lnSpc>
-                <a:spcPct val="130000"/>
-              </a:lnSpc>
-              <a:buFont typeface="Arial"/>
-              <a:buChar char="•"/>
-            </a:pPr>
-            <a:endParaRPr lang="en-US" sz="1300" dirty="0"/>
-          </a:p>
-          <a:p>
-            <a:pPr marL="214313" indent="-214313">
-              <a:lnSpc>
-                <a:spcPct val="130000"/>
-              </a:lnSpc>
-              <a:buFont typeface="Arial"/>
-              <a:buChar char="•"/>
-            </a:pPr>
-            <a:r>
-              <a:rPr lang="en-US" sz="1300" dirty="0"/>
-              <a:t>Can extend other classes (super is base</a:t>
-            </a:r>
-            <a:r>
-              <a:rPr lang="en-US" sz="1300" dirty="0" smtClean="0"/>
-              <a:t>)</a:t>
-            </a:r>
-          </a:p>
-          <a:p>
-            <a:pPr marL="214313" indent="-214313">
-              <a:lnSpc>
-                <a:spcPct val="130000"/>
-              </a:lnSpc>
-              <a:buFont typeface="Arial"/>
-              <a:buChar char="•"/>
-            </a:pPr>
-            <a:endParaRPr lang="en-US" sz="1300" dirty="0"/>
-          </a:p>
-          <a:p>
-            <a:pPr marL="214313" indent="-214313">
-              <a:lnSpc>
-                <a:spcPct val="130000"/>
-              </a:lnSpc>
-              <a:buFont typeface="Arial"/>
-              <a:buChar char="•"/>
-            </a:pPr>
-            <a:r>
-              <a:rPr lang="en-US" sz="1300" dirty="0"/>
-              <a:t>Can define private/public </a:t>
-            </a:r>
-            <a:r>
-              <a:rPr lang="en-US" sz="1300" dirty="0" smtClean="0"/>
-              <a:t>parts</a:t>
-            </a:r>
-          </a:p>
-          <a:p>
-            <a:pPr marL="214313" indent="-214313">
-              <a:lnSpc>
-                <a:spcPct val="130000"/>
-              </a:lnSpc>
-              <a:buFont typeface="Arial"/>
-              <a:buChar char="•"/>
-            </a:pPr>
-            <a:endParaRPr lang="en-US" sz="1300" dirty="0" smtClean="0"/>
-          </a:p>
-          <a:p>
-            <a:pPr marL="214313" indent="-214313">
-              <a:lnSpc>
-                <a:spcPct val="130000"/>
-              </a:lnSpc>
-              <a:buFont typeface="Arial"/>
-              <a:buChar char="•"/>
-            </a:pPr>
-            <a:r>
-              <a:rPr lang="en-US" sz="1300" dirty="0"/>
-              <a:t>Can define getters or </a:t>
-            </a:r>
-            <a:r>
-              <a:rPr lang="en-US" sz="1300" dirty="0" smtClean="0"/>
-              <a:t>setters</a:t>
-            </a:r>
-          </a:p>
-          <a:p>
-            <a:pPr marL="214313" indent="-214313">
-              <a:lnSpc>
-                <a:spcPct val="130000"/>
-              </a:lnSpc>
-              <a:buFont typeface="Arial"/>
-              <a:buChar char="•"/>
-            </a:pPr>
-            <a:endParaRPr lang="en-US" sz="1300" dirty="0"/>
-          </a:p>
-          <a:p>
-            <a:pPr marL="214313" indent="-214313">
-              <a:lnSpc>
-                <a:spcPct val="130000"/>
-              </a:lnSpc>
-              <a:buFont typeface="Arial"/>
-              <a:buChar char="•"/>
-            </a:pPr>
-            <a:r>
-              <a:rPr lang="en-US" sz="1300" dirty="0" smtClean="0"/>
-              <a:t>Can </a:t>
-            </a:r>
-            <a:r>
-              <a:rPr lang="en-US" sz="1300" dirty="0"/>
-              <a:t>define static </a:t>
-            </a:r>
-            <a:r>
-              <a:rPr lang="en-US" sz="1300" dirty="0" smtClean="0"/>
-              <a:t>parts</a:t>
-            </a:r>
-            <a:endParaRPr lang="en-US" sz="1300" dirty="0" smtClean="0">
-              <a:cs typeface="Trebuchet MS"/>
-            </a:endParaRPr>
+              <a:rPr lang="en-US" dirty="0"/>
+              <a:t>Can have overloads based on their parameters</a:t>
+            </a:r>
+          </a:p>
+          <a:p>
+            <a:endParaRPr lang="en-US" dirty="0"/>
           </a:p>
         </p:txBody>
       </p:sp>
     </p:spTree>
     <p:extLst>
       <p:ext uri="{BB962C8B-B14F-4D97-AF65-F5344CB8AC3E}">
-        <p14:creationId xmlns:p14="http://schemas.microsoft.com/office/powerpoint/2010/main" val="975152797"/>
+        <p14:creationId xmlns:p14="http://schemas.microsoft.com/office/powerpoint/2010/main" val="3993976752"/>
       </p:ext>
     </p:extLst>
   </p:cSld>
@@ -5626,7 +6394,95 @@
       </p:grpSpPr>
       <p:sp>
         <p:nvSpPr>
-          <p:cNvPr id="3" name="Text Placeholder 2"/>
+          <p:cNvPr id="8" name="Content Placeholder 7"/>
+          <p:cNvSpPr>
+            <a:spLocks noGrp="1"/>
+          </p:cNvSpPr>
+          <p:nvPr>
+            <p:ph idx="1"/>
+          </p:nvPr>
+        </p:nvSpPr>
+        <p:spPr/>
+        <p:txBody>
+          <a:bodyPr>
+            <a:noAutofit/>
+          </a:bodyPr>
+          <a:lstStyle/>
+          <a:p>
+            <a:pPr>
+              <a:spcBef>
+                <a:spcPts val="1800"/>
+              </a:spcBef>
+              <a:spcAft>
+                <a:spcPts val="1800"/>
+              </a:spcAft>
+            </a:pPr>
+            <a:r>
+              <a:rPr lang="en-US" sz="1400" dirty="0"/>
+              <a:t>Can define properties</a:t>
+            </a:r>
+          </a:p>
+          <a:p>
+            <a:pPr>
+              <a:spcBef>
+                <a:spcPts val="1800"/>
+              </a:spcBef>
+              <a:spcAft>
+                <a:spcPts val="1800"/>
+              </a:spcAft>
+            </a:pPr>
+            <a:r>
+              <a:rPr lang="en-US" sz="1400" dirty="0"/>
+              <a:t>Can define optional properties</a:t>
+            </a:r>
+          </a:p>
+          <a:p>
+            <a:pPr>
+              <a:spcBef>
+                <a:spcPts val="1800"/>
+              </a:spcBef>
+              <a:spcAft>
+                <a:spcPts val="1800"/>
+              </a:spcAft>
+            </a:pPr>
+            <a:r>
+              <a:rPr lang="en-US" sz="1400" dirty="0"/>
+              <a:t>Can define methods</a:t>
+            </a:r>
+          </a:p>
+          <a:p>
+            <a:pPr>
+              <a:spcBef>
+                <a:spcPts val="1800"/>
+              </a:spcBef>
+              <a:spcAft>
+                <a:spcPts val="1800"/>
+              </a:spcAft>
+            </a:pPr>
+            <a:r>
+              <a:rPr lang="en-US" sz="1400" dirty="0"/>
+              <a:t>Can define indexers</a:t>
+            </a:r>
+          </a:p>
+          <a:p>
+            <a:pPr>
+              <a:spcBef>
+                <a:spcPts val="1800"/>
+              </a:spcBef>
+              <a:spcAft>
+                <a:spcPts val="1800"/>
+              </a:spcAft>
+            </a:pPr>
+            <a:r>
+              <a:rPr lang="en-US" sz="1400" dirty="0"/>
+              <a:t>Can extend other interfaces</a:t>
+            </a:r>
+          </a:p>
+        </p:txBody>
+      </p:sp>
+      <p:sp>
+        <p:nvSpPr>
+          <p:cNvPr id="9" name="Text Placeholder 8"/>
           <p:cNvSpPr>
             <a:spLocks noGrp="1"/>
           </p:cNvSpPr>
@@ -5641,247 +6497,15 @@
           <a:p>
             <a:r>
               <a:rPr lang="en-US" dirty="0"/>
-              <a:t>Modules</a:t>
-            </a:r>
-            <a:endParaRPr lang="en-US" dirty="0"/>
-          </a:p>
-        </p:txBody>
-      </p:sp>
-      <p:sp>
-        <p:nvSpPr>
-          <p:cNvPr id="5" name="Rectangle 4"/>
-          <p:cNvSpPr/>
-          <p:nvPr/>
-        </p:nvSpPr>
-        <p:spPr>
-          <a:xfrm>
-            <a:off x="228110" y="975845"/>
-            <a:ext cx="3942682" cy="4573560"/>
-          </a:xfrm>
-          <a:prstGeom prst="rect">
-            <a:avLst/>
-          </a:prstGeom>
-        </p:spPr>
-        <p:txBody>
-          <a:bodyPr wrap="none">
-            <a:spAutoFit/>
-          </a:bodyPr>
-          <a:lstStyle/>
-          <a:p>
-            <a:pPr marL="214313" indent="-214313">
-              <a:lnSpc>
-                <a:spcPct val="130000"/>
-              </a:lnSpc>
-              <a:buFont typeface="Arial"/>
-              <a:buChar char="•"/>
-            </a:pPr>
-            <a:r>
-              <a:rPr lang="en-US" dirty="0"/>
-              <a:t>Organize your code into </a:t>
-            </a:r>
-            <a:r>
-              <a:rPr lang="en-US" dirty="0" smtClean="0"/>
-              <a:t>subsystems</a:t>
-            </a:r>
-          </a:p>
-          <a:p>
-            <a:pPr marL="214313" indent="-214313">
-              <a:lnSpc>
-                <a:spcPct val="130000"/>
-              </a:lnSpc>
-              <a:buFont typeface="Arial"/>
-              <a:buChar char="•"/>
-            </a:pPr>
-            <a:endParaRPr lang="en-US" dirty="0"/>
-          </a:p>
-          <a:p>
-            <a:pPr marL="214313" indent="-214313">
-              <a:lnSpc>
-                <a:spcPct val="130000"/>
-              </a:lnSpc>
-              <a:buFont typeface="Arial"/>
-              <a:buChar char="•"/>
-            </a:pPr>
-            <a:r>
-              <a:rPr lang="en-US" dirty="0"/>
-              <a:t>Created by the module </a:t>
-            </a:r>
-            <a:r>
-              <a:rPr lang="en-US" dirty="0" smtClean="0"/>
-              <a:t>keyword</a:t>
-            </a:r>
-          </a:p>
-          <a:p>
-            <a:pPr marL="214313" indent="-214313">
-              <a:lnSpc>
-                <a:spcPct val="130000"/>
-              </a:lnSpc>
-              <a:buFont typeface="Arial"/>
-              <a:buChar char="•"/>
-            </a:pPr>
-            <a:endParaRPr lang="en-US" dirty="0"/>
-          </a:p>
-          <a:p>
-            <a:pPr marL="214313" indent="-214313">
-              <a:lnSpc>
-                <a:spcPct val="130000"/>
-              </a:lnSpc>
-              <a:buFont typeface="Arial"/>
-              <a:buChar char="•"/>
-            </a:pPr>
-            <a:r>
-              <a:rPr lang="en-US" dirty="0"/>
-              <a:t>Define the public parts by export </a:t>
-            </a:r>
-            <a:r>
-              <a:rPr lang="en-US" dirty="0" smtClean="0"/>
-              <a:t>keyword</a:t>
-            </a:r>
-          </a:p>
-          <a:p>
-            <a:pPr marL="214313" indent="-214313">
-              <a:lnSpc>
-                <a:spcPct val="130000"/>
-              </a:lnSpc>
-              <a:buFont typeface="Arial"/>
-              <a:buChar char="•"/>
-            </a:pPr>
-            <a:endParaRPr lang="en-US" dirty="0"/>
-          </a:p>
-          <a:p>
-            <a:pPr marL="214313" indent="-214313">
-              <a:lnSpc>
-                <a:spcPct val="130000"/>
-              </a:lnSpc>
-              <a:buFont typeface="Arial"/>
-              <a:buChar char="•"/>
-            </a:pPr>
-            <a:r>
-              <a:rPr lang="en-US" dirty="0"/>
-              <a:t>You can split one module into different </a:t>
-            </a:r>
-            <a:r>
-              <a:rPr lang="en-US" dirty="0" smtClean="0"/>
-              <a:t>files</a:t>
-            </a:r>
-          </a:p>
-          <a:p>
-            <a:pPr marL="214313" indent="-214313">
-              <a:lnSpc>
-                <a:spcPct val="130000"/>
-              </a:lnSpc>
-              <a:buFont typeface="Arial"/>
-              <a:buChar char="•"/>
-            </a:pPr>
-            <a:endParaRPr lang="en-US" dirty="0"/>
-          </a:p>
-          <a:p>
-            <a:pPr marL="214313" indent="-214313">
-              <a:lnSpc>
-                <a:spcPct val="130000"/>
-              </a:lnSpc>
-              <a:buFont typeface="Arial"/>
-              <a:buChar char="•"/>
-            </a:pPr>
-            <a:r>
-              <a:rPr lang="en-US" dirty="0"/>
-              <a:t>You can compile them to a single </a:t>
-            </a:r>
-            <a:r>
-              <a:rPr lang="en-US" dirty="0" smtClean="0"/>
-              <a:t>one</a:t>
-            </a:r>
-          </a:p>
-          <a:p>
-            <a:pPr marL="214313" indent="-214313">
-              <a:lnSpc>
-                <a:spcPct val="130000"/>
-              </a:lnSpc>
-              <a:buFont typeface="Arial"/>
-              <a:buChar char="•"/>
-            </a:pPr>
-            <a:endParaRPr lang="en-US" dirty="0"/>
-          </a:p>
-          <a:p>
-            <a:pPr marL="214313" indent="-214313">
-              <a:lnSpc>
-                <a:spcPct val="130000"/>
-              </a:lnSpc>
-              <a:buFont typeface="Arial"/>
-              <a:buChar char="•"/>
-            </a:pPr>
-            <a:r>
-              <a:rPr lang="en-US" dirty="0"/>
-              <a:t>Possibility of external modules </a:t>
-            </a:r>
-            <a:endParaRPr lang="en-US" dirty="0" smtClean="0"/>
-          </a:p>
-          <a:p>
-            <a:pPr marL="214313" indent="-214313">
-              <a:lnSpc>
-                <a:spcPct val="130000"/>
-              </a:lnSpc>
-              <a:buFont typeface="Arial"/>
-              <a:buChar char="•"/>
-            </a:pPr>
-            <a:endParaRPr lang="en-US" dirty="0"/>
-          </a:p>
-          <a:p>
-            <a:pPr marL="214313" indent="-214313">
-              <a:lnSpc>
-                <a:spcPct val="130000"/>
-              </a:lnSpc>
-              <a:buFont typeface="Arial"/>
-              <a:buChar char="•"/>
-            </a:pPr>
-            <a:r>
-              <a:rPr lang="en-US" dirty="0"/>
-              <a:t>Can be used with external libraries</a:t>
-            </a:r>
-          </a:p>
-          <a:p>
-            <a:pPr>
-              <a:lnSpc>
-                <a:spcPct val="130000"/>
-              </a:lnSpc>
-            </a:pPr>
-            <a:r>
-              <a:rPr lang="en-US" dirty="0" smtClean="0">
-                <a:cs typeface="Trebuchet MS"/>
-              </a:rPr>
-              <a:t> </a:t>
-            </a:r>
-          </a:p>
-          <a:p>
-            <a:pPr marL="214313" indent="-214313">
-              <a:lnSpc>
-                <a:spcPct val="130000"/>
-              </a:lnSpc>
-              <a:buFont typeface="Arial"/>
-              <a:buChar char="•"/>
-            </a:pPr>
-            <a:endParaRPr lang="en-US" dirty="0" smtClean="0">
-              <a:cs typeface="Trebuchet MS"/>
-            </a:endParaRPr>
-          </a:p>
-          <a:p>
-            <a:pPr marL="214313" indent="-214313">
-              <a:lnSpc>
-                <a:spcPct val="130000"/>
-              </a:lnSpc>
-              <a:buFont typeface="Arial"/>
-              <a:buChar char="•"/>
-            </a:pPr>
-            <a:endParaRPr lang="en-US" dirty="0" smtClean="0">
-              <a:cs typeface="Trebuchet MS"/>
-            </a:endParaRPr>
+              <a:t>Interfaces</a:t>
+            </a:r>
           </a:p>
         </p:txBody>
       </p:sp>
     </p:spTree>
     <p:extLst>
       <p:ext uri="{BB962C8B-B14F-4D97-AF65-F5344CB8AC3E}">
-        <p14:creationId xmlns:p14="http://schemas.microsoft.com/office/powerpoint/2010/main" val="3447809421"/>
+        <p14:creationId xmlns:p14="http://schemas.microsoft.com/office/powerpoint/2010/main" val="2786210922"/>
       </p:ext>
     </p:extLst>
   </p:cSld>
@@ -5917,12 +6541,12 @@
       </p:grpSpPr>
       <p:sp>
         <p:nvSpPr>
-          <p:cNvPr id="3" name="Text Placeholder 2"/>
+          <p:cNvPr id="13" name="Text Placeholder 12"/>
           <p:cNvSpPr>
             <a:spLocks noGrp="1"/>
           </p:cNvSpPr>
           <p:nvPr>
-            <p:ph type="body" sz="quarter" idx="11"/>
+            <p:ph type="body" sz="quarter" idx="10"/>
           </p:nvPr>
         </p:nvSpPr>
         <p:spPr/>
@@ -5932,140 +6556,257 @@
           <a:p>
             <a:r>
               <a:rPr lang="en-US" dirty="0"/>
-              <a:t>Functions</a:t>
-            </a:r>
-            <a:endParaRPr lang="en-US" dirty="0"/>
+              <a:t>Classes</a:t>
+            </a:r>
           </a:p>
         </p:txBody>
       </p:sp>
       <p:sp>
         <p:nvSpPr>
-          <p:cNvPr id="8" name="Content Placeholder 7"/>
-          <p:cNvSpPr>
-            <a:spLocks noGrp="1"/>
-          </p:cNvSpPr>
-          <p:nvPr>
-            <p:ph idx="1"/>
-          </p:nvPr>
+          <p:cNvPr id="15" name="Rectangle 14"/>
+          <p:cNvSpPr/>
+          <p:nvPr/>
         </p:nvSpPr>
         <p:spPr>
           <a:xfrm>
-            <a:off x="189549" y="884635"/>
-            <a:ext cx="8563926" cy="3982639"/>
+            <a:off x="200025" y="670792"/>
+            <a:ext cx="5448300" cy="4253472"/>
           </a:xfrm>
+          <a:prstGeom prst="rect">
+            <a:avLst/>
+          </a:prstGeom>
         </p:spPr>
         <p:txBody>
-          <a:bodyPr>
-            <a:noAutofit/>
+          <a:bodyPr wrap="square" anchor="ctr">
+            <a:spAutoFit/>
           </a:bodyPr>
           <a:lstStyle/>
           <a:p>
+            <a:pPr marL="214313" indent="-214313">
+              <a:lnSpc>
+                <a:spcPct val="130000"/>
+              </a:lnSpc>
+              <a:buFont typeface="Arial"/>
+              <a:buChar char="•"/>
+            </a:pPr>
+            <a:r>
+              <a:rPr lang="en-US" sz="1300" dirty="0" smtClean="0"/>
+              <a:t>Can </a:t>
+            </a:r>
+            <a:r>
+              <a:rPr lang="en-US" sz="1300" dirty="0"/>
+              <a:t>implement </a:t>
+            </a:r>
+            <a:r>
+              <a:rPr lang="en-US" sz="1300" dirty="0" smtClean="0"/>
+              <a:t>properties</a:t>
+            </a:r>
+          </a:p>
+          <a:p>
+            <a:pPr marL="214313" indent="-214313">
+              <a:lnSpc>
+                <a:spcPct val="130000"/>
+              </a:lnSpc>
+              <a:buFont typeface="Arial"/>
+              <a:buChar char="•"/>
+            </a:pPr>
+            <a:endParaRPr lang="en-US" sz="1300" dirty="0"/>
+          </a:p>
+          <a:p>
+            <a:pPr marL="214313" indent="-214313">
+              <a:lnSpc>
+                <a:spcPct val="130000"/>
+              </a:lnSpc>
+              <a:buFont typeface="Arial"/>
+              <a:buChar char="•"/>
+            </a:pPr>
+            <a:r>
+              <a:rPr lang="en-US" sz="1300" dirty="0"/>
+              <a:t>Can define getters or setters</a:t>
+            </a:r>
+          </a:p>
+          <a:p>
+            <a:pPr marL="214313" indent="-214313">
+              <a:lnSpc>
+                <a:spcPct val="130000"/>
+              </a:lnSpc>
+              <a:buFont typeface="Arial"/>
+              <a:buChar char="•"/>
+            </a:pPr>
+            <a:endParaRPr lang="en-US" sz="1300" dirty="0" smtClean="0"/>
+          </a:p>
+          <a:p>
+            <a:pPr marL="214313" indent="-214313">
+              <a:lnSpc>
+                <a:spcPct val="130000"/>
+              </a:lnSpc>
+              <a:buFont typeface="Arial"/>
+              <a:buChar char="•"/>
+            </a:pPr>
+            <a:r>
+              <a:rPr lang="en-US" sz="1300" dirty="0" smtClean="0"/>
+              <a:t>Can </a:t>
+            </a:r>
+            <a:r>
+              <a:rPr lang="en-US" sz="1300" dirty="0"/>
+              <a:t>have </a:t>
+            </a:r>
+            <a:r>
+              <a:rPr lang="en-US" sz="1300" dirty="0" smtClean="0"/>
+              <a:t>constructors</a:t>
+            </a:r>
+          </a:p>
+          <a:p>
+            <a:pPr marL="214313" indent="-214313">
+              <a:lnSpc>
+                <a:spcPct val="130000"/>
+              </a:lnSpc>
+              <a:buFont typeface="Arial"/>
+              <a:buChar char="•"/>
+            </a:pPr>
+            <a:endParaRPr lang="en-US" sz="1300" dirty="0"/>
+          </a:p>
+          <a:p>
+            <a:pPr marL="214313" indent="-214313">
+              <a:lnSpc>
+                <a:spcPct val="130000"/>
+              </a:lnSpc>
+              <a:buFont typeface="Arial"/>
+              <a:buChar char="•"/>
+            </a:pPr>
+            <a:r>
+              <a:rPr lang="en-US" sz="1300" dirty="0"/>
+              <a:t>Can have </a:t>
+            </a:r>
+            <a:r>
+              <a:rPr lang="en-US" sz="1300" dirty="0" smtClean="0"/>
+              <a:t>methods</a:t>
+            </a:r>
+          </a:p>
+          <a:p>
+            <a:pPr marL="214313" indent="-214313">
+              <a:lnSpc>
+                <a:spcPct val="130000"/>
+              </a:lnSpc>
+              <a:buFont typeface="Arial"/>
+              <a:buChar char="•"/>
+            </a:pPr>
+            <a:endParaRPr lang="en-US" sz="1300" dirty="0"/>
+          </a:p>
+          <a:p>
+            <a:pPr marL="214313" indent="-214313">
+              <a:lnSpc>
+                <a:spcPct val="130000"/>
+              </a:lnSpc>
+              <a:buFont typeface="Arial"/>
+              <a:buChar char="•"/>
+            </a:pPr>
+            <a:r>
+              <a:rPr lang="en-US" sz="1300" dirty="0"/>
+              <a:t>Have this referring to the current </a:t>
+            </a:r>
+            <a:r>
+              <a:rPr lang="en-US" sz="1300" dirty="0" smtClean="0"/>
+              <a:t>instance</a:t>
+            </a:r>
+          </a:p>
+          <a:p>
             <a:pPr>
-              <a:spcBef>
-                <a:spcPts val="1200"/>
-              </a:spcBef>
-              <a:spcAft>
-                <a:spcPts val="1200"/>
-              </a:spcAft>
+              <a:lnSpc>
+                <a:spcPct val="130000"/>
+              </a:lnSpc>
             </a:pPr>
-            <a:r>
-              <a:rPr lang="en-US" dirty="0"/>
-              <a:t>Can define the types of the parameters</a:t>
-            </a:r>
-          </a:p>
-          <a:p>
-            <a:pPr>
-              <a:spcBef>
-                <a:spcPts val="1200"/>
-              </a:spcBef>
-              <a:spcAft>
-                <a:spcPts val="1200"/>
-              </a:spcAft>
+            <a:endParaRPr lang="en-US" sz="1300" dirty="0"/>
+          </a:p>
+          <a:p>
+            <a:pPr marL="214313" indent="-214313">
+              <a:lnSpc>
+                <a:spcPct val="130000"/>
+              </a:lnSpc>
+              <a:buFont typeface="Arial"/>
+              <a:buChar char="•"/>
             </a:pPr>
             <a:r>
-              <a:rPr lang="en-US" dirty="0"/>
-              <a:t>Can define their return value</a:t>
-            </a:r>
-          </a:p>
-          <a:p>
-            <a:pPr>
-              <a:spcBef>
-                <a:spcPts val="1200"/>
-              </a:spcBef>
-              <a:spcAft>
-                <a:spcPts val="1200"/>
-              </a:spcAft>
+              <a:rPr lang="en-US" sz="1300" dirty="0"/>
+              <a:t>Can define private/public </a:t>
+            </a:r>
+            <a:r>
+              <a:rPr lang="en-US" sz="1300" dirty="0" smtClean="0"/>
+              <a:t>parts</a:t>
+            </a:r>
+          </a:p>
+          <a:p>
+            <a:pPr marL="214313" indent="-214313">
+              <a:lnSpc>
+                <a:spcPct val="130000"/>
+              </a:lnSpc>
+              <a:buFont typeface="Arial"/>
+              <a:buChar char="•"/>
             </a:pPr>
-            <a:r>
-              <a:rPr lang="en-US" dirty="0"/>
-              <a:t>Can define typed pointers</a:t>
-            </a:r>
-          </a:p>
-          <a:p>
-            <a:pPr>
-              <a:spcBef>
-                <a:spcPts val="1200"/>
-              </a:spcBef>
-              <a:spcAft>
-                <a:spcPts val="1200"/>
-              </a:spcAft>
+            <a:endParaRPr lang="en-US" sz="1300" dirty="0"/>
+          </a:p>
+          <a:p>
+            <a:pPr marL="214313" indent="-214313">
+              <a:lnSpc>
+                <a:spcPct val="130000"/>
+              </a:lnSpc>
+              <a:buFont typeface="Arial"/>
+              <a:buChar char="•"/>
             </a:pPr>
             <a:r>
-              <a:rPr lang="en-US" dirty="0"/>
-              <a:t>Can have optional or default parameters</a:t>
-            </a:r>
-          </a:p>
-          <a:p>
-            <a:pPr>
-              <a:spcBef>
-                <a:spcPts val="1200"/>
-              </a:spcBef>
-              <a:spcAft>
-                <a:spcPts val="1200"/>
-              </a:spcAft>
+              <a:rPr lang="en-US" sz="1300" dirty="0" smtClean="0"/>
+              <a:t>Can </a:t>
+            </a:r>
+            <a:r>
+              <a:rPr lang="en-US" sz="1300" dirty="0"/>
+              <a:t>define static </a:t>
+            </a:r>
+            <a:r>
+              <a:rPr lang="en-US" sz="1300" dirty="0" smtClean="0"/>
+              <a:t>parts</a:t>
+            </a:r>
+          </a:p>
+          <a:p>
+            <a:pPr marL="214313" indent="-214313">
+              <a:lnSpc>
+                <a:spcPct val="130000"/>
+              </a:lnSpc>
+              <a:buFont typeface="Arial"/>
+              <a:buChar char="•"/>
             </a:pPr>
-            <a:r>
-              <a:rPr lang="en-US" dirty="0"/>
-              <a:t>Can define collection parameters</a:t>
-            </a:r>
-          </a:p>
-          <a:p>
-            <a:pPr>
-              <a:spcBef>
-                <a:spcPts val="1200"/>
-              </a:spcBef>
-              <a:spcAft>
-                <a:spcPts val="1200"/>
-              </a:spcAft>
+            <a:endParaRPr lang="en-US" sz="1300" dirty="0" smtClean="0"/>
+          </a:p>
+          <a:p>
+            <a:pPr marL="214313" indent="-214313">
+              <a:lnSpc>
+                <a:spcPct val="130000"/>
+              </a:lnSpc>
+              <a:buFont typeface="Arial"/>
+              <a:buChar char="•"/>
             </a:pPr>
             <a:r>
-              <a:rPr lang="en-US" dirty="0"/>
-              <a:t>Can be used as lambda expressions</a:t>
-            </a:r>
-          </a:p>
-          <a:p>
-            <a:pPr>
-              <a:spcBef>
-                <a:spcPts val="1200"/>
-              </a:spcBef>
-              <a:spcAft>
-                <a:spcPts val="1200"/>
-              </a:spcAft>
+              <a:rPr lang="en-US" sz="1300" dirty="0"/>
+              <a:t>Can extend other classes (super is base)</a:t>
+            </a:r>
+          </a:p>
+          <a:p>
+            <a:pPr marL="214313" indent="-214313">
+              <a:lnSpc>
+                <a:spcPct val="130000"/>
+              </a:lnSpc>
+              <a:buFont typeface="Arial"/>
+              <a:buChar char="•"/>
             </a:pPr>
-            <a:r>
-              <a:rPr lang="en-US" dirty="0"/>
-              <a:t>Can have overloads based on their parameters</a:t>
-            </a:r>
-          </a:p>
-          <a:p>
-            <a:endParaRPr lang="en-US" dirty="0"/>
+            <a:endParaRPr lang="en-US" sz="1300" dirty="0" smtClean="0">
+              <a:cs typeface="Trebuchet MS"/>
+            </a:endParaRPr>
           </a:p>
         </p:txBody>
       </p:sp>
     </p:spTree>
     <p:extLst>
       <p:ext uri="{BB962C8B-B14F-4D97-AF65-F5344CB8AC3E}">
-        <p14:creationId xmlns:p14="http://schemas.microsoft.com/office/powerpoint/2010/main" val="3993976752"/>
+        <p14:creationId xmlns:p14="http://schemas.microsoft.com/office/powerpoint/2010/main" val="975152797"/>
       </p:ext>
     </p:extLst>
   </p:cSld>
@@ -6106,6 +6847,296 @@
             <a:spLocks noGrp="1"/>
           </p:cNvSpPr>
           <p:nvPr>
+            <p:ph type="body" sz="quarter" idx="10"/>
+          </p:nvPr>
+        </p:nvSpPr>
+        <p:spPr/>
+        <p:txBody>
+          <a:bodyPr/>
+          <a:lstStyle/>
+          <a:p>
+            <a:r>
+              <a:rPr lang="en-US" dirty="0"/>
+              <a:t>Modules</a:t>
+            </a:r>
+          </a:p>
+        </p:txBody>
+      </p:sp>
+      <p:sp>
+        <p:nvSpPr>
+          <p:cNvPr id="5" name="Rectangle 4"/>
+          <p:cNvSpPr/>
+          <p:nvPr/>
+        </p:nvSpPr>
+        <p:spPr>
+          <a:xfrm>
+            <a:off x="228110" y="975845"/>
+            <a:ext cx="3942682" cy="4573560"/>
+          </a:xfrm>
+          <a:prstGeom prst="rect">
+            <a:avLst/>
+          </a:prstGeom>
+        </p:spPr>
+        <p:txBody>
+          <a:bodyPr wrap="none">
+            <a:spAutoFit/>
+          </a:bodyPr>
+          <a:lstStyle/>
+          <a:p>
+            <a:pPr marL="214313" indent="-214313">
+              <a:lnSpc>
+                <a:spcPct val="130000"/>
+              </a:lnSpc>
+              <a:buFont typeface="Arial"/>
+              <a:buChar char="•"/>
+            </a:pPr>
+            <a:r>
+              <a:rPr lang="en-US" dirty="0"/>
+              <a:t>Organize your code into </a:t>
+            </a:r>
+            <a:r>
+              <a:rPr lang="en-US" dirty="0" smtClean="0"/>
+              <a:t>subsystems</a:t>
+            </a:r>
+          </a:p>
+          <a:p>
+            <a:pPr marL="214313" indent="-214313">
+              <a:lnSpc>
+                <a:spcPct val="130000"/>
+              </a:lnSpc>
+              <a:buFont typeface="Arial"/>
+              <a:buChar char="•"/>
+            </a:pPr>
+            <a:endParaRPr lang="en-US" dirty="0"/>
+          </a:p>
+          <a:p>
+            <a:pPr marL="214313" indent="-214313">
+              <a:lnSpc>
+                <a:spcPct val="130000"/>
+              </a:lnSpc>
+              <a:buFont typeface="Arial"/>
+              <a:buChar char="•"/>
+            </a:pPr>
+            <a:r>
+              <a:rPr lang="en-US" dirty="0"/>
+              <a:t>Created by the module </a:t>
+            </a:r>
+            <a:r>
+              <a:rPr lang="en-US" dirty="0" smtClean="0"/>
+              <a:t>keyword</a:t>
+            </a:r>
+          </a:p>
+          <a:p>
+            <a:pPr marL="214313" indent="-214313">
+              <a:lnSpc>
+                <a:spcPct val="130000"/>
+              </a:lnSpc>
+              <a:buFont typeface="Arial"/>
+              <a:buChar char="•"/>
+            </a:pPr>
+            <a:endParaRPr lang="en-US" dirty="0"/>
+          </a:p>
+          <a:p>
+            <a:pPr marL="214313" indent="-214313">
+              <a:lnSpc>
+                <a:spcPct val="130000"/>
+              </a:lnSpc>
+              <a:buFont typeface="Arial"/>
+              <a:buChar char="•"/>
+            </a:pPr>
+            <a:r>
+              <a:rPr lang="en-US" dirty="0"/>
+              <a:t>Define the public parts by export </a:t>
+            </a:r>
+            <a:r>
+              <a:rPr lang="en-US" dirty="0" smtClean="0"/>
+              <a:t>keyword</a:t>
+            </a:r>
+          </a:p>
+          <a:p>
+            <a:pPr marL="214313" indent="-214313">
+              <a:lnSpc>
+                <a:spcPct val="130000"/>
+              </a:lnSpc>
+              <a:buFont typeface="Arial"/>
+              <a:buChar char="•"/>
+            </a:pPr>
+            <a:endParaRPr lang="en-US" dirty="0"/>
+          </a:p>
+          <a:p>
+            <a:pPr marL="214313" indent="-214313">
+              <a:lnSpc>
+                <a:spcPct val="130000"/>
+              </a:lnSpc>
+              <a:buFont typeface="Arial"/>
+              <a:buChar char="•"/>
+            </a:pPr>
+            <a:r>
+              <a:rPr lang="en-US" dirty="0"/>
+              <a:t>You can split one module into different </a:t>
+            </a:r>
+            <a:r>
+              <a:rPr lang="en-US" dirty="0" smtClean="0"/>
+              <a:t>files</a:t>
+            </a:r>
+          </a:p>
+          <a:p>
+            <a:pPr marL="214313" indent="-214313">
+              <a:lnSpc>
+                <a:spcPct val="130000"/>
+              </a:lnSpc>
+              <a:buFont typeface="Arial"/>
+              <a:buChar char="•"/>
+            </a:pPr>
+            <a:endParaRPr lang="en-US" dirty="0"/>
+          </a:p>
+          <a:p>
+            <a:pPr marL="214313" indent="-214313">
+              <a:lnSpc>
+                <a:spcPct val="130000"/>
+              </a:lnSpc>
+              <a:buFont typeface="Arial"/>
+              <a:buChar char="•"/>
+            </a:pPr>
+            <a:r>
+              <a:rPr lang="en-US" dirty="0"/>
+              <a:t>You can compile them to a single </a:t>
+            </a:r>
+            <a:r>
+              <a:rPr lang="en-US" dirty="0" smtClean="0"/>
+              <a:t>one</a:t>
+            </a:r>
+          </a:p>
+          <a:p>
+            <a:pPr marL="214313" indent="-214313">
+              <a:lnSpc>
+                <a:spcPct val="130000"/>
+              </a:lnSpc>
+              <a:buFont typeface="Arial"/>
+              <a:buChar char="•"/>
+            </a:pPr>
+            <a:endParaRPr lang="en-US" dirty="0"/>
+          </a:p>
+          <a:p>
+            <a:pPr marL="214313" indent="-214313">
+              <a:lnSpc>
+                <a:spcPct val="130000"/>
+              </a:lnSpc>
+              <a:buFont typeface="Arial"/>
+              <a:buChar char="•"/>
+            </a:pPr>
+            <a:r>
+              <a:rPr lang="en-US" dirty="0"/>
+              <a:t>Possibility of external modules </a:t>
+            </a:r>
+            <a:endParaRPr lang="en-US" dirty="0" smtClean="0"/>
+          </a:p>
+          <a:p>
+            <a:pPr marL="214313" indent="-214313">
+              <a:lnSpc>
+                <a:spcPct val="130000"/>
+              </a:lnSpc>
+              <a:buFont typeface="Arial"/>
+              <a:buChar char="•"/>
+            </a:pPr>
+            <a:endParaRPr lang="en-US" dirty="0"/>
+          </a:p>
+          <a:p>
+            <a:pPr marL="214313" indent="-214313">
+              <a:lnSpc>
+                <a:spcPct val="130000"/>
+              </a:lnSpc>
+              <a:buFont typeface="Arial"/>
+              <a:buChar char="•"/>
+            </a:pPr>
+            <a:r>
+              <a:rPr lang="en-US" dirty="0"/>
+              <a:t>Can be used with external libraries</a:t>
+            </a:r>
+          </a:p>
+          <a:p>
+            <a:pPr>
+              <a:lnSpc>
+                <a:spcPct val="130000"/>
+              </a:lnSpc>
+            </a:pPr>
+            <a:r>
+              <a:rPr lang="en-US" dirty="0" smtClean="0">
+                <a:cs typeface="Trebuchet MS"/>
+              </a:rPr>
+              <a:t> </a:t>
+            </a:r>
+          </a:p>
+          <a:p>
+            <a:pPr marL="214313" indent="-214313">
+              <a:lnSpc>
+                <a:spcPct val="130000"/>
+              </a:lnSpc>
+              <a:buFont typeface="Arial"/>
+              <a:buChar char="•"/>
+            </a:pPr>
+            <a:endParaRPr lang="en-US" dirty="0" smtClean="0">
+              <a:cs typeface="Trebuchet MS"/>
+            </a:endParaRPr>
+          </a:p>
+          <a:p>
+            <a:pPr marL="214313" indent="-214313">
+              <a:lnSpc>
+                <a:spcPct val="130000"/>
+              </a:lnSpc>
+              <a:buFont typeface="Arial"/>
+              <a:buChar char="•"/>
+            </a:pPr>
+            <a:endParaRPr lang="en-US" dirty="0" smtClean="0">
+              <a:cs typeface="Trebuchet MS"/>
+            </a:endParaRPr>
+          </a:p>
+        </p:txBody>
+      </p:sp>
+    </p:spTree>
+    <p:extLst>
+      <p:ext uri="{BB962C8B-B14F-4D97-AF65-F5344CB8AC3E}">
+        <p14:creationId xmlns:p14="http://schemas.microsoft.com/office/powerpoint/2010/main" val="3447809421"/>
+      </p:ext>
+    </p:extLst>
+  </p:cSld>
+  <p:clrMapOvr>
+    <a:masterClrMapping/>
+  </p:clrMapOvr>
+  <p:timing>
+    <p:tnLst>
+      <p:par>
+        <p:cTn id="1" dur="indefinite" restart="never" nodeType="tmRoot"/>
+      </p:par>
+    </p:tnLst>
+  </p:timing>
+</p:sld>
+</file>
+
+<file path=ppt/slides/slide9.xml><?xml version="1.0" encoding="utf-8"?>
+<p:sld xmlns:a="http://schemas.openxmlformats.org/drawingml/2006/main" xmlns:r="http://schemas.openxmlformats.org/officeDocument/2006/relationships" xmlns:p="http://schemas.openxmlformats.org/presentationml/2006/main">
+  <p:cSld>
+    <p:spTree>
+      <p:nvGrpSpPr>
+        <p:cNvPr id="1" name=""/>
+        <p:cNvGrpSpPr/>
+        <p:nvPr/>
+      </p:nvGrpSpPr>
+      <p:grpSpPr>
+        <a:xfrm>
+          <a:off x="0" y="0"/>
+          <a:ext cx="0" cy="0"/>
+          <a:chOff x="0" y="0"/>
+          <a:chExt cx="0" cy="0"/>
+        </a:xfrm>
+      </p:grpSpPr>
+      <p:sp>
+        <p:nvSpPr>
+          <p:cNvPr id="3" name="Text Placeholder 2"/>
+          <p:cNvSpPr>
+            <a:spLocks noGrp="1"/>
+          </p:cNvSpPr>
+          <p:nvPr>
             <p:ph type="body" sz="quarter" idx="11"/>
           </p:nvPr>
         </p:nvSpPr>
@@ -6118,7 +7149,6 @@
               <a:rPr lang="en-US" dirty="0"/>
               <a:t>Generics</a:t>
             </a:r>
-            <a:endParaRPr lang="en-US" dirty="0"/>
           </a:p>
         </p:txBody>
       </p:sp>
@@ -7140,6 +8170,15 @@
 </file>
 
 <file path=customXml/item2.xml><?xml version="1.0" encoding="utf-8"?>
+<p:properties xmlns:p="http://schemas.microsoft.com/office/2006/metadata/properties" xmlns:xsi="http://www.w3.org/2001/XMLSchema-instance" xmlns:pc="http://schemas.microsoft.com/office/infopath/2007/PartnerControls">
+  <documentManagement>
+    <PublishingExpirationDate xmlns="http://schemas.microsoft.com/sharepoint/v3" xsi:nil="true"/>
+    <PublishingStartDate xmlns="http://schemas.microsoft.com/sharepoint/v3" xsi:nil="true"/>
+  </documentManagement>
+</p:properties>
+</file>
+
+<file path=customXml/item3.xml><?xml version="1.0" encoding="utf-8"?>
 <ct:contentTypeSchema xmlns:ct="http://schemas.microsoft.com/office/2006/metadata/contentType" xmlns:ma="http://schemas.microsoft.com/office/2006/metadata/properties/metaAttributes" ct:_="" ma:_="" ma:contentTypeName="Document" ma:contentTypeID="0x010100B0E9A4A7D20EA84CAA39F80EA2A19865" ma:contentTypeVersion="1" ma:contentTypeDescription="Create a new document." ma:contentTypeScope="" ma:versionID="4ed0c655cf5595f31b06ef1418ca28bf">
   <xsd:schema xmlns:xsd="http://www.w3.org/2001/XMLSchema" xmlns:xs="http://www.w3.org/2001/XMLSchema" xmlns:p="http://schemas.microsoft.com/office/2006/metadata/properties" xmlns:ns1="http://schemas.microsoft.com/sharepoint/v3" targetNamespace="http://schemas.microsoft.com/office/2006/metadata/properties" ma:root="true" ma:fieldsID="4dcce58c87e9fcebab8021569449a8d0" ns1:_="">
     <xsd:import namespace="http://schemas.microsoft.com/sharepoint/v3"/>
@@ -7271,15 +8310,6 @@
 </ct:contentTypeSchema>
 </file>
 
-<file path=customXml/item3.xml><?xml version="1.0" encoding="utf-8"?>
-<p:properties xmlns:p="http://schemas.microsoft.com/office/2006/metadata/properties" xmlns:xsi="http://www.w3.org/2001/XMLSchema-instance" xmlns:pc="http://schemas.microsoft.com/office/infopath/2007/PartnerControls">
-  <documentManagement>
-    <PublishingExpirationDate xmlns="http://schemas.microsoft.com/sharepoint/v3" xsi:nil="true"/>
-    <PublishingStartDate xmlns="http://schemas.microsoft.com/sharepoint/v3" xsi:nil="true"/>
-  </documentManagement>
-</p:properties>
-</file>
-
 <file path=customXml/itemProps1.xml><?xml version="1.0" encoding="utf-8"?>
 <ds:datastoreItem xmlns:ds="http://schemas.openxmlformats.org/officeDocument/2006/customXml" ds:itemID="{14883F0F-DE57-4ECA-B9BB-F22E8C5B5D82}">
   <ds:schemaRefs>
@@ -7289,6 +8319,22 @@
 </file>
 
 <file path=customXml/itemProps2.xml><?xml version="1.0" encoding="utf-8"?>
+<ds:datastoreItem xmlns:ds="http://schemas.openxmlformats.org/officeDocument/2006/customXml" ds:itemID="{D5E3C081-4081-47AD-A9A6-9F18F525DA1D}">
+  <ds:schemaRefs>
+    <ds:schemaRef ds:uri="http://purl.org/dc/terms/"/>
+    <ds:schemaRef ds:uri="http://purl.org/dc/elements/1.1/"/>
+    <ds:schemaRef ds:uri="http://purl.org/dc/dcmitype/"/>
+    <ds:schemaRef ds:uri="http://schemas.microsoft.com/office/2006/documentManagement/types"/>
+    <ds:schemaRef ds:uri="http://schemas.microsoft.com/sharepoint/v3"/>
+    <ds:schemaRef ds:uri="http://www.w3.org/XML/1998/namespace"/>
+    <ds:schemaRef ds:uri="http://schemas.microsoft.com/office/2006/metadata/properties"/>
+    <ds:schemaRef ds:uri="http://schemas.microsoft.com/office/infopath/2007/PartnerControls"/>
+    <ds:schemaRef ds:uri="http://schemas.openxmlformats.org/package/2006/metadata/core-properties"/>
+  </ds:schemaRefs>
+</ds:datastoreItem>
+</file>
+
+<file path=customXml/itemProps3.xml><?xml version="1.0" encoding="utf-8"?>
 <ds:datastoreItem xmlns:ds="http://schemas.openxmlformats.org/officeDocument/2006/customXml" ds:itemID="{C3A1A37E-F8E3-427A-BCE9-B1DDB8B96CDF}">
   <ds:schemaRefs>
     <ds:schemaRef ds:uri="http://schemas.microsoft.com/office/2006/metadata/contentType"/>
@@ -7304,20 +8350,4 @@
     <ds:schemaRef ds:uri="http://schemas.microsoft.com/internal/obd"/>
   </ds:schemaRefs>
 </ds:datastoreItem>
-</file>
-
-<file path=customXml/itemProps3.xml><?xml version="1.0" encoding="utf-8"?>
-<ds:datastoreItem xmlns:ds="http://schemas.openxmlformats.org/officeDocument/2006/customXml" ds:itemID="{D5E3C081-4081-47AD-A9A6-9F18F525DA1D}">
-  <ds:schemaRefs>
-    <ds:schemaRef ds:uri="http://purl.org/dc/terms/"/>
-    <ds:schemaRef ds:uri="http://purl.org/dc/elements/1.1/"/>
-    <ds:schemaRef ds:uri="http://purl.org/dc/dcmitype/"/>
-    <ds:schemaRef ds:uri="http://schemas.microsoft.com/office/2006/documentManagement/types"/>
-    <ds:schemaRef ds:uri="http://schemas.microsoft.com/sharepoint/v3"/>
-    <ds:schemaRef ds:uri="http://www.w3.org/XML/1998/namespace"/>
-    <ds:schemaRef ds:uri="http://schemas.microsoft.com/office/2006/metadata/properties"/>
-    <ds:schemaRef ds:uri="http://schemas.microsoft.com/office/infopath/2007/PartnerControls"/>
-    <ds:schemaRef ds:uri="http://schemas.openxmlformats.org/package/2006/metadata/core-properties"/>
-  </ds:schemaRefs>
-</ds:datastoreItem>
 </file>
--- a/EPAM_TypeScriptFundamentals.pptx
+++ b/EPAM_TypeScriptFundamentals.pptx
@@ -5,10 +5,10 @@
     <p:sldMasterId id="2147483730" r:id="rId4"/>
   </p:sldMasterIdLst>
   <p:notesMasterIdLst>
-    <p:notesMasterId r:id="rId15"/>
+    <p:notesMasterId r:id="rId18"/>
   </p:notesMasterIdLst>
   <p:handoutMasterIdLst>
-    <p:handoutMasterId r:id="rId16"/>
+    <p:handoutMasterId r:id="rId19"/>
   </p:handoutMasterIdLst>
   <p:sldIdLst>
     <p:sldId id="448" r:id="rId5"/>
@@ -20,7 +20,10 @@
     <p:sldId id="353" r:id="rId11"/>
     <p:sldId id="354" r:id="rId12"/>
     <p:sldId id="465" r:id="rId13"/>
-    <p:sldId id="468" r:id="rId14"/>
+    <p:sldId id="469" r:id="rId14"/>
+    <p:sldId id="470" r:id="rId15"/>
+    <p:sldId id="471" r:id="rId16"/>
+    <p:sldId id="468" r:id="rId17"/>
   </p:sldIdLst>
   <p:sldSz cx="9144000" cy="5143500" type="screen16x9"/>
   <p:notesSz cx="6858000" cy="9144000"/>
@@ -387,7 +390,7 @@
           <a:p>
             <a:fld id="{7F5E9BF7-95E4-A242-BA1D-05FDCF603BE6}" type="datetime1">
               <a:rPr lang="en-US" smtClean="0"/>
-              <a:t>5/17/2016</a:t>
+              <a:t>5/18/2016</a:t>
             </a:fld>
             <a:endParaRPr lang="en-US"/>
           </a:p>
@@ -553,7 +556,7 @@
           <a:p>
             <a:fld id="{165DBCB1-0306-AD41-9452-11E7C08D5C04}" type="datetime1">
               <a:rPr lang="en-US" smtClean="0"/>
-              <a:t>5/17/2016</a:t>
+              <a:t>5/18/2016</a:t>
             </a:fld>
             <a:endParaRPr lang="en-US"/>
           </a:p>
@@ -3971,14 +3974,7 @@
                 <a:latin typeface="Trebuchet MS"/>
                 <a:cs typeface="Trebuchet MS"/>
               </a:rPr>
-              <a:t>MAY 18 </a:t>
-            </a:r>
-            <a:r>
-              <a:rPr lang="en-US" dirty="0" smtClean="0">
-                <a:latin typeface="Trebuchet MS"/>
-                <a:cs typeface="Trebuchet MS"/>
-              </a:rPr>
-              <a:t>2016</a:t>
+              <a:t>MAY 18 2016</a:t>
             </a:r>
             <a:endParaRPr lang="en-US" dirty="0">
               <a:latin typeface="Trebuchet MS"/>
@@ -4052,6 +4048,1964 @@
 </file>
 
 <file path=ppt/slides/slide10.xml><?xml version="1.0" encoding="utf-8"?>
+<p:sld xmlns:a="http://schemas.openxmlformats.org/drawingml/2006/main" xmlns:r="http://schemas.openxmlformats.org/officeDocument/2006/relationships" xmlns:p="http://schemas.openxmlformats.org/presentationml/2006/main">
+  <p:cSld>
+    <p:spTree>
+      <p:nvGrpSpPr>
+        <p:cNvPr id="1" name=""/>
+        <p:cNvGrpSpPr/>
+        <p:nvPr/>
+      </p:nvGrpSpPr>
+      <p:grpSpPr>
+        <a:xfrm>
+          <a:off x="0" y="0"/>
+          <a:ext cx="0" cy="0"/>
+          <a:chOff x="0" y="0"/>
+          <a:chExt cx="0" cy="0"/>
+        </a:xfrm>
+      </p:grpSpPr>
+      <p:sp>
+        <p:nvSpPr>
+          <p:cNvPr id="2" name="Content Placeholder 1"/>
+          <p:cNvSpPr>
+            <a:spLocks noGrp="1"/>
+          </p:cNvSpPr>
+          <p:nvPr>
+            <p:ph idx="1"/>
+          </p:nvPr>
+        </p:nvSpPr>
+        <p:spPr>
+          <a:xfrm>
+            <a:off x="216529" y="1959712"/>
+            <a:ext cx="8329612" cy="2958927"/>
+          </a:xfrm>
+        </p:spPr>
+        <p:txBody>
+          <a:bodyPr>
+            <a:normAutofit fontScale="70000" lnSpcReduction="20000"/>
+          </a:bodyPr>
+          <a:lstStyle/>
+          <a:p>
+            <a:pPr defTabSz="914400" eaLnBrk="0" fontAlgn="base" hangingPunct="0">
+              <a:lnSpc>
+                <a:spcPct val="100000"/>
+              </a:lnSpc>
+              <a:spcBef>
+                <a:spcPct val="0"/>
+              </a:spcBef>
+              <a:spcAft>
+                <a:spcPct val="0"/>
+              </a:spcAft>
+              <a:buClrTx/>
+            </a:pPr>
+            <a:r>
+              <a:rPr lang="en-US" dirty="0" smtClean="0"/>
+              <a:t>Class Decorators -	</a:t>
+            </a:r>
+            <a:r>
+              <a:rPr lang="en-US" altLang="en-US" dirty="0" smtClean="0">
+                <a:solidFill>
+                  <a:schemeClr val="accent2">
+                    <a:lumMod val="50000"/>
+                  </a:schemeClr>
+                </a:solidFill>
+                <a:cs typeface="Arial" panose="020B0604020202020204" pitchFamily="34" charset="0"/>
+              </a:rPr>
+              <a:t>declare </a:t>
+            </a:r>
+            <a:r>
+              <a:rPr lang="en-US" altLang="en-US" dirty="0">
+                <a:solidFill>
+                  <a:schemeClr val="accent2">
+                    <a:lumMod val="50000"/>
+                  </a:schemeClr>
+                </a:solidFill>
+                <a:cs typeface="Arial" panose="020B0604020202020204" pitchFamily="34" charset="0"/>
+              </a:rPr>
+              <a:t>type </a:t>
+            </a:r>
+            <a:r>
+              <a:rPr lang="en-US" altLang="en-US" dirty="0" err="1">
+                <a:solidFill>
+                  <a:schemeClr val="accent2">
+                    <a:lumMod val="50000"/>
+                  </a:schemeClr>
+                </a:solidFill>
+                <a:cs typeface="Arial" panose="020B0604020202020204" pitchFamily="34" charset="0"/>
+              </a:rPr>
+              <a:t>ClassDecorator</a:t>
+            </a:r>
+            <a:r>
+              <a:rPr lang="en-US" altLang="en-US" dirty="0">
+                <a:solidFill>
+                  <a:schemeClr val="accent2">
+                    <a:lumMod val="50000"/>
+                  </a:schemeClr>
+                </a:solidFill>
+                <a:cs typeface="Arial" panose="020B0604020202020204" pitchFamily="34" charset="0"/>
+              </a:rPr>
+              <a:t> = &lt;</a:t>
+            </a:r>
+            <a:r>
+              <a:rPr lang="en-US" altLang="en-US" dirty="0" err="1">
+                <a:solidFill>
+                  <a:schemeClr val="accent2">
+                    <a:lumMod val="50000"/>
+                  </a:schemeClr>
+                </a:solidFill>
+                <a:cs typeface="Arial" panose="020B0604020202020204" pitchFamily="34" charset="0"/>
+              </a:rPr>
+              <a:t>TFunction</a:t>
+            </a:r>
+            <a:r>
+              <a:rPr lang="en-US" altLang="en-US" dirty="0">
+                <a:solidFill>
+                  <a:schemeClr val="accent2">
+                    <a:lumMod val="50000"/>
+                  </a:schemeClr>
+                </a:solidFill>
+                <a:cs typeface="Arial" panose="020B0604020202020204" pitchFamily="34" charset="0"/>
+              </a:rPr>
+              <a:t> extends Function&gt;(</a:t>
+            </a:r>
+          </a:p>
+          <a:p>
+            <a:pPr marL="0" lvl="0" indent="0" defTabSz="914400" eaLnBrk="0" fontAlgn="base" hangingPunct="0">
+              <a:lnSpc>
+                <a:spcPct val="100000"/>
+              </a:lnSpc>
+              <a:spcBef>
+                <a:spcPct val="0"/>
+              </a:spcBef>
+              <a:spcAft>
+                <a:spcPct val="0"/>
+              </a:spcAft>
+              <a:buClrTx/>
+              <a:buNone/>
+            </a:pPr>
+            <a:r>
+              <a:rPr lang="en-US" altLang="en-US" dirty="0">
+                <a:solidFill>
+                  <a:schemeClr val="accent2">
+                    <a:lumMod val="50000"/>
+                  </a:schemeClr>
+                </a:solidFill>
+                <a:cs typeface="Arial" panose="020B0604020202020204" pitchFamily="34" charset="0"/>
+              </a:rPr>
+              <a:t>	</a:t>
+            </a:r>
+            <a:r>
+              <a:rPr lang="en-US" altLang="en-US" dirty="0" smtClean="0">
+                <a:solidFill>
+                  <a:schemeClr val="accent2">
+                    <a:lumMod val="50000"/>
+                  </a:schemeClr>
+                </a:solidFill>
+                <a:cs typeface="Arial" panose="020B0604020202020204" pitchFamily="34" charset="0"/>
+              </a:rPr>
+              <a:t>		target</a:t>
+            </a:r>
+            <a:r>
+              <a:rPr lang="en-US" altLang="en-US" dirty="0">
+                <a:solidFill>
+                  <a:schemeClr val="accent2">
+                    <a:lumMod val="50000"/>
+                  </a:schemeClr>
+                </a:solidFill>
+                <a:cs typeface="Arial" panose="020B0604020202020204" pitchFamily="34" charset="0"/>
+              </a:rPr>
+              <a:t>: </a:t>
+            </a:r>
+            <a:r>
+              <a:rPr lang="en-US" altLang="en-US" dirty="0" err="1">
+                <a:solidFill>
+                  <a:schemeClr val="accent2">
+                    <a:lumMod val="50000"/>
+                  </a:schemeClr>
+                </a:solidFill>
+                <a:cs typeface="Arial" panose="020B0604020202020204" pitchFamily="34" charset="0"/>
+              </a:rPr>
+              <a:t>TFunction</a:t>
+            </a:r>
+            <a:r>
+              <a:rPr lang="en-US" altLang="en-US" dirty="0">
+                <a:solidFill>
+                  <a:schemeClr val="accent2">
+                    <a:lumMod val="50000"/>
+                  </a:schemeClr>
+                </a:solidFill>
+                <a:cs typeface="Arial" panose="020B0604020202020204" pitchFamily="34" charset="0"/>
+              </a:rPr>
+              <a:t>) =&gt; </a:t>
+            </a:r>
+            <a:r>
+              <a:rPr lang="en-US" altLang="en-US" dirty="0" err="1">
+                <a:solidFill>
+                  <a:schemeClr val="accent2">
+                    <a:lumMod val="50000"/>
+                  </a:schemeClr>
+                </a:solidFill>
+                <a:cs typeface="Arial" panose="020B0604020202020204" pitchFamily="34" charset="0"/>
+              </a:rPr>
+              <a:t>TFunction</a:t>
+            </a:r>
+            <a:r>
+              <a:rPr lang="en-US" altLang="en-US" dirty="0">
+                <a:solidFill>
+                  <a:schemeClr val="accent2">
+                    <a:lumMod val="50000"/>
+                  </a:schemeClr>
+                </a:solidFill>
+                <a:cs typeface="Arial" panose="020B0604020202020204" pitchFamily="34" charset="0"/>
+              </a:rPr>
+              <a:t> | void; </a:t>
+            </a:r>
+            <a:endParaRPr lang="en-US" dirty="0" smtClean="0"/>
+          </a:p>
+          <a:p>
+            <a:endParaRPr lang="en-US" dirty="0" smtClean="0"/>
+          </a:p>
+          <a:p>
+            <a:pPr defTabSz="914400" eaLnBrk="0" fontAlgn="base" hangingPunct="0">
+              <a:lnSpc>
+                <a:spcPct val="100000"/>
+              </a:lnSpc>
+              <a:spcBef>
+                <a:spcPct val="0"/>
+              </a:spcBef>
+              <a:spcAft>
+                <a:spcPct val="0"/>
+              </a:spcAft>
+              <a:buClrTx/>
+            </a:pPr>
+            <a:r>
+              <a:rPr lang="en-US" dirty="0" smtClean="0"/>
+              <a:t>Method Decorators - 	</a:t>
+            </a:r>
+            <a:r>
+              <a:rPr lang="en-US" altLang="en-US" dirty="0" smtClean="0">
+                <a:solidFill>
+                  <a:schemeClr val="accent2">
+                    <a:lumMod val="50000"/>
+                  </a:schemeClr>
+                </a:solidFill>
+                <a:cs typeface="Arial" panose="020B0604020202020204" pitchFamily="34" charset="0"/>
+              </a:rPr>
+              <a:t>declare </a:t>
+            </a:r>
+            <a:r>
+              <a:rPr lang="en-US" altLang="en-US" dirty="0">
+                <a:solidFill>
+                  <a:schemeClr val="accent2">
+                    <a:lumMod val="50000"/>
+                  </a:schemeClr>
+                </a:solidFill>
+                <a:cs typeface="Arial" panose="020B0604020202020204" pitchFamily="34" charset="0"/>
+              </a:rPr>
+              <a:t>type </a:t>
+            </a:r>
+            <a:r>
+              <a:rPr lang="en-US" altLang="en-US" dirty="0" err="1">
+                <a:solidFill>
+                  <a:schemeClr val="accent2">
+                    <a:lumMod val="50000"/>
+                  </a:schemeClr>
+                </a:solidFill>
+                <a:cs typeface="Arial" panose="020B0604020202020204" pitchFamily="34" charset="0"/>
+              </a:rPr>
+              <a:t>MethodDecorator</a:t>
+            </a:r>
+            <a:r>
+              <a:rPr lang="en-US" altLang="en-US" dirty="0">
+                <a:solidFill>
+                  <a:schemeClr val="accent2">
+                    <a:lumMod val="50000"/>
+                  </a:schemeClr>
+                </a:solidFill>
+                <a:cs typeface="Arial" panose="020B0604020202020204" pitchFamily="34" charset="0"/>
+              </a:rPr>
+              <a:t> = &lt;T&gt;(	</a:t>
+            </a:r>
+          </a:p>
+          <a:p>
+            <a:pPr marL="0" lvl="0" indent="0" defTabSz="914400" eaLnBrk="0" fontAlgn="base" hangingPunct="0">
+              <a:lnSpc>
+                <a:spcPct val="100000"/>
+              </a:lnSpc>
+              <a:spcBef>
+                <a:spcPct val="0"/>
+              </a:spcBef>
+              <a:spcAft>
+                <a:spcPct val="0"/>
+              </a:spcAft>
+              <a:buClrTx/>
+              <a:buNone/>
+            </a:pPr>
+            <a:r>
+              <a:rPr lang="en-US" altLang="en-US" dirty="0">
+                <a:solidFill>
+                  <a:schemeClr val="accent2">
+                    <a:lumMod val="50000"/>
+                  </a:schemeClr>
+                </a:solidFill>
+                <a:cs typeface="Arial" panose="020B0604020202020204" pitchFamily="34" charset="0"/>
+              </a:rPr>
+              <a:t>	</a:t>
+            </a:r>
+            <a:r>
+              <a:rPr lang="en-US" altLang="en-US" dirty="0" smtClean="0">
+                <a:solidFill>
+                  <a:schemeClr val="accent2">
+                    <a:lumMod val="50000"/>
+                  </a:schemeClr>
+                </a:solidFill>
+                <a:cs typeface="Arial" panose="020B0604020202020204" pitchFamily="34" charset="0"/>
+              </a:rPr>
+              <a:t>		target</a:t>
+            </a:r>
+            <a:r>
+              <a:rPr lang="en-US" altLang="en-US" dirty="0">
+                <a:solidFill>
+                  <a:schemeClr val="accent2">
+                    <a:lumMod val="50000"/>
+                  </a:schemeClr>
+                </a:solidFill>
+                <a:cs typeface="Arial" panose="020B0604020202020204" pitchFamily="34" charset="0"/>
+              </a:rPr>
+              <a:t>: Object, </a:t>
+            </a:r>
+            <a:r>
+              <a:rPr lang="en-US" altLang="en-US" dirty="0" err="1">
+                <a:solidFill>
+                  <a:schemeClr val="accent2">
+                    <a:lumMod val="50000"/>
+                  </a:schemeClr>
+                </a:solidFill>
+                <a:cs typeface="Arial" panose="020B0604020202020204" pitchFamily="34" charset="0"/>
+              </a:rPr>
+              <a:t>propertyKey</a:t>
+            </a:r>
+            <a:r>
+              <a:rPr lang="en-US" altLang="en-US" dirty="0">
+                <a:solidFill>
+                  <a:schemeClr val="accent2">
+                    <a:lumMod val="50000"/>
+                  </a:schemeClr>
+                </a:solidFill>
+                <a:cs typeface="Arial" panose="020B0604020202020204" pitchFamily="34" charset="0"/>
+              </a:rPr>
+              <a:t>: string | symbol, </a:t>
+            </a:r>
+          </a:p>
+          <a:p>
+            <a:pPr marL="0" lvl="0" indent="0" defTabSz="914400" eaLnBrk="0" fontAlgn="base" hangingPunct="0">
+              <a:lnSpc>
+                <a:spcPct val="100000"/>
+              </a:lnSpc>
+              <a:spcBef>
+                <a:spcPct val="0"/>
+              </a:spcBef>
+              <a:spcAft>
+                <a:spcPct val="0"/>
+              </a:spcAft>
+              <a:buClrTx/>
+              <a:buNone/>
+            </a:pPr>
+            <a:r>
+              <a:rPr lang="en-US" altLang="en-US" dirty="0">
+                <a:solidFill>
+                  <a:schemeClr val="accent2">
+                    <a:lumMod val="50000"/>
+                  </a:schemeClr>
+                </a:solidFill>
+                <a:cs typeface="Arial" panose="020B0604020202020204" pitchFamily="34" charset="0"/>
+              </a:rPr>
+              <a:t>	</a:t>
+            </a:r>
+            <a:r>
+              <a:rPr lang="en-US" altLang="en-US" dirty="0" smtClean="0">
+                <a:solidFill>
+                  <a:schemeClr val="accent2">
+                    <a:lumMod val="50000"/>
+                  </a:schemeClr>
+                </a:solidFill>
+                <a:cs typeface="Arial" panose="020B0604020202020204" pitchFamily="34" charset="0"/>
+              </a:rPr>
+              <a:t>		descriptor</a:t>
+            </a:r>
+            <a:r>
+              <a:rPr lang="en-US" altLang="en-US" dirty="0">
+                <a:solidFill>
+                  <a:schemeClr val="accent2">
+                    <a:lumMod val="50000"/>
+                  </a:schemeClr>
+                </a:solidFill>
+                <a:cs typeface="Arial" panose="020B0604020202020204" pitchFamily="34" charset="0"/>
+              </a:rPr>
+              <a:t>: </a:t>
+            </a:r>
+            <a:r>
+              <a:rPr lang="en-US" altLang="en-US" dirty="0" err="1">
+                <a:solidFill>
+                  <a:schemeClr val="accent2">
+                    <a:lumMod val="50000"/>
+                  </a:schemeClr>
+                </a:solidFill>
+                <a:cs typeface="Arial" panose="020B0604020202020204" pitchFamily="34" charset="0"/>
+              </a:rPr>
+              <a:t>TypedPropertyDescriptor</a:t>
+            </a:r>
+            <a:r>
+              <a:rPr lang="en-US" altLang="en-US" dirty="0">
+                <a:solidFill>
+                  <a:schemeClr val="accent2">
+                    <a:lumMod val="50000"/>
+                  </a:schemeClr>
+                </a:solidFill>
+                <a:cs typeface="Arial" panose="020B0604020202020204" pitchFamily="34" charset="0"/>
+              </a:rPr>
+              <a:t>&lt;T&gt;) =&gt; </a:t>
+            </a:r>
+            <a:r>
+              <a:rPr lang="en-US" altLang="en-US" dirty="0" err="1">
+                <a:solidFill>
+                  <a:schemeClr val="accent2">
+                    <a:lumMod val="50000"/>
+                  </a:schemeClr>
+                </a:solidFill>
+                <a:cs typeface="Arial" panose="020B0604020202020204" pitchFamily="34" charset="0"/>
+              </a:rPr>
+              <a:t>TypedPropertyDescriptor</a:t>
+            </a:r>
+            <a:r>
+              <a:rPr lang="en-US" altLang="en-US" dirty="0">
+                <a:solidFill>
+                  <a:schemeClr val="accent2">
+                    <a:lumMod val="50000"/>
+                  </a:schemeClr>
+                </a:solidFill>
+                <a:cs typeface="Arial" panose="020B0604020202020204" pitchFamily="34" charset="0"/>
+              </a:rPr>
+              <a:t>&lt;T&gt; | void; </a:t>
+            </a:r>
+            <a:endParaRPr lang="en-US" dirty="0" smtClean="0"/>
+          </a:p>
+          <a:p>
+            <a:endParaRPr lang="en-US" dirty="0" smtClean="0"/>
+          </a:p>
+          <a:p>
+            <a:pPr defTabSz="914400" eaLnBrk="0" fontAlgn="base" hangingPunct="0">
+              <a:lnSpc>
+                <a:spcPct val="100000"/>
+              </a:lnSpc>
+              <a:spcBef>
+                <a:spcPct val="0"/>
+              </a:spcBef>
+              <a:spcAft>
+                <a:spcPct val="0"/>
+              </a:spcAft>
+              <a:buClrTx/>
+            </a:pPr>
+            <a:r>
+              <a:rPr lang="en-US" dirty="0"/>
+              <a:t>Property</a:t>
+            </a:r>
+            <a:r>
+              <a:rPr lang="en-US" dirty="0" smtClean="0"/>
+              <a:t> Decorators - 	</a:t>
+            </a:r>
+            <a:r>
+              <a:rPr lang="en-US" altLang="en-US" dirty="0" smtClean="0">
+                <a:solidFill>
+                  <a:schemeClr val="accent2">
+                    <a:lumMod val="50000"/>
+                  </a:schemeClr>
+                </a:solidFill>
+                <a:cs typeface="Arial" panose="020B0604020202020204" pitchFamily="34" charset="0"/>
+              </a:rPr>
+              <a:t>declare </a:t>
+            </a:r>
+            <a:r>
+              <a:rPr lang="en-US" altLang="en-US" dirty="0">
+                <a:solidFill>
+                  <a:schemeClr val="accent2">
+                    <a:lumMod val="50000"/>
+                  </a:schemeClr>
+                </a:solidFill>
+                <a:cs typeface="Arial" panose="020B0604020202020204" pitchFamily="34" charset="0"/>
+              </a:rPr>
+              <a:t>type </a:t>
+            </a:r>
+            <a:r>
+              <a:rPr lang="en-US" altLang="en-US" dirty="0" err="1">
+                <a:solidFill>
+                  <a:schemeClr val="accent2">
+                    <a:lumMod val="50000"/>
+                  </a:schemeClr>
+                </a:solidFill>
+                <a:cs typeface="Arial" panose="020B0604020202020204" pitchFamily="34" charset="0"/>
+              </a:rPr>
+              <a:t>PropertyDecorator</a:t>
+            </a:r>
+            <a:r>
+              <a:rPr lang="en-US" altLang="en-US" dirty="0">
+                <a:solidFill>
+                  <a:schemeClr val="accent2">
+                    <a:lumMod val="50000"/>
+                  </a:schemeClr>
+                </a:solidFill>
+                <a:cs typeface="Arial" panose="020B0604020202020204" pitchFamily="34" charset="0"/>
+              </a:rPr>
+              <a:t> = (</a:t>
+            </a:r>
+          </a:p>
+          <a:p>
+            <a:pPr marL="0" lvl="0" indent="0" defTabSz="914400" eaLnBrk="0" fontAlgn="base" hangingPunct="0">
+              <a:lnSpc>
+                <a:spcPct val="100000"/>
+              </a:lnSpc>
+              <a:spcBef>
+                <a:spcPct val="0"/>
+              </a:spcBef>
+              <a:spcAft>
+                <a:spcPct val="0"/>
+              </a:spcAft>
+              <a:buClrTx/>
+              <a:buNone/>
+            </a:pPr>
+            <a:r>
+              <a:rPr lang="en-US" altLang="en-US" dirty="0">
+                <a:solidFill>
+                  <a:schemeClr val="accent2">
+                    <a:lumMod val="50000"/>
+                  </a:schemeClr>
+                </a:solidFill>
+                <a:cs typeface="Arial" panose="020B0604020202020204" pitchFamily="34" charset="0"/>
+              </a:rPr>
+              <a:t>	</a:t>
+            </a:r>
+            <a:r>
+              <a:rPr lang="en-US" altLang="en-US" dirty="0" smtClean="0">
+                <a:solidFill>
+                  <a:schemeClr val="accent2">
+                    <a:lumMod val="50000"/>
+                  </a:schemeClr>
+                </a:solidFill>
+                <a:cs typeface="Arial" panose="020B0604020202020204" pitchFamily="34" charset="0"/>
+              </a:rPr>
+              <a:t>		target</a:t>
+            </a:r>
+            <a:r>
+              <a:rPr lang="en-US" altLang="en-US" dirty="0">
+                <a:solidFill>
+                  <a:schemeClr val="accent2">
+                    <a:lumMod val="50000"/>
+                  </a:schemeClr>
+                </a:solidFill>
+                <a:cs typeface="Arial" panose="020B0604020202020204" pitchFamily="34" charset="0"/>
+              </a:rPr>
+              <a:t>: Object, </a:t>
+            </a:r>
+          </a:p>
+          <a:p>
+            <a:pPr marL="0" lvl="0" indent="0" defTabSz="914400" eaLnBrk="0" fontAlgn="base" hangingPunct="0">
+              <a:lnSpc>
+                <a:spcPct val="100000"/>
+              </a:lnSpc>
+              <a:spcBef>
+                <a:spcPct val="0"/>
+              </a:spcBef>
+              <a:spcAft>
+                <a:spcPct val="0"/>
+              </a:spcAft>
+              <a:buClrTx/>
+              <a:buNone/>
+            </a:pPr>
+            <a:r>
+              <a:rPr lang="en-US" altLang="en-US" dirty="0">
+                <a:solidFill>
+                  <a:schemeClr val="accent2">
+                    <a:lumMod val="50000"/>
+                  </a:schemeClr>
+                </a:solidFill>
+                <a:cs typeface="Arial" panose="020B0604020202020204" pitchFamily="34" charset="0"/>
+              </a:rPr>
+              <a:t>	</a:t>
+            </a:r>
+            <a:r>
+              <a:rPr lang="en-US" altLang="en-US" dirty="0" smtClean="0">
+                <a:solidFill>
+                  <a:schemeClr val="accent2">
+                    <a:lumMod val="50000"/>
+                  </a:schemeClr>
+                </a:solidFill>
+                <a:cs typeface="Arial" panose="020B0604020202020204" pitchFamily="34" charset="0"/>
+              </a:rPr>
+              <a:t>		</a:t>
+            </a:r>
+            <a:r>
+              <a:rPr lang="en-US" altLang="en-US" dirty="0" err="1" smtClean="0">
+                <a:solidFill>
+                  <a:schemeClr val="accent2">
+                    <a:lumMod val="50000"/>
+                  </a:schemeClr>
+                </a:solidFill>
+                <a:cs typeface="Arial" panose="020B0604020202020204" pitchFamily="34" charset="0"/>
+              </a:rPr>
+              <a:t>propertyKey</a:t>
+            </a:r>
+            <a:r>
+              <a:rPr lang="en-US" altLang="en-US" dirty="0">
+                <a:solidFill>
+                  <a:schemeClr val="accent2">
+                    <a:lumMod val="50000"/>
+                  </a:schemeClr>
+                </a:solidFill>
+                <a:cs typeface="Arial" panose="020B0604020202020204" pitchFamily="34" charset="0"/>
+              </a:rPr>
+              <a:t>: string | symbol) =&gt; void; </a:t>
+            </a:r>
+            <a:endParaRPr lang="en-US" altLang="en-US" dirty="0" smtClean="0">
+              <a:solidFill>
+                <a:schemeClr val="accent2">
+                  <a:lumMod val="50000"/>
+                </a:schemeClr>
+              </a:solidFill>
+              <a:cs typeface="Arial" panose="020B0604020202020204" pitchFamily="34" charset="0"/>
+            </a:endParaRPr>
+          </a:p>
+          <a:p>
+            <a:pPr marL="0" lvl="0" indent="0" defTabSz="914400" eaLnBrk="0" fontAlgn="base" hangingPunct="0">
+              <a:lnSpc>
+                <a:spcPct val="100000"/>
+              </a:lnSpc>
+              <a:spcBef>
+                <a:spcPct val="0"/>
+              </a:spcBef>
+              <a:spcAft>
+                <a:spcPct val="0"/>
+              </a:spcAft>
+              <a:buClrTx/>
+              <a:buNone/>
+            </a:pPr>
+            <a:endParaRPr lang="en-US" altLang="en-US" dirty="0"/>
+          </a:p>
+          <a:p>
+            <a:pPr marL="0" lvl="0" indent="0" defTabSz="914400" eaLnBrk="0" fontAlgn="base" hangingPunct="0">
+              <a:lnSpc>
+                <a:spcPct val="100000"/>
+              </a:lnSpc>
+              <a:spcBef>
+                <a:spcPct val="0"/>
+              </a:spcBef>
+              <a:spcAft>
+                <a:spcPct val="0"/>
+              </a:spcAft>
+              <a:buClrTx/>
+              <a:buNone/>
+            </a:pPr>
+            <a:endParaRPr lang="en-US" dirty="0" smtClean="0"/>
+          </a:p>
+          <a:p>
+            <a:pPr defTabSz="914400" eaLnBrk="0" fontAlgn="base" hangingPunct="0">
+              <a:lnSpc>
+                <a:spcPct val="100000"/>
+              </a:lnSpc>
+              <a:spcBef>
+                <a:spcPct val="0"/>
+              </a:spcBef>
+              <a:spcAft>
+                <a:spcPct val="0"/>
+              </a:spcAft>
+              <a:buClrTx/>
+            </a:pPr>
+            <a:r>
+              <a:rPr lang="en-US" dirty="0"/>
+              <a:t>Parameter</a:t>
+            </a:r>
+            <a:r>
+              <a:rPr lang="en-US" dirty="0" smtClean="0"/>
+              <a:t> Decorators - 	</a:t>
+            </a:r>
+            <a:r>
+              <a:rPr lang="en-US" altLang="en-US" dirty="0" smtClean="0">
+                <a:solidFill>
+                  <a:schemeClr val="accent2">
+                    <a:lumMod val="50000"/>
+                  </a:schemeClr>
+                </a:solidFill>
+                <a:cs typeface="Arial" panose="020B0604020202020204" pitchFamily="34" charset="0"/>
+              </a:rPr>
+              <a:t>declare </a:t>
+            </a:r>
+            <a:r>
+              <a:rPr lang="en-US" altLang="en-US" dirty="0">
+                <a:solidFill>
+                  <a:schemeClr val="accent2">
+                    <a:lumMod val="50000"/>
+                  </a:schemeClr>
+                </a:solidFill>
+                <a:cs typeface="Arial" panose="020B0604020202020204" pitchFamily="34" charset="0"/>
+              </a:rPr>
+              <a:t>type </a:t>
+            </a:r>
+            <a:r>
+              <a:rPr lang="en-US" altLang="en-US" dirty="0" err="1">
+                <a:solidFill>
+                  <a:schemeClr val="accent2">
+                    <a:lumMod val="50000"/>
+                  </a:schemeClr>
+                </a:solidFill>
+                <a:cs typeface="Arial" panose="020B0604020202020204" pitchFamily="34" charset="0"/>
+              </a:rPr>
+              <a:t>ParameterDecorator</a:t>
+            </a:r>
+            <a:r>
+              <a:rPr lang="en-US" altLang="en-US" dirty="0">
+                <a:solidFill>
+                  <a:schemeClr val="accent2">
+                    <a:lumMod val="50000"/>
+                  </a:schemeClr>
+                </a:solidFill>
+                <a:cs typeface="Arial" panose="020B0604020202020204" pitchFamily="34" charset="0"/>
+              </a:rPr>
+              <a:t> = (</a:t>
+            </a:r>
+          </a:p>
+          <a:p>
+            <a:pPr marL="0" lvl="0" indent="0" defTabSz="914400" eaLnBrk="0" fontAlgn="base" hangingPunct="0">
+              <a:lnSpc>
+                <a:spcPct val="100000"/>
+              </a:lnSpc>
+              <a:spcBef>
+                <a:spcPct val="0"/>
+              </a:spcBef>
+              <a:spcAft>
+                <a:spcPct val="0"/>
+              </a:spcAft>
+              <a:buClrTx/>
+              <a:buNone/>
+            </a:pPr>
+            <a:r>
+              <a:rPr lang="en-US" altLang="en-US" dirty="0">
+                <a:solidFill>
+                  <a:schemeClr val="accent2">
+                    <a:lumMod val="50000"/>
+                  </a:schemeClr>
+                </a:solidFill>
+                <a:cs typeface="Arial" panose="020B0604020202020204" pitchFamily="34" charset="0"/>
+              </a:rPr>
+              <a:t>	</a:t>
+            </a:r>
+            <a:r>
+              <a:rPr lang="en-US" altLang="en-US" dirty="0" smtClean="0">
+                <a:solidFill>
+                  <a:schemeClr val="accent2">
+                    <a:lumMod val="50000"/>
+                  </a:schemeClr>
+                </a:solidFill>
+                <a:cs typeface="Arial" panose="020B0604020202020204" pitchFamily="34" charset="0"/>
+              </a:rPr>
+              <a:t>		target</a:t>
+            </a:r>
+            <a:r>
+              <a:rPr lang="en-US" altLang="en-US" dirty="0">
+                <a:solidFill>
+                  <a:schemeClr val="accent2">
+                    <a:lumMod val="50000"/>
+                  </a:schemeClr>
+                </a:solidFill>
+                <a:cs typeface="Arial" panose="020B0604020202020204" pitchFamily="34" charset="0"/>
+              </a:rPr>
+              <a:t>: Object, </a:t>
+            </a:r>
+          </a:p>
+          <a:p>
+            <a:pPr marL="0" lvl="0" indent="0" defTabSz="914400" eaLnBrk="0" fontAlgn="base" hangingPunct="0">
+              <a:lnSpc>
+                <a:spcPct val="100000"/>
+              </a:lnSpc>
+              <a:spcBef>
+                <a:spcPct val="0"/>
+              </a:spcBef>
+              <a:spcAft>
+                <a:spcPct val="0"/>
+              </a:spcAft>
+              <a:buClrTx/>
+              <a:buNone/>
+            </a:pPr>
+            <a:r>
+              <a:rPr lang="en-US" altLang="en-US" dirty="0">
+                <a:solidFill>
+                  <a:schemeClr val="accent2">
+                    <a:lumMod val="50000"/>
+                  </a:schemeClr>
+                </a:solidFill>
+                <a:cs typeface="Arial" panose="020B0604020202020204" pitchFamily="34" charset="0"/>
+              </a:rPr>
+              <a:t>	</a:t>
+            </a:r>
+            <a:r>
+              <a:rPr lang="en-US" altLang="en-US" dirty="0" smtClean="0">
+                <a:solidFill>
+                  <a:schemeClr val="accent2">
+                    <a:lumMod val="50000"/>
+                  </a:schemeClr>
+                </a:solidFill>
+                <a:cs typeface="Arial" panose="020B0604020202020204" pitchFamily="34" charset="0"/>
+              </a:rPr>
+              <a:t>		</a:t>
+            </a:r>
+            <a:r>
+              <a:rPr lang="en-US" altLang="en-US" dirty="0" err="1" smtClean="0">
+                <a:solidFill>
+                  <a:schemeClr val="accent2">
+                    <a:lumMod val="50000"/>
+                  </a:schemeClr>
+                </a:solidFill>
+                <a:cs typeface="Arial" panose="020B0604020202020204" pitchFamily="34" charset="0"/>
+              </a:rPr>
+              <a:t>propertyKey</a:t>
+            </a:r>
+            <a:r>
+              <a:rPr lang="en-US" altLang="en-US" dirty="0">
+                <a:solidFill>
+                  <a:schemeClr val="accent2">
+                    <a:lumMod val="50000"/>
+                  </a:schemeClr>
+                </a:solidFill>
+                <a:cs typeface="Arial" panose="020B0604020202020204" pitchFamily="34" charset="0"/>
+              </a:rPr>
+              <a:t>: string | symbol, </a:t>
+            </a:r>
+          </a:p>
+          <a:p>
+            <a:pPr marL="0" lvl="0" indent="0" defTabSz="914400" eaLnBrk="0" fontAlgn="base" hangingPunct="0">
+              <a:lnSpc>
+                <a:spcPct val="100000"/>
+              </a:lnSpc>
+              <a:spcBef>
+                <a:spcPct val="0"/>
+              </a:spcBef>
+              <a:spcAft>
+                <a:spcPct val="0"/>
+              </a:spcAft>
+              <a:buClrTx/>
+              <a:buNone/>
+            </a:pPr>
+            <a:r>
+              <a:rPr lang="en-US" altLang="en-US" dirty="0">
+                <a:solidFill>
+                  <a:schemeClr val="accent2">
+                    <a:lumMod val="50000"/>
+                  </a:schemeClr>
+                </a:solidFill>
+                <a:cs typeface="Arial" panose="020B0604020202020204" pitchFamily="34" charset="0"/>
+              </a:rPr>
+              <a:t>	</a:t>
+            </a:r>
+            <a:r>
+              <a:rPr lang="en-US" altLang="en-US" dirty="0" smtClean="0">
+                <a:solidFill>
+                  <a:schemeClr val="accent2">
+                    <a:lumMod val="50000"/>
+                  </a:schemeClr>
+                </a:solidFill>
+                <a:cs typeface="Arial" panose="020B0604020202020204" pitchFamily="34" charset="0"/>
+              </a:rPr>
+              <a:t>		</a:t>
+            </a:r>
+            <a:r>
+              <a:rPr lang="en-US" altLang="en-US" dirty="0" err="1" smtClean="0">
+                <a:solidFill>
+                  <a:schemeClr val="accent2">
+                    <a:lumMod val="50000"/>
+                  </a:schemeClr>
+                </a:solidFill>
+                <a:cs typeface="Arial" panose="020B0604020202020204" pitchFamily="34" charset="0"/>
+              </a:rPr>
+              <a:t>parameterIndex</a:t>
+            </a:r>
+            <a:r>
+              <a:rPr lang="en-US" altLang="en-US" dirty="0">
+                <a:solidFill>
+                  <a:schemeClr val="accent2">
+                    <a:lumMod val="50000"/>
+                  </a:schemeClr>
+                </a:solidFill>
+                <a:cs typeface="Arial" panose="020B0604020202020204" pitchFamily="34" charset="0"/>
+              </a:rPr>
+              <a:t>: number) =&gt; void; </a:t>
+            </a:r>
+            <a:endParaRPr lang="en-US" dirty="0" smtClean="0"/>
+          </a:p>
+          <a:p>
+            <a:r>
+              <a:rPr lang="en-US" dirty="0" err="1" smtClean="0"/>
+              <a:t>Accessor</a:t>
+            </a:r>
+            <a:r>
+              <a:rPr lang="en-US" dirty="0" smtClean="0"/>
+              <a:t> Decorators - 	</a:t>
+            </a:r>
+            <a:r>
+              <a:rPr lang="en-US" dirty="0" smtClean="0">
+                <a:solidFill>
+                  <a:schemeClr val="accent2">
+                    <a:lumMod val="75000"/>
+                  </a:schemeClr>
+                </a:solidFill>
+              </a:rPr>
+              <a:t>same as Method decorator</a:t>
+            </a:r>
+          </a:p>
+          <a:p>
+            <a:r>
+              <a:rPr lang="en-US" dirty="0"/>
+              <a:t>Decorator </a:t>
+            </a:r>
+            <a:r>
+              <a:rPr lang="en-US" dirty="0" smtClean="0"/>
+              <a:t>Factory - </a:t>
+            </a:r>
+            <a:r>
+              <a:rPr lang="en-US" dirty="0"/>
+              <a:t> A </a:t>
+            </a:r>
+            <a:r>
+              <a:rPr lang="en-US" i="1" dirty="0"/>
+              <a:t>Decorator Factory</a:t>
+            </a:r>
+            <a:r>
+              <a:rPr lang="en-US" dirty="0"/>
+              <a:t> is simply a function that returns the expression that will be called by the decorator at runtime.</a:t>
+            </a:r>
+            <a:endParaRPr lang="en-US" dirty="0"/>
+          </a:p>
+          <a:p>
+            <a:endParaRPr lang="en-US" dirty="0" smtClean="0"/>
+          </a:p>
+          <a:p>
+            <a:endParaRPr lang="en-US" dirty="0" smtClean="0"/>
+          </a:p>
+          <a:p>
+            <a:pPr marL="0" indent="0">
+              <a:buNone/>
+            </a:pPr>
+            <a:endParaRPr lang="en-US" dirty="0"/>
+          </a:p>
+        </p:txBody>
+      </p:sp>
+      <p:sp>
+        <p:nvSpPr>
+          <p:cNvPr id="3" name="Text Placeholder 2"/>
+          <p:cNvSpPr>
+            <a:spLocks noGrp="1"/>
+          </p:cNvSpPr>
+          <p:nvPr>
+            <p:ph type="body" sz="quarter" idx="11"/>
+          </p:nvPr>
+        </p:nvSpPr>
+        <p:spPr/>
+        <p:txBody>
+          <a:bodyPr/>
+          <a:lstStyle/>
+          <a:p>
+            <a:r>
+              <a:rPr lang="en-US" dirty="0" smtClean="0"/>
+              <a:t>Decorators</a:t>
+            </a:r>
+            <a:endParaRPr lang="en-US" dirty="0"/>
+          </a:p>
+        </p:txBody>
+      </p:sp>
+      <p:sp>
+        <p:nvSpPr>
+          <p:cNvPr id="6" name="TextBox 5"/>
+          <p:cNvSpPr txBox="1"/>
+          <p:nvPr/>
+        </p:nvSpPr>
+        <p:spPr>
+          <a:xfrm>
+            <a:off x="318335" y="775616"/>
+            <a:ext cx="8340745" cy="1277273"/>
+          </a:xfrm>
+          <a:prstGeom prst="rect">
+            <a:avLst/>
+          </a:prstGeom>
+          <a:noFill/>
+        </p:spPr>
+        <p:txBody>
+          <a:bodyPr wrap="none" rtlCol="0">
+            <a:spAutoFit/>
+          </a:bodyPr>
+          <a:lstStyle/>
+          <a:p>
+            <a:r>
+              <a:rPr lang="en-US" sz="1100" dirty="0">
+                <a:solidFill>
+                  <a:schemeClr val="accent2">
+                    <a:lumMod val="75000"/>
+                  </a:schemeClr>
+                </a:solidFill>
+                <a:latin typeface="Arial" panose="020B0604020202020204" pitchFamily="34" charset="0"/>
+                <a:cs typeface="Arial" panose="020B0604020202020204" pitchFamily="34" charset="0"/>
+              </a:rPr>
+              <a:t>A Decorator is a special kind of declaration that can be attached to a class declaration, method, </a:t>
+            </a:r>
+            <a:r>
+              <a:rPr lang="en-US" sz="1100" dirty="0" err="1">
+                <a:solidFill>
+                  <a:schemeClr val="accent2">
+                    <a:lumMod val="75000"/>
+                  </a:schemeClr>
+                </a:solidFill>
+                <a:latin typeface="Arial" panose="020B0604020202020204" pitchFamily="34" charset="0"/>
+                <a:cs typeface="Arial" panose="020B0604020202020204" pitchFamily="34" charset="0"/>
+              </a:rPr>
+              <a:t>accessor</a:t>
+            </a:r>
+            <a:r>
+              <a:rPr lang="en-US" sz="1100" dirty="0">
+                <a:solidFill>
+                  <a:schemeClr val="accent2">
+                    <a:lumMod val="75000"/>
+                  </a:schemeClr>
+                </a:solidFill>
+                <a:latin typeface="Arial" panose="020B0604020202020204" pitchFamily="34" charset="0"/>
+                <a:cs typeface="Arial" panose="020B0604020202020204" pitchFamily="34" charset="0"/>
+              </a:rPr>
+              <a:t>, property, or parameter.</a:t>
+            </a:r>
+          </a:p>
+          <a:p>
+            <a:r>
+              <a:rPr lang="en-US" sz="1100" dirty="0">
+                <a:solidFill>
+                  <a:schemeClr val="accent2">
+                    <a:lumMod val="75000"/>
+                  </a:schemeClr>
+                </a:solidFill>
+                <a:latin typeface="Arial" panose="020B0604020202020204" pitchFamily="34" charset="0"/>
+                <a:cs typeface="Arial" panose="020B0604020202020204" pitchFamily="34" charset="0"/>
+              </a:rPr>
+              <a:t> Decorators use the form @expression, where expression must evaluate to a function that will be called at runtime with information </a:t>
+            </a:r>
+          </a:p>
+          <a:p>
+            <a:pPr lvl="0"/>
+            <a:r>
+              <a:rPr lang="en-US" sz="1100" dirty="0">
+                <a:solidFill>
+                  <a:schemeClr val="accent2">
+                    <a:lumMod val="75000"/>
+                  </a:schemeClr>
+                </a:solidFill>
+                <a:latin typeface="Arial" panose="020B0604020202020204" pitchFamily="34" charset="0"/>
+                <a:cs typeface="Arial" panose="020B0604020202020204" pitchFamily="34" charset="0"/>
+              </a:rPr>
+              <a:t>about the decorated declaration</a:t>
+            </a:r>
+            <a:r>
+              <a:rPr lang="en-US" sz="1100" dirty="0" smtClean="0">
+                <a:solidFill>
+                  <a:schemeClr val="accent2">
+                    <a:lumMod val="75000"/>
+                  </a:schemeClr>
+                </a:solidFill>
+                <a:latin typeface="Arial" panose="020B0604020202020204" pitchFamily="34" charset="0"/>
+                <a:cs typeface="Arial" panose="020B0604020202020204" pitchFamily="34" charset="0"/>
+              </a:rPr>
+              <a:t>. </a:t>
+            </a:r>
+          </a:p>
+          <a:p>
+            <a:pPr lvl="0"/>
+            <a:r>
+              <a:rPr lang="en-US" altLang="en-US" sz="1100" dirty="0" smtClean="0">
+                <a:solidFill>
+                  <a:schemeClr val="accent2">
+                    <a:lumMod val="75000"/>
+                  </a:schemeClr>
+                </a:solidFill>
+                <a:latin typeface="Helvetica Neue"/>
+              </a:rPr>
+              <a:t>Decorator </a:t>
+            </a:r>
+            <a:r>
+              <a:rPr lang="en-US" altLang="en-US" sz="1100" dirty="0">
+                <a:solidFill>
+                  <a:schemeClr val="accent2">
+                    <a:lumMod val="75000"/>
+                  </a:schemeClr>
+                </a:solidFill>
+                <a:latin typeface="Helvetica Neue"/>
+              </a:rPr>
+              <a:t>cannot be used in a declaration file, or in any other ambient context (such as on a </a:t>
+            </a:r>
+            <a:r>
+              <a:rPr lang="en-US" altLang="en-US" sz="800" dirty="0">
+                <a:solidFill>
+                  <a:schemeClr val="accent2">
+                    <a:lumMod val="75000"/>
+                  </a:schemeClr>
+                </a:solidFill>
+                <a:latin typeface="Consolas" panose="020B0609020204030204" pitchFamily="49" charset="0"/>
+              </a:rPr>
+              <a:t>declare</a:t>
+            </a:r>
+            <a:r>
+              <a:rPr lang="en-US" altLang="en-US" sz="1100" dirty="0">
+                <a:solidFill>
+                  <a:schemeClr val="accent2">
+                    <a:lumMod val="75000"/>
+                  </a:schemeClr>
+                </a:solidFill>
+                <a:latin typeface="Helvetica Neue"/>
+              </a:rPr>
+              <a:t> class).</a:t>
+            </a:r>
+            <a:r>
+              <a:rPr lang="en-US" altLang="en-US" sz="500" dirty="0">
+                <a:solidFill>
+                  <a:schemeClr val="accent2">
+                    <a:lumMod val="75000"/>
+                  </a:schemeClr>
+                </a:solidFill>
+              </a:rPr>
+              <a:t> </a:t>
+            </a:r>
+            <a:endParaRPr lang="en-US" altLang="en-US" sz="500" dirty="0" smtClean="0">
+              <a:solidFill>
+                <a:schemeClr val="accent2">
+                  <a:lumMod val="75000"/>
+                </a:schemeClr>
+              </a:solidFill>
+            </a:endParaRPr>
+          </a:p>
+          <a:p>
+            <a:pPr lvl="0"/>
+            <a:endParaRPr lang="en-US" altLang="en-US" sz="1100" dirty="0" smtClean="0">
+              <a:solidFill>
+                <a:schemeClr val="accent2">
+                  <a:lumMod val="75000"/>
+                </a:schemeClr>
+              </a:solidFill>
+              <a:cs typeface="Arial" panose="020B0604020202020204" pitchFamily="34" charset="0"/>
+            </a:endParaRPr>
+          </a:p>
+          <a:p>
+            <a:pPr lvl="0"/>
+            <a:r>
+              <a:rPr lang="en-US" altLang="en-US" sz="1100" dirty="0" smtClean="0">
+                <a:solidFill>
+                  <a:schemeClr val="accent2">
+                    <a:lumMod val="75000"/>
+                  </a:schemeClr>
+                </a:solidFill>
+                <a:cs typeface="Arial" panose="020B0604020202020204" pitchFamily="34" charset="0"/>
+              </a:rPr>
+              <a:t>In </a:t>
+            </a:r>
+            <a:r>
+              <a:rPr lang="en-US" altLang="en-US" sz="1100" dirty="0">
+                <a:solidFill>
+                  <a:schemeClr val="accent2">
+                    <a:lumMod val="75000"/>
+                  </a:schemeClr>
+                </a:solidFill>
+                <a:cs typeface="Arial" panose="020B0604020202020204" pitchFamily="34" charset="0"/>
+              </a:rPr>
+              <a:t>the </a:t>
+            </a:r>
+            <a:r>
+              <a:rPr lang="en-US" altLang="en-US" sz="1100" dirty="0" err="1" smtClean="0">
+                <a:solidFill>
+                  <a:schemeClr val="accent2">
+                    <a:lumMod val="75000"/>
+                  </a:schemeClr>
+                </a:solidFill>
+                <a:cs typeface="Arial" panose="020B0604020202020204" pitchFamily="34" charset="0"/>
+              </a:rPr>
+              <a:t>TypeScript</a:t>
+            </a:r>
+            <a:r>
+              <a:rPr lang="en-US" altLang="en-US" sz="1100" dirty="0">
+                <a:solidFill>
+                  <a:schemeClr val="accent2">
+                    <a:lumMod val="75000"/>
+                  </a:schemeClr>
+                </a:solidFill>
+                <a:cs typeface="Arial" panose="020B0604020202020204" pitchFamily="34" charset="0"/>
+              </a:rPr>
+              <a:t> source </a:t>
+            </a:r>
+            <a:r>
+              <a:rPr lang="en-US" altLang="en-US" sz="1100" dirty="0" smtClean="0">
+                <a:solidFill>
+                  <a:schemeClr val="accent2">
+                    <a:lumMod val="75000"/>
+                  </a:schemeClr>
+                </a:solidFill>
+                <a:cs typeface="Arial" panose="020B0604020202020204" pitchFamily="34" charset="0"/>
+              </a:rPr>
+              <a:t>code</a:t>
+            </a:r>
+            <a:r>
+              <a:rPr lang="en-US" altLang="en-US" sz="1100" dirty="0">
+                <a:solidFill>
+                  <a:schemeClr val="accent2">
+                    <a:lumMod val="75000"/>
+                  </a:schemeClr>
+                </a:solidFill>
+                <a:cs typeface="Arial" panose="020B0604020202020204" pitchFamily="34" charset="0"/>
+              </a:rPr>
+              <a:t> we can find the signature of the available types of decorators:</a:t>
+            </a:r>
+          </a:p>
+          <a:p>
+            <a:endParaRPr lang="en-US" sz="1100" dirty="0" smtClean="0">
+              <a:solidFill>
+                <a:schemeClr val="accent2">
+                  <a:lumMod val="75000"/>
+                </a:schemeClr>
+              </a:solidFill>
+              <a:latin typeface="Arial" panose="020B0604020202020204" pitchFamily="34" charset="0"/>
+              <a:cs typeface="Arial" panose="020B0604020202020204" pitchFamily="34" charset="0"/>
+            </a:endParaRPr>
+          </a:p>
+        </p:txBody>
+      </p:sp>
+    </p:spTree>
+    <p:extLst>
+      <p:ext uri="{BB962C8B-B14F-4D97-AF65-F5344CB8AC3E}">
+        <p14:creationId xmlns:p14="http://schemas.microsoft.com/office/powerpoint/2010/main" val="2741869007"/>
+      </p:ext>
+    </p:extLst>
+  </p:cSld>
+  <p:clrMapOvr>
+    <a:masterClrMapping/>
+  </p:clrMapOvr>
+</p:sld>
+</file>
+
+<file path=ppt/slides/slide11.xml><?xml version="1.0" encoding="utf-8"?>
+<p:sld xmlns:a="http://schemas.openxmlformats.org/drawingml/2006/main" xmlns:r="http://schemas.openxmlformats.org/officeDocument/2006/relationships" xmlns:p="http://schemas.openxmlformats.org/presentationml/2006/main">
+  <p:cSld>
+    <p:spTree>
+      <p:nvGrpSpPr>
+        <p:cNvPr id="1" name=""/>
+        <p:cNvGrpSpPr/>
+        <p:nvPr/>
+      </p:nvGrpSpPr>
+      <p:grpSpPr>
+        <a:xfrm>
+          <a:off x="0" y="0"/>
+          <a:ext cx="0" cy="0"/>
+          <a:chOff x="0" y="0"/>
+          <a:chExt cx="0" cy="0"/>
+        </a:xfrm>
+      </p:grpSpPr>
+      <p:sp>
+        <p:nvSpPr>
+          <p:cNvPr id="2" name="Content Placeholder 1"/>
+          <p:cNvSpPr>
+            <a:spLocks noGrp="1"/>
+          </p:cNvSpPr>
+          <p:nvPr>
+            <p:ph idx="1"/>
+          </p:nvPr>
+        </p:nvSpPr>
+        <p:spPr>
+          <a:xfrm>
+            <a:off x="360363" y="1332312"/>
+            <a:ext cx="8329612" cy="600991"/>
+          </a:xfrm>
+        </p:spPr>
+        <p:txBody>
+          <a:bodyPr/>
+          <a:lstStyle/>
+          <a:p>
+            <a:r>
+              <a:rPr lang="en-US" dirty="0" smtClean="0"/>
+              <a:t>Decorator pattern example with typescript</a:t>
+            </a:r>
+          </a:p>
+          <a:p>
+            <a:endParaRPr lang="en-US" dirty="0"/>
+          </a:p>
+          <a:p>
+            <a:endParaRPr lang="en-US" dirty="0" smtClean="0"/>
+          </a:p>
+          <a:p>
+            <a:pPr marL="0" indent="0">
+              <a:buNone/>
+            </a:pPr>
+            <a:endParaRPr lang="en-US" dirty="0" smtClean="0"/>
+          </a:p>
+          <a:p>
+            <a:pPr marL="0" indent="0">
+              <a:buNone/>
+            </a:pPr>
+            <a:endParaRPr lang="en-US" dirty="0"/>
+          </a:p>
+          <a:p>
+            <a:pPr marL="0" indent="0">
+              <a:buNone/>
+            </a:pPr>
+            <a:endParaRPr lang="en-US" dirty="0" smtClean="0"/>
+          </a:p>
+        </p:txBody>
+      </p:sp>
+      <p:sp>
+        <p:nvSpPr>
+          <p:cNvPr id="3" name="Text Placeholder 2"/>
+          <p:cNvSpPr>
+            <a:spLocks noGrp="1"/>
+          </p:cNvSpPr>
+          <p:nvPr>
+            <p:ph type="body" sz="quarter" idx="11"/>
+          </p:nvPr>
+        </p:nvSpPr>
+        <p:spPr/>
+        <p:txBody>
+          <a:bodyPr/>
+          <a:lstStyle/>
+          <a:p>
+            <a:r>
+              <a:rPr lang="en-US" dirty="0" smtClean="0"/>
+              <a:t>Design patterns</a:t>
+            </a:r>
+            <a:endParaRPr lang="en-US" dirty="0"/>
+          </a:p>
+        </p:txBody>
+      </p:sp>
+      <p:pic>
+        <p:nvPicPr>
+          <p:cNvPr id="5" name="Picture 4"/>
+          <p:cNvPicPr>
+            <a:picLocks noChangeAspect="1"/>
+          </p:cNvPicPr>
+          <p:nvPr/>
+        </p:nvPicPr>
+        <p:blipFill>
+          <a:blip r:embed="rId2">
+            <a:extLst>
+              <a:ext uri="{28A0092B-C50C-407E-A947-70E740481C1C}">
+                <a14:useLocalDpi xmlns:a14="http://schemas.microsoft.com/office/drawing/2010/main" val="0"/>
+              </a:ext>
+            </a:extLst>
+          </a:blip>
+          <a:stretch>
+            <a:fillRect/>
+          </a:stretch>
+        </p:blipFill>
+        <p:spPr>
+          <a:xfrm>
+            <a:off x="4968585" y="1332312"/>
+            <a:ext cx="3274078" cy="2917495"/>
+          </a:xfrm>
+          <a:prstGeom prst="rect">
+            <a:avLst/>
+          </a:prstGeom>
+        </p:spPr>
+      </p:pic>
+      <p:sp>
+        <p:nvSpPr>
+          <p:cNvPr id="6" name="TextBox 5"/>
+          <p:cNvSpPr txBox="1"/>
+          <p:nvPr/>
+        </p:nvSpPr>
+        <p:spPr>
+          <a:xfrm>
+            <a:off x="440456" y="1814281"/>
+            <a:ext cx="37725334" cy="1277273"/>
+          </a:xfrm>
+          <a:prstGeom prst="rect">
+            <a:avLst/>
+          </a:prstGeom>
+          <a:noFill/>
+        </p:spPr>
+        <p:txBody>
+          <a:bodyPr wrap="square" rtlCol="0">
+            <a:spAutoFit/>
+          </a:bodyPr>
+          <a:lstStyle/>
+          <a:p>
+            <a:r>
+              <a:rPr lang="en-US" sz="1100" dirty="0">
+                <a:solidFill>
+                  <a:schemeClr val="accent2">
+                    <a:lumMod val="75000"/>
+                  </a:schemeClr>
+                </a:solidFill>
+              </a:rPr>
+              <a:t>The point of the decorator pattern is to extend (decorate) </a:t>
+            </a:r>
+            <a:r>
+              <a:rPr lang="en-US" sz="1100" dirty="0" err="1">
+                <a:solidFill>
+                  <a:schemeClr val="accent2">
+                    <a:lumMod val="75000"/>
+                  </a:schemeClr>
+                </a:solidFill>
+              </a:rPr>
+              <a:t>behaviour</a:t>
+            </a:r>
+            <a:r>
+              <a:rPr lang="en-US" sz="1100" dirty="0">
+                <a:solidFill>
+                  <a:schemeClr val="accent2">
+                    <a:lumMod val="75000"/>
+                  </a:schemeClr>
+                </a:solidFill>
+              </a:rPr>
+              <a:t> of an object, </a:t>
+            </a:r>
+            <a:endParaRPr lang="en-US" sz="1100" dirty="0" smtClean="0">
+              <a:solidFill>
+                <a:schemeClr val="accent2">
+                  <a:lumMod val="75000"/>
+                </a:schemeClr>
+              </a:solidFill>
+            </a:endParaRPr>
+          </a:p>
+          <a:p>
+            <a:r>
+              <a:rPr lang="en-US" sz="1100" dirty="0" smtClean="0">
+                <a:solidFill>
+                  <a:schemeClr val="accent2">
+                    <a:lumMod val="75000"/>
+                  </a:schemeClr>
+                </a:solidFill>
+              </a:rPr>
+              <a:t>without </a:t>
+            </a:r>
+            <a:r>
+              <a:rPr lang="en-US" sz="1100" dirty="0">
+                <a:solidFill>
+                  <a:schemeClr val="accent2">
+                    <a:lumMod val="75000"/>
+                  </a:schemeClr>
+                </a:solidFill>
+              </a:rPr>
+              <a:t>affecting the </a:t>
+            </a:r>
+            <a:r>
+              <a:rPr lang="en-US" sz="1100" dirty="0" err="1">
+                <a:solidFill>
+                  <a:schemeClr val="accent2">
+                    <a:lumMod val="75000"/>
+                  </a:schemeClr>
+                </a:solidFill>
+              </a:rPr>
+              <a:t>behaviour</a:t>
+            </a:r>
+            <a:r>
+              <a:rPr lang="en-US" sz="1100" dirty="0">
+                <a:solidFill>
+                  <a:schemeClr val="accent2">
+                    <a:lumMod val="75000"/>
+                  </a:schemeClr>
+                </a:solidFill>
+              </a:rPr>
+              <a:t> of other objects </a:t>
+            </a:r>
+            <a:r>
+              <a:rPr lang="en-US" sz="1100" dirty="0" smtClean="0">
+                <a:solidFill>
+                  <a:schemeClr val="accent2">
+                    <a:lumMod val="75000"/>
+                  </a:schemeClr>
+                </a:solidFill>
+              </a:rPr>
+              <a:t>of </a:t>
+            </a:r>
+            <a:r>
+              <a:rPr lang="en-US" sz="1100" dirty="0">
+                <a:solidFill>
+                  <a:schemeClr val="accent2">
+                    <a:lumMod val="75000"/>
+                  </a:schemeClr>
+                </a:solidFill>
+              </a:rPr>
+              <a:t>the same class. </a:t>
+            </a:r>
+            <a:endParaRPr lang="en-US" sz="1100" dirty="0" smtClean="0">
+              <a:solidFill>
+                <a:schemeClr val="accent2">
+                  <a:lumMod val="75000"/>
+                </a:schemeClr>
+              </a:solidFill>
+            </a:endParaRPr>
+          </a:p>
+          <a:p>
+            <a:r>
+              <a:rPr lang="en-US" sz="1100" dirty="0" smtClean="0">
+                <a:solidFill>
+                  <a:schemeClr val="accent2">
+                    <a:lumMod val="75000"/>
+                  </a:schemeClr>
+                </a:solidFill>
+              </a:rPr>
+              <a:t>With </a:t>
+            </a:r>
+            <a:r>
+              <a:rPr lang="en-US" sz="1100" dirty="0">
+                <a:solidFill>
+                  <a:schemeClr val="accent2">
+                    <a:lumMod val="75000"/>
+                  </a:schemeClr>
+                </a:solidFill>
+              </a:rPr>
+              <a:t>this pattern, you can statically or dynamically wrap a component in </a:t>
+            </a:r>
+            <a:endParaRPr lang="en-US" sz="1100" dirty="0" smtClean="0">
+              <a:solidFill>
+                <a:schemeClr val="accent2">
+                  <a:lumMod val="75000"/>
+                </a:schemeClr>
+              </a:solidFill>
+            </a:endParaRPr>
+          </a:p>
+          <a:p>
+            <a:r>
+              <a:rPr lang="en-US" sz="1100" dirty="0" smtClean="0">
+                <a:solidFill>
+                  <a:schemeClr val="accent2">
+                    <a:lumMod val="75000"/>
+                  </a:schemeClr>
+                </a:solidFill>
+              </a:rPr>
+              <a:t>another </a:t>
+            </a:r>
+            <a:r>
+              <a:rPr lang="en-US" sz="1100" dirty="0">
+                <a:solidFill>
+                  <a:schemeClr val="accent2">
+                    <a:lumMod val="75000"/>
+                  </a:schemeClr>
+                </a:solidFill>
+              </a:rPr>
+              <a:t>component. </a:t>
+            </a:r>
+            <a:r>
+              <a:rPr lang="en-US" sz="1100" dirty="0" smtClean="0">
+                <a:solidFill>
+                  <a:schemeClr val="accent2">
+                    <a:lumMod val="75000"/>
+                  </a:schemeClr>
+                </a:solidFill>
+              </a:rPr>
+              <a:t>This </a:t>
+            </a:r>
+            <a:r>
+              <a:rPr lang="en-US" sz="1100" dirty="0">
+                <a:solidFill>
+                  <a:schemeClr val="accent2">
+                    <a:lumMod val="75000"/>
+                  </a:schemeClr>
+                </a:solidFill>
+              </a:rPr>
+              <a:t>pattern is set up in a way so that you can add </a:t>
+            </a:r>
+            <a:endParaRPr lang="en-US" sz="1100" dirty="0" smtClean="0">
+              <a:solidFill>
+                <a:schemeClr val="accent2">
+                  <a:lumMod val="75000"/>
+                </a:schemeClr>
+              </a:solidFill>
+            </a:endParaRPr>
+          </a:p>
+          <a:p>
+            <a:r>
+              <a:rPr lang="en-US" sz="1100" dirty="0" smtClean="0">
+                <a:solidFill>
+                  <a:schemeClr val="accent2">
+                    <a:lumMod val="75000"/>
+                  </a:schemeClr>
+                </a:solidFill>
+              </a:rPr>
+              <a:t>multiple </a:t>
+            </a:r>
+            <a:r>
+              <a:rPr lang="en-US" sz="1100" dirty="0">
+                <a:solidFill>
+                  <a:schemeClr val="accent2">
+                    <a:lumMod val="75000"/>
+                  </a:schemeClr>
+                </a:solidFill>
+              </a:rPr>
+              <a:t>layers of decoration to the object, by each time wrapping the </a:t>
+            </a:r>
+            <a:endParaRPr lang="en-US" sz="1100" dirty="0" smtClean="0">
+              <a:solidFill>
+                <a:schemeClr val="accent2">
+                  <a:lumMod val="75000"/>
+                </a:schemeClr>
+              </a:solidFill>
+            </a:endParaRPr>
+          </a:p>
+          <a:p>
+            <a:r>
+              <a:rPr lang="en-US" sz="1100" dirty="0" smtClean="0">
+                <a:solidFill>
+                  <a:schemeClr val="accent2">
+                    <a:lumMod val="75000"/>
+                  </a:schemeClr>
+                </a:solidFill>
+              </a:rPr>
+              <a:t>previous </a:t>
+            </a:r>
+            <a:r>
+              <a:rPr lang="en-US" sz="1100" dirty="0">
+                <a:solidFill>
+                  <a:schemeClr val="accent2">
+                    <a:lumMod val="75000"/>
+                  </a:schemeClr>
+                </a:solidFill>
+              </a:rPr>
+              <a:t>component </a:t>
+            </a:r>
+            <a:r>
+              <a:rPr lang="en-US" sz="1100" dirty="0" smtClean="0">
+                <a:solidFill>
+                  <a:schemeClr val="accent2">
+                    <a:lumMod val="75000"/>
+                  </a:schemeClr>
+                </a:solidFill>
+              </a:rPr>
+              <a:t>with </a:t>
+            </a:r>
+            <a:r>
+              <a:rPr lang="en-US" sz="1100" dirty="0">
+                <a:solidFill>
+                  <a:schemeClr val="accent2">
+                    <a:lumMod val="75000"/>
+                  </a:schemeClr>
+                </a:solidFill>
+              </a:rPr>
+              <a:t>a new decorator. </a:t>
+            </a:r>
+            <a:endParaRPr lang="en-US" sz="1100" dirty="0" smtClean="0">
+              <a:solidFill>
+                <a:schemeClr val="accent2">
+                  <a:lumMod val="75000"/>
+                </a:schemeClr>
+              </a:solidFill>
+            </a:endParaRPr>
+          </a:p>
+          <a:p>
+            <a:r>
+              <a:rPr lang="en-US" sz="1100" dirty="0" smtClean="0">
+                <a:solidFill>
+                  <a:schemeClr val="accent2">
+                    <a:lumMod val="75000"/>
+                  </a:schemeClr>
+                </a:solidFill>
+              </a:rPr>
+              <a:t>The </a:t>
+            </a:r>
+            <a:r>
+              <a:rPr lang="en-US" sz="1100" dirty="0">
+                <a:solidFill>
+                  <a:schemeClr val="accent2">
+                    <a:lumMod val="75000"/>
+                  </a:schemeClr>
+                </a:solidFill>
+              </a:rPr>
+              <a:t>decorator pattern is a structural design pattern.</a:t>
+            </a:r>
+            <a:endParaRPr lang="en-US" sz="1100" dirty="0">
+              <a:solidFill>
+                <a:schemeClr val="accent2">
+                  <a:lumMod val="75000"/>
+                </a:schemeClr>
+              </a:solidFill>
+            </a:endParaRPr>
+          </a:p>
+        </p:txBody>
+      </p:sp>
+    </p:spTree>
+    <p:extLst>
+      <p:ext uri="{BB962C8B-B14F-4D97-AF65-F5344CB8AC3E}">
+        <p14:creationId xmlns:p14="http://schemas.microsoft.com/office/powerpoint/2010/main" val="635117435"/>
+      </p:ext>
+    </p:extLst>
+  </p:cSld>
+  <p:clrMapOvr>
+    <a:masterClrMapping/>
+  </p:clrMapOvr>
+</p:sld>
+</file>
+
+<file path=ppt/slides/slide12.xml><?xml version="1.0" encoding="utf-8"?>
+<p:sld xmlns:a="http://schemas.openxmlformats.org/drawingml/2006/main" xmlns:r="http://schemas.openxmlformats.org/officeDocument/2006/relationships" xmlns:p="http://schemas.openxmlformats.org/presentationml/2006/main">
+  <p:cSld>
+    <p:spTree>
+      <p:nvGrpSpPr>
+        <p:cNvPr id="1" name=""/>
+        <p:cNvGrpSpPr/>
+        <p:nvPr/>
+      </p:nvGrpSpPr>
+      <p:grpSpPr>
+        <a:xfrm>
+          <a:off x="0" y="0"/>
+          <a:ext cx="0" cy="0"/>
+          <a:chOff x="0" y="0"/>
+          <a:chExt cx="0" cy="0"/>
+        </a:xfrm>
+      </p:grpSpPr>
+      <p:sp>
+        <p:nvSpPr>
+          <p:cNvPr id="2" name="Content Placeholder 1"/>
+          <p:cNvSpPr>
+            <a:spLocks noGrp="1"/>
+          </p:cNvSpPr>
+          <p:nvPr>
+            <p:ph idx="1"/>
+          </p:nvPr>
+        </p:nvSpPr>
+        <p:spPr/>
+        <p:txBody>
+          <a:bodyPr/>
+          <a:lstStyle/>
+          <a:p>
+            <a:r>
+              <a:rPr lang="en-US" dirty="0" smtClean="0"/>
+              <a:t>Basic dependency injection with decorators</a:t>
+            </a:r>
+          </a:p>
+          <a:p>
+            <a:endParaRPr lang="en-US" dirty="0"/>
+          </a:p>
+        </p:txBody>
+      </p:sp>
+      <p:sp>
+        <p:nvSpPr>
+          <p:cNvPr id="3" name="Text Placeholder 2"/>
+          <p:cNvSpPr>
+            <a:spLocks noGrp="1"/>
+          </p:cNvSpPr>
+          <p:nvPr>
+            <p:ph type="body" sz="quarter" idx="11"/>
+          </p:nvPr>
+        </p:nvSpPr>
+        <p:spPr/>
+        <p:txBody>
+          <a:bodyPr/>
+          <a:lstStyle/>
+          <a:p>
+            <a:r>
+              <a:rPr lang="en-US" dirty="0" smtClean="0"/>
+              <a:t>Dependency injection</a:t>
+            </a:r>
+            <a:endParaRPr lang="en-US" dirty="0"/>
+          </a:p>
+        </p:txBody>
+      </p:sp>
+      <p:sp>
+        <p:nvSpPr>
+          <p:cNvPr id="5" name="TextBox 4"/>
+          <p:cNvSpPr txBox="1"/>
+          <p:nvPr/>
+        </p:nvSpPr>
+        <p:spPr>
+          <a:xfrm>
+            <a:off x="587208" y="1702155"/>
+            <a:ext cx="3921266" cy="938719"/>
+          </a:xfrm>
+          <a:prstGeom prst="rect">
+            <a:avLst/>
+          </a:prstGeom>
+          <a:noFill/>
+        </p:spPr>
+        <p:txBody>
+          <a:bodyPr wrap="none" rtlCol="0">
+            <a:spAutoFit/>
+          </a:bodyPr>
+          <a:lstStyle/>
+          <a:p>
+            <a:r>
+              <a:rPr lang="en-US" sz="1100" dirty="0">
+                <a:solidFill>
+                  <a:schemeClr val="accent2">
+                    <a:lumMod val="75000"/>
+                  </a:schemeClr>
+                </a:solidFill>
+              </a:rPr>
+              <a:t>Dependency injection is basically providing the </a:t>
+            </a:r>
+            <a:endParaRPr lang="en-US" sz="1100" dirty="0" smtClean="0">
+              <a:solidFill>
+                <a:schemeClr val="accent2">
+                  <a:lumMod val="75000"/>
+                </a:schemeClr>
+              </a:solidFill>
+            </a:endParaRPr>
+          </a:p>
+          <a:p>
+            <a:r>
+              <a:rPr lang="en-US" sz="1100" dirty="0" smtClean="0">
+                <a:solidFill>
+                  <a:schemeClr val="accent2">
+                    <a:lumMod val="75000"/>
+                  </a:schemeClr>
+                </a:solidFill>
+              </a:rPr>
+              <a:t>objects </a:t>
+            </a:r>
+            <a:r>
+              <a:rPr lang="en-US" sz="1100" dirty="0">
+                <a:solidFill>
+                  <a:schemeClr val="accent2">
+                    <a:lumMod val="75000"/>
+                  </a:schemeClr>
+                </a:solidFill>
+              </a:rPr>
+              <a:t>that an object needs (its dependencies) </a:t>
+            </a:r>
+            <a:endParaRPr lang="en-US" sz="1100" dirty="0" smtClean="0">
+              <a:solidFill>
+                <a:schemeClr val="accent2">
+                  <a:lumMod val="75000"/>
+                </a:schemeClr>
+              </a:solidFill>
+            </a:endParaRPr>
+          </a:p>
+          <a:p>
+            <a:r>
+              <a:rPr lang="en-US" sz="1100" dirty="0" smtClean="0">
+                <a:solidFill>
+                  <a:schemeClr val="accent2">
+                    <a:lumMod val="75000"/>
+                  </a:schemeClr>
+                </a:solidFill>
+              </a:rPr>
+              <a:t>instead </a:t>
+            </a:r>
+            <a:r>
+              <a:rPr lang="en-US" sz="1100" dirty="0">
+                <a:solidFill>
+                  <a:schemeClr val="accent2">
+                    <a:lumMod val="75000"/>
+                  </a:schemeClr>
+                </a:solidFill>
+              </a:rPr>
+              <a:t>of having it construct them itself. </a:t>
+            </a:r>
+            <a:endParaRPr lang="en-US" sz="1100" dirty="0" smtClean="0">
+              <a:solidFill>
+                <a:schemeClr val="accent2">
+                  <a:lumMod val="75000"/>
+                </a:schemeClr>
+              </a:solidFill>
+            </a:endParaRPr>
+          </a:p>
+          <a:p>
+            <a:r>
+              <a:rPr lang="en-US" sz="1100" dirty="0" smtClean="0">
+                <a:solidFill>
+                  <a:schemeClr val="accent2">
+                    <a:lumMod val="75000"/>
+                  </a:schemeClr>
+                </a:solidFill>
+              </a:rPr>
+              <a:t>It's </a:t>
+            </a:r>
+            <a:r>
+              <a:rPr lang="en-US" sz="1100" dirty="0">
+                <a:solidFill>
+                  <a:schemeClr val="accent2">
+                    <a:lumMod val="75000"/>
+                  </a:schemeClr>
+                </a:solidFill>
+              </a:rPr>
+              <a:t>a very useful technique for testing, </a:t>
+            </a:r>
+            <a:endParaRPr lang="en-US" sz="1100" dirty="0" smtClean="0">
+              <a:solidFill>
+                <a:schemeClr val="accent2">
+                  <a:lumMod val="75000"/>
+                </a:schemeClr>
+              </a:solidFill>
+            </a:endParaRPr>
+          </a:p>
+          <a:p>
+            <a:r>
+              <a:rPr lang="en-US" sz="1100" dirty="0" smtClean="0">
+                <a:solidFill>
+                  <a:schemeClr val="accent2">
+                    <a:lumMod val="75000"/>
+                  </a:schemeClr>
+                </a:solidFill>
+              </a:rPr>
+              <a:t>since </a:t>
+            </a:r>
+            <a:r>
+              <a:rPr lang="en-US" sz="1100" dirty="0">
+                <a:solidFill>
+                  <a:schemeClr val="accent2">
+                    <a:lumMod val="75000"/>
+                  </a:schemeClr>
+                </a:solidFill>
+              </a:rPr>
+              <a:t>it allows dependencies to be mocked or stubbed out.</a:t>
+            </a:r>
+            <a:endParaRPr lang="en-US" sz="1100" dirty="0">
+              <a:solidFill>
+                <a:schemeClr val="accent2">
+                  <a:lumMod val="75000"/>
+                </a:schemeClr>
+              </a:solidFill>
+            </a:endParaRPr>
+          </a:p>
+        </p:txBody>
+      </p:sp>
+      <p:pic>
+        <p:nvPicPr>
+          <p:cNvPr id="6" name="Picture 5"/>
+          <p:cNvPicPr>
+            <a:picLocks noChangeAspect="1"/>
+          </p:cNvPicPr>
+          <p:nvPr/>
+        </p:nvPicPr>
+        <p:blipFill>
+          <a:blip r:embed="rId2">
+            <a:extLst>
+              <a:ext uri="{28A0092B-C50C-407E-A947-70E740481C1C}">
+                <a14:useLocalDpi xmlns:a14="http://schemas.microsoft.com/office/drawing/2010/main" val="0"/>
+              </a:ext>
+            </a:extLst>
+          </a:blip>
+          <a:stretch>
+            <a:fillRect/>
+          </a:stretch>
+        </p:blipFill>
+        <p:spPr>
+          <a:xfrm>
+            <a:off x="4735319" y="1119896"/>
+            <a:ext cx="3727493" cy="2042640"/>
+          </a:xfrm>
+          <a:prstGeom prst="rect">
+            <a:avLst/>
+          </a:prstGeom>
+        </p:spPr>
+      </p:pic>
+    </p:spTree>
+    <p:extLst>
+      <p:ext uri="{BB962C8B-B14F-4D97-AF65-F5344CB8AC3E}">
+        <p14:creationId xmlns:p14="http://schemas.microsoft.com/office/powerpoint/2010/main" val="1910924964"/>
+      </p:ext>
+    </p:extLst>
+  </p:cSld>
+  <p:clrMapOvr>
+    <a:masterClrMapping/>
+  </p:clrMapOvr>
+</p:sld>
+</file>
+
+<file path=ppt/slides/slide13.xml><?xml version="1.0" encoding="utf-8"?>
 <p:sld xmlns:a="http://schemas.openxmlformats.org/drawingml/2006/main" xmlns:r="http://schemas.openxmlformats.org/officeDocument/2006/relationships" xmlns:p="http://schemas.openxmlformats.org/presentationml/2006/main">
   <p:cSld>
     <p:spTree>
@@ -4286,7 +6240,7 @@
         </p:nvGrpSpPr>
         <p:grpSpPr>
           <a:xfrm>
-            <a:off x="291106" y="2276473"/>
+            <a:off x="291106" y="2224225"/>
             <a:ext cx="7500343" cy="362731"/>
             <a:chOff x="448467" y="1385345"/>
             <a:chExt cx="10000456" cy="483641"/>
@@ -4423,10 +6377,10 @@
         </p:nvGrpSpPr>
         <p:grpSpPr>
           <a:xfrm>
-            <a:off x="291106" y="2907427"/>
-            <a:ext cx="8338543" cy="608952"/>
+            <a:off x="291106" y="2652701"/>
+            <a:ext cx="8338543" cy="855174"/>
             <a:chOff x="448467" y="2074215"/>
-            <a:chExt cx="11118056" cy="811935"/>
+            <a:chExt cx="11118056" cy="1140231"/>
           </a:xfrm>
         </p:grpSpPr>
         <p:sp>
@@ -4438,7 +6392,7 @@
           <p:spPr>
             <a:xfrm>
               <a:off x="991816" y="2106451"/>
-              <a:ext cx="10574707" cy="779699"/>
+              <a:ext cx="10574707" cy="1107995"/>
             </a:xfrm>
             <a:prstGeom prst="rect">
               <a:avLst/>
@@ -4465,9 +6419,22 @@
                 <a:rPr lang="en-US" sz="1600" dirty="0"/>
                 <a:t> is a strict superset of JavaScript, and adds </a:t>
               </a:r>
+              <a:endParaRPr lang="en-US" sz="1600" dirty="0" smtClean="0"/>
+            </a:p>
+            <a:p>
+              <a:pPr>
+                <a:buClr>
+                  <a:schemeClr val="bg1"/>
+                </a:buClr>
+                <a:buSzPct val="140000"/>
+              </a:pPr>
+              <a:r>
+                <a:rPr lang="en-US" sz="1600" b="1" dirty="0" smtClean="0"/>
+                <a:t>optional </a:t>
+              </a:r>
               <a:r>
                 <a:rPr lang="en-US" sz="1600" b="1" dirty="0"/>
-                <a:t>optional static typing</a:t>
+                <a:t>static typing</a:t>
               </a:r>
               <a:r>
                 <a:rPr lang="en-US" sz="1600" dirty="0"/>
@@ -4475,11 +6442,32 @@
               </a:r>
               <a:r>
                 <a:rPr lang="en-US" sz="1600" b="1" dirty="0"/>
-                <a:t>class-based object-oriented programming</a:t>
+                <a:t>class-based object-oriented </a:t>
+              </a:r>
+              <a:endParaRPr lang="en-US" sz="1600" b="1" dirty="0" smtClean="0"/>
+            </a:p>
+            <a:p>
+              <a:pPr>
+                <a:buClr>
+                  <a:schemeClr val="bg1"/>
+                </a:buClr>
+                <a:buSzPct val="140000"/>
+              </a:pPr>
+              <a:r>
+                <a:rPr lang="en-US" sz="1600" b="1" dirty="0" smtClean="0"/>
+                <a:t>programming</a:t>
               </a:r>
               <a:r>
                 <a:rPr lang="en-US" sz="1600" dirty="0"/>
-                <a:t> to the language.</a:t>
+                <a:t> </a:t>
+              </a:r>
+              <a:r>
+                <a:rPr lang="en-US" sz="1600" dirty="0" smtClean="0"/>
+                <a:t>to </a:t>
+              </a:r>
+              <a:r>
+                <a:rPr lang="en-US" sz="1600" dirty="0"/>
+                <a:t>the language.</a:t>
               </a:r>
               <a:endParaRPr lang="en-US" sz="1500" dirty="0">
                 <a:solidFill>
@@ -4863,6 +6851,36 @@
           </p:sp>
         </p:grpSp>
       </p:grpSp>
+      <p:pic>
+        <p:nvPicPr>
+          <p:cNvPr id="2" name="Picture 1"/>
+          <p:cNvPicPr>
+            <a:picLocks noChangeAspect="1"/>
+          </p:cNvPicPr>
+          <p:nvPr/>
+        </p:nvPicPr>
+        <p:blipFill>
+          <a:blip r:embed="rId5">
+            <a:extLst>
+              <a:ext uri="{28A0092B-C50C-407E-A947-70E740481C1C}">
+                <a14:useLocalDpi xmlns:a14="http://schemas.microsoft.com/office/drawing/2010/main" val="0"/>
+              </a:ext>
+            </a:extLst>
+          </a:blip>
+          <a:stretch>
+            <a:fillRect/>
+          </a:stretch>
+        </p:blipFill>
+        <p:spPr>
+          <a:xfrm>
+            <a:off x="6753497" y="1796638"/>
+            <a:ext cx="2100741" cy="2100741"/>
+          </a:xfrm>
+          <a:prstGeom prst="rect">
+            <a:avLst/>
+          </a:prstGeom>
+        </p:spPr>
+      </p:pic>
     </p:spTree>
     <p:extLst>
       <p:ext uri="{BB962C8B-B14F-4D97-AF65-F5344CB8AC3E}">
@@ -4963,7 +6981,7 @@
         </p:nvGrpSpPr>
         <p:grpSpPr>
           <a:xfrm>
-            <a:off x="322856" y="1812266"/>
+            <a:off x="329388" y="1237502"/>
             <a:ext cx="7500343" cy="362731"/>
             <a:chOff x="448467" y="1385345"/>
             <a:chExt cx="10000456" cy="483641"/>
@@ -5101,7 +7119,7 @@
         </p:nvGrpSpPr>
         <p:grpSpPr>
           <a:xfrm>
-            <a:off x="322856" y="2257995"/>
+            <a:off x="329388" y="1683231"/>
             <a:ext cx="7500343" cy="362731"/>
             <a:chOff x="448467" y="1385345"/>
             <a:chExt cx="10000456" cy="483641"/>
@@ -5239,7 +7257,7 @@
         </p:nvGrpSpPr>
         <p:grpSpPr>
           <a:xfrm>
-            <a:off x="322856" y="2710650"/>
+            <a:off x="329388" y="2135886"/>
             <a:ext cx="7500343" cy="362731"/>
             <a:chOff x="448467" y="1385345"/>
             <a:chExt cx="10000456" cy="483641"/>
@@ -5377,7 +7395,7 @@
         </p:nvGrpSpPr>
         <p:grpSpPr>
           <a:xfrm>
-            <a:off x="322856" y="3163305"/>
+            <a:off x="329388" y="2588541"/>
             <a:ext cx="7500343" cy="362731"/>
             <a:chOff x="448467" y="1385345"/>
             <a:chExt cx="10000456" cy="483641"/>
@@ -5515,7 +7533,7 @@
         </p:nvGrpSpPr>
         <p:grpSpPr>
           <a:xfrm>
-            <a:off x="322856" y="3615960"/>
+            <a:off x="329388" y="3041196"/>
             <a:ext cx="7500344" cy="362732"/>
             <a:chOff x="448467" y="1385345"/>
             <a:chExt cx="10000457" cy="483642"/>
@@ -5653,10 +7671,10 @@
         </p:nvGrpSpPr>
         <p:grpSpPr>
           <a:xfrm>
-            <a:off x="322856" y="4066219"/>
-            <a:ext cx="7500343" cy="362731"/>
+            <a:off x="329388" y="3491455"/>
+            <a:ext cx="7500343" cy="362730"/>
             <a:chOff x="448467" y="1385345"/>
-            <a:chExt cx="10000456" cy="483641"/>
+            <a:chExt cx="10000456" cy="483640"/>
           </a:xfrm>
         </p:grpSpPr>
         <p:sp>
@@ -5667,7 +7685,7 @@
           </p:nvSpPr>
           <p:spPr>
             <a:xfrm>
-              <a:off x="991816" y="1417581"/>
+              <a:off x="991816" y="1417580"/>
               <a:ext cx="9457107" cy="451405"/>
             </a:xfrm>
             <a:prstGeom prst="rect">
@@ -5783,6 +7801,144 @@
           </p:sp>
         </p:grpSp>
       </p:grpSp>
+      <p:grpSp>
+        <p:nvGrpSpPr>
+          <p:cNvPr id="34" name="Group 33"/>
+          <p:cNvGrpSpPr/>
+          <p:nvPr/>
+        </p:nvGrpSpPr>
+        <p:grpSpPr>
+          <a:xfrm>
+            <a:off x="325041" y="3931252"/>
+            <a:ext cx="7500343" cy="362730"/>
+            <a:chOff x="448467" y="1385345"/>
+            <a:chExt cx="10000456" cy="483640"/>
+          </a:xfrm>
+        </p:grpSpPr>
+        <p:sp>
+          <p:nvSpPr>
+            <p:cNvPr id="35" name="TextBox 34"/>
+            <p:cNvSpPr txBox="1"/>
+            <p:nvPr/>
+          </p:nvSpPr>
+          <p:spPr>
+            <a:xfrm>
+              <a:off x="991816" y="1417580"/>
+              <a:ext cx="9457107" cy="451405"/>
+            </a:xfrm>
+            <a:prstGeom prst="rect">
+              <a:avLst/>
+            </a:prstGeom>
+            <a:noFill/>
+          </p:spPr>
+          <p:txBody>
+            <a:bodyPr wrap="square" rtlCol="0">
+              <a:spAutoFit/>
+            </a:bodyPr>
+            <a:lstStyle/>
+            <a:p>
+              <a:r>
+                <a:rPr lang="en-US" sz="1600" dirty="0" smtClean="0"/>
+                <a:t>Decorators</a:t>
+              </a:r>
+              <a:endParaRPr lang="en-US" sz="1600" dirty="0"/>
+            </a:p>
+          </p:txBody>
+        </p:sp>
+        <p:grpSp>
+          <p:nvGrpSpPr>
+            <p:cNvPr id="36" name="Group 35"/>
+            <p:cNvGrpSpPr/>
+            <p:nvPr/>
+          </p:nvGrpSpPr>
+          <p:grpSpPr>
+            <a:xfrm>
+              <a:off x="448467" y="1385345"/>
+              <a:ext cx="464582" cy="464582"/>
+              <a:chOff x="448467" y="1385718"/>
+              <a:chExt cx="464582" cy="464582"/>
+            </a:xfrm>
+          </p:grpSpPr>
+          <p:sp>
+            <p:nvSpPr>
+              <p:cNvPr id="37" name="Oval 36"/>
+              <p:cNvSpPr/>
+              <p:nvPr/>
+            </p:nvSpPr>
+            <p:spPr>
+              <a:xfrm>
+                <a:off x="448467" y="1385718"/>
+                <a:ext cx="464582" cy="464582"/>
+              </a:xfrm>
+              <a:prstGeom prst="ellipse">
+                <a:avLst/>
+              </a:prstGeom>
+              <a:solidFill>
+                <a:srgbClr val="2FC2D9"/>
+              </a:solidFill>
+              <a:ln>
+                <a:noFill/>
+              </a:ln>
+              <a:effectLst/>
+            </p:spPr>
+            <p:style>
+              <a:lnRef idx="1">
+                <a:schemeClr val="accent1"/>
+              </a:lnRef>
+              <a:fillRef idx="3">
+                <a:schemeClr val="accent1"/>
+              </a:fillRef>
+              <a:effectRef idx="2">
+                <a:schemeClr val="accent1"/>
+              </a:effectRef>
+              <a:fontRef idx="minor">
+                <a:schemeClr val="lt1"/>
+              </a:fontRef>
+            </p:style>
+            <p:txBody>
+              <a:bodyPr rtlCol="0" anchor="ctr"/>
+              <a:lstStyle/>
+              <a:p>
+                <a:pPr algn="ctr"/>
+                <a:endParaRPr lang="en-US" dirty="0"/>
+              </a:p>
+            </p:txBody>
+          </p:sp>
+          <p:sp>
+            <p:nvSpPr>
+              <p:cNvPr id="63" name="TextBox 62"/>
+              <p:cNvSpPr txBox="1"/>
+              <p:nvPr/>
+            </p:nvSpPr>
+            <p:spPr>
+              <a:xfrm>
+                <a:off x="555931" y="1427189"/>
+                <a:ext cx="246308" cy="406265"/>
+              </a:xfrm>
+              <a:prstGeom prst="rect">
+                <a:avLst/>
+              </a:prstGeom>
+              <a:noFill/>
+            </p:spPr>
+            <p:txBody>
+              <a:bodyPr wrap="none" tIns="27432" rtlCol="0">
+                <a:spAutoFit/>
+              </a:bodyPr>
+              <a:lstStyle/>
+              <a:p>
+                <a:pPr algn="ctr"/>
+                <a:endParaRPr lang="en-US" sz="1500" b="1" dirty="0">
+                  <a:solidFill>
+                    <a:schemeClr val="bg1"/>
+                  </a:solidFill>
+                  <a:latin typeface="Arial Black"/>
+                  <a:cs typeface="Arial Black"/>
+                </a:endParaRPr>
+              </a:p>
+            </p:txBody>
+          </p:sp>
+        </p:grpSp>
+      </p:grpSp>
     </p:spTree>
     <p:extLst>
       <p:ext uri="{BB962C8B-B14F-4D97-AF65-F5344CB8AC3E}">
@@ -6168,6 +8324,129 @@
               </a:solidFill>
               <a:latin typeface="Trebuchet MS"/>
               <a:cs typeface="Trebuchet MS"/>
+            </a:endParaRPr>
+          </a:p>
+        </p:txBody>
+      </p:sp>
+      <p:sp>
+        <p:nvSpPr>
+          <p:cNvPr id="3" name="TextBox 2"/>
+          <p:cNvSpPr txBox="1"/>
+          <p:nvPr/>
+        </p:nvSpPr>
+        <p:spPr>
+          <a:xfrm>
+            <a:off x="5466377" y="947772"/>
+            <a:ext cx="3323877" cy="3477875"/>
+          </a:xfrm>
+          <a:prstGeom prst="rect">
+            <a:avLst/>
+          </a:prstGeom>
+          <a:noFill/>
+        </p:spPr>
+        <p:txBody>
+          <a:bodyPr wrap="square" rtlCol="0">
+            <a:spAutoFit/>
+          </a:bodyPr>
+          <a:lstStyle/>
+          <a:p>
+            <a:r>
+              <a:rPr lang="en-US" sz="1100" dirty="0">
+                <a:solidFill>
+                  <a:schemeClr val="accent2">
+                    <a:lumMod val="75000"/>
+                  </a:schemeClr>
+                </a:solidFill>
+              </a:rPr>
+              <a:t>All types in </a:t>
+            </a:r>
+            <a:r>
+              <a:rPr lang="en-US" sz="1100" dirty="0" err="1">
+                <a:solidFill>
+                  <a:schemeClr val="accent2">
+                    <a:lumMod val="75000"/>
+                  </a:schemeClr>
+                </a:solidFill>
+              </a:rPr>
+              <a:t>TypeScript</a:t>
+            </a:r>
+            <a:r>
+              <a:rPr lang="en-US" sz="1100" dirty="0">
+                <a:solidFill>
+                  <a:schemeClr val="accent2">
+                    <a:lumMod val="75000"/>
+                  </a:schemeClr>
+                </a:solidFill>
+              </a:rPr>
+              <a:t> are subtypes of a single top type called the Any type. The any keyword references this type. The Any type is the one type that can represent any JavaScript value with no constraints. All other types are categorized as primitive types, object types, or type parameters. These types introduce various static constraints on their values.</a:t>
+            </a:r>
+          </a:p>
+          <a:p>
+            <a:endParaRPr lang="en-US" sz="1100" dirty="0">
+              <a:solidFill>
+                <a:schemeClr val="accent2">
+                  <a:lumMod val="75000"/>
+                </a:schemeClr>
+              </a:solidFill>
+            </a:endParaRPr>
+          </a:p>
+          <a:p>
+            <a:r>
+              <a:rPr lang="en-US" sz="1100" dirty="0">
+                <a:solidFill>
+                  <a:schemeClr val="accent2">
+                    <a:lumMod val="75000"/>
+                  </a:schemeClr>
+                </a:solidFill>
+              </a:rPr>
+              <a:t>The primitive types are the Number, Boolean, String, Void, Null, and Undefined types along with user defined </a:t>
+            </a:r>
+            <a:r>
+              <a:rPr lang="en-US" sz="1100" dirty="0" err="1">
+                <a:solidFill>
+                  <a:schemeClr val="accent2">
+                    <a:lumMod val="75000"/>
+                  </a:schemeClr>
+                </a:solidFill>
+              </a:rPr>
+              <a:t>enum</a:t>
+            </a:r>
+            <a:r>
+              <a:rPr lang="en-US" sz="1100" dirty="0">
+                <a:solidFill>
+                  <a:schemeClr val="accent2">
+                    <a:lumMod val="75000"/>
+                  </a:schemeClr>
+                </a:solidFill>
+              </a:rPr>
+              <a:t> types. The number, </a:t>
+            </a:r>
+            <a:r>
+              <a:rPr lang="en-US" sz="1100" dirty="0" err="1">
+                <a:solidFill>
+                  <a:schemeClr val="accent2">
+                    <a:lumMod val="75000"/>
+                  </a:schemeClr>
+                </a:solidFill>
+              </a:rPr>
+              <a:t>boolean</a:t>
+            </a:r>
+            <a:r>
+              <a:rPr lang="en-US" sz="1100" dirty="0">
+                <a:solidFill>
+                  <a:schemeClr val="accent2">
+                    <a:lumMod val="75000"/>
+                  </a:schemeClr>
+                </a:solidFill>
+              </a:rPr>
+              <a:t>, string, and void keywords reference the Number, Boolean, String, and Void primitive types respectively. The Void type exists purely to indicate the absence of a value, such as in a function with no return value. It is not possible to explicitly reference the Null and Undefined types—only values of those types can be referenced, using the null and undefined literals.</a:t>
+            </a:r>
+            <a:endParaRPr lang="en-US" sz="1100" dirty="0">
+              <a:solidFill>
+                <a:schemeClr val="accent2">
+                  <a:lumMod val="75000"/>
+                </a:schemeClr>
+              </a:solidFill>
             </a:endParaRPr>
           </a:p>
         </p:txBody>
@@ -7146,9 +9425,10 @@
           <a:lstStyle/>
           <a:p>
             <a:r>
-              <a:rPr lang="en-US" dirty="0"/>
+              <a:rPr lang="en-US" dirty="0" smtClean="0"/>
               <a:t>Generics</a:t>
             </a:r>
+            <a:endParaRPr lang="en-US" dirty="0"/>
           </a:p>
         </p:txBody>
       </p:sp>
@@ -8170,15 +10450,6 @@
 </file>
 
 <file path=customXml/item2.xml><?xml version="1.0" encoding="utf-8"?>
-<p:properties xmlns:p="http://schemas.microsoft.com/office/2006/metadata/properties" xmlns:xsi="http://www.w3.org/2001/XMLSchema-instance" xmlns:pc="http://schemas.microsoft.com/office/infopath/2007/PartnerControls">
-  <documentManagement>
-    <PublishingExpirationDate xmlns="http://schemas.microsoft.com/sharepoint/v3" xsi:nil="true"/>
-    <PublishingStartDate xmlns="http://schemas.microsoft.com/sharepoint/v3" xsi:nil="true"/>
-  </documentManagement>
-</p:properties>
-</file>
-
-<file path=customXml/item3.xml><?xml version="1.0" encoding="utf-8"?>
 <ct:contentTypeSchema xmlns:ct="http://schemas.microsoft.com/office/2006/metadata/contentType" xmlns:ma="http://schemas.microsoft.com/office/2006/metadata/properties/metaAttributes" ct:_="" ma:_="" ma:contentTypeName="Document" ma:contentTypeID="0x010100B0E9A4A7D20EA84CAA39F80EA2A19865" ma:contentTypeVersion="1" ma:contentTypeDescription="Create a new document." ma:contentTypeScope="" ma:versionID="4ed0c655cf5595f31b06ef1418ca28bf">
   <xsd:schema xmlns:xsd="http://www.w3.org/2001/XMLSchema" xmlns:xs="http://www.w3.org/2001/XMLSchema" xmlns:p="http://schemas.microsoft.com/office/2006/metadata/properties" xmlns:ns1="http://schemas.microsoft.com/sharepoint/v3" targetNamespace="http://schemas.microsoft.com/office/2006/metadata/properties" ma:root="true" ma:fieldsID="4dcce58c87e9fcebab8021569449a8d0" ns1:_="">
     <xsd:import namespace="http://schemas.microsoft.com/sharepoint/v3"/>
@@ -8310,6 +10581,15 @@
 </ct:contentTypeSchema>
 </file>
 
+<file path=customXml/item3.xml><?xml version="1.0" encoding="utf-8"?>
+<p:properties xmlns:p="http://schemas.microsoft.com/office/2006/metadata/properties" xmlns:xsi="http://www.w3.org/2001/XMLSchema-instance" xmlns:pc="http://schemas.microsoft.com/office/infopath/2007/PartnerControls">
+  <documentManagement>
+    <PublishingExpirationDate xmlns="http://schemas.microsoft.com/sharepoint/v3" xsi:nil="true"/>
+    <PublishingStartDate xmlns="http://schemas.microsoft.com/sharepoint/v3" xsi:nil="true"/>
+  </documentManagement>
+</p:properties>
+</file>
+
 <file path=customXml/itemProps1.xml><?xml version="1.0" encoding="utf-8"?>
 <ds:datastoreItem xmlns:ds="http://schemas.openxmlformats.org/officeDocument/2006/customXml" ds:itemID="{14883F0F-DE57-4ECA-B9BB-F22E8C5B5D82}">
   <ds:schemaRefs>
@@ -8319,22 +10599,6 @@
 </file>
 
 <file path=customXml/itemProps2.xml><?xml version="1.0" encoding="utf-8"?>
-<ds:datastoreItem xmlns:ds="http://schemas.openxmlformats.org/officeDocument/2006/customXml" ds:itemID="{D5E3C081-4081-47AD-A9A6-9F18F525DA1D}">
-  <ds:schemaRefs>
-    <ds:schemaRef ds:uri="http://purl.org/dc/terms/"/>
-    <ds:schemaRef ds:uri="http://purl.org/dc/elements/1.1/"/>
-    <ds:schemaRef ds:uri="http://purl.org/dc/dcmitype/"/>
-    <ds:schemaRef ds:uri="http://schemas.microsoft.com/office/2006/documentManagement/types"/>
-    <ds:schemaRef ds:uri="http://schemas.microsoft.com/sharepoint/v3"/>
-    <ds:schemaRef ds:uri="http://www.w3.org/XML/1998/namespace"/>
-    <ds:schemaRef ds:uri="http://schemas.microsoft.com/office/2006/metadata/properties"/>
-    <ds:schemaRef ds:uri="http://schemas.microsoft.com/office/infopath/2007/PartnerControls"/>
-    <ds:schemaRef ds:uri="http://schemas.openxmlformats.org/package/2006/metadata/core-properties"/>
-  </ds:schemaRefs>
-</ds:datastoreItem>
-</file>
-
-<file path=customXml/itemProps3.xml><?xml version="1.0" encoding="utf-8"?>
 <ds:datastoreItem xmlns:ds="http://schemas.openxmlformats.org/officeDocument/2006/customXml" ds:itemID="{C3A1A37E-F8E3-427A-BCE9-B1DDB8B96CDF}">
   <ds:schemaRefs>
     <ds:schemaRef ds:uri="http://schemas.microsoft.com/office/2006/metadata/contentType"/>
@@ -8350,4 +10614,20 @@
     <ds:schemaRef ds:uri="http://schemas.microsoft.com/internal/obd"/>
   </ds:schemaRefs>
 </ds:datastoreItem>
+</file>
+
+<file path=customXml/itemProps3.xml><?xml version="1.0" encoding="utf-8"?>
+<ds:datastoreItem xmlns:ds="http://schemas.openxmlformats.org/officeDocument/2006/customXml" ds:itemID="{D5E3C081-4081-47AD-A9A6-9F18F525DA1D}">
+  <ds:schemaRefs>
+    <ds:schemaRef ds:uri="http://purl.org/dc/terms/"/>
+    <ds:schemaRef ds:uri="http://purl.org/dc/elements/1.1/"/>
+    <ds:schemaRef ds:uri="http://purl.org/dc/dcmitype/"/>
+    <ds:schemaRef ds:uri="http://schemas.microsoft.com/office/2006/documentManagement/types"/>
+    <ds:schemaRef ds:uri="http://schemas.microsoft.com/sharepoint/v3"/>
+    <ds:schemaRef ds:uri="http://www.w3.org/XML/1998/namespace"/>
+    <ds:schemaRef ds:uri="http://schemas.microsoft.com/office/2006/metadata/properties"/>
+    <ds:schemaRef ds:uri="http://schemas.microsoft.com/office/infopath/2007/PartnerControls"/>
+    <ds:schemaRef ds:uri="http://schemas.openxmlformats.org/package/2006/metadata/core-properties"/>
+  </ds:schemaRefs>
+</ds:datastoreItem>
 </file>